--- a/LTI_C#OOPS/LINQ.pptx
+++ b/LTI_C#OOPS/LINQ.pptx
@@ -5,7 +5,7 @@
     <p:sldMasterId id="2147483660" r:id="rId1"/>
   </p:sldMasterIdLst>
   <p:notesMasterIdLst>
-    <p:notesMasterId r:id="rId11"/>
+    <p:notesMasterId r:id="rId20"/>
   </p:notesMasterIdLst>
   <p:sldIdLst>
     <p:sldId id="257" r:id="rId2"/>
@@ -17,6 +17,15 @@
     <p:sldId id="261" r:id="rId8"/>
     <p:sldId id="263" r:id="rId9"/>
     <p:sldId id="264" r:id="rId10"/>
+    <p:sldId id="265" r:id="rId11"/>
+    <p:sldId id="266" r:id="rId12"/>
+    <p:sldId id="267" r:id="rId13"/>
+    <p:sldId id="268" r:id="rId14"/>
+    <p:sldId id="269" r:id="rId15"/>
+    <p:sldId id="270" r:id="rId16"/>
+    <p:sldId id="271" r:id="rId17"/>
+    <p:sldId id="272" r:id="rId18"/>
+    <p:sldId id="273" r:id="rId19"/>
   </p:sldIdLst>
   <p:sldSz cx="9144000" cy="6858000" type="screen4x3"/>
   <p:notesSz cx="6858000" cy="9144000"/>
@@ -117,7 +126,7 @@
   </p:defaultTextStyle>
   <p:extLst>
     <p:ext uri="{EFAFB233-063F-42B5-8137-9DF3F51BA10A}">
-      <p15:sldGuideLst xmlns:p15="http://schemas.microsoft.com/office/powerpoint/2012/main">
+      <p15:sldGuideLst xmlns:p15="http://schemas.microsoft.com/office/powerpoint/2012/main" xmlns="">
         <p15:guide id="1" orient="horz" pos="2160">
           <p15:clr>
             <a:srgbClr val="A4A3A4"/>
@@ -216,7 +225,8 @@
           <a:p>
             <a:fld id="{269FE828-D25D-456F-9AFE-CF19154D8E05}" type="datetimeFigureOut">
               <a:rPr lang="en-US" smtClean="0"/>
-              <a:t>9/7/2022</a:t>
+              <a:pPr/>
+              <a:t>7/12/2023</a:t>
             </a:fld>
             <a:endParaRPr lang="en-US"/>
           </a:p>
@@ -376,6 +386,7 @@
           <a:p>
             <a:fld id="{17F8AA5E-9E3A-47EA-AAD4-9AEE8A739278}" type="slidenum">
               <a:rPr lang="en-US" smtClean="0"/>
+              <a:pPr/>
               <a:t>‹#›</a:t>
             </a:fld>
             <a:endParaRPr lang="en-US"/>
@@ -385,7 +396,7 @@
     </p:spTree>
     <p:extLst>
       <p:ext uri="{BB962C8B-B14F-4D97-AF65-F5344CB8AC3E}">
-        <p14:creationId xmlns:p14="http://schemas.microsoft.com/office/powerpoint/2010/main" val="3420723558"/>
+        <p14:creationId xmlns:p14="http://schemas.microsoft.com/office/powerpoint/2010/main" xmlns="" val="3420723558"/>
       </p:ext>
     </p:extLst>
   </p:cSld>
@@ -519,7 +530,8 @@
           <a:p>
             <a:fld id="{BCFD8EFE-3656-4AB7-9D64-968666BDF369}" type="datetime1">
               <a:rPr lang="en-US" smtClean="0"/>
-              <a:t>9/7/2022</a:t>
+              <a:pPr/>
+              <a:t>7/12/2023</a:t>
             </a:fld>
             <a:endParaRPr lang="en-US"/>
           </a:p>
@@ -1209,7 +1221,8 @@
           <a:p>
             <a:fld id="{E1B8949C-80DE-4C9E-BFF1-E39A7DBCDCDB}" type="datetime1">
               <a:rPr lang="en-US" smtClean="0"/>
-              <a:t>9/7/2022</a:t>
+              <a:pPr/>
+              <a:t>7/12/2023</a:t>
             </a:fld>
             <a:endParaRPr lang="en-US"/>
           </a:p>
@@ -1387,7 +1400,8 @@
           <a:p>
             <a:fld id="{83F2B1EB-CB8E-48F1-B594-AA7F7D345DEF}" type="datetime1">
               <a:rPr lang="en-US" smtClean="0"/>
-              <a:t>9/7/2022</a:t>
+              <a:pPr/>
+              <a:t>7/12/2023</a:t>
             </a:fld>
             <a:endParaRPr lang="en-US"/>
           </a:p>
@@ -1555,7 +1569,8 @@
           <a:p>
             <a:fld id="{1278FBFE-9E17-4AF5-9D55-9DFF224505AA}" type="datetime1">
               <a:rPr lang="en-US" smtClean="0"/>
-              <a:t>9/7/2022</a:t>
+              <a:pPr/>
+              <a:t>7/12/2023</a:t>
             </a:fld>
             <a:endParaRPr lang="en-US"/>
           </a:p>
@@ -3006,7 +3021,8 @@
           <a:p>
             <a:fld id="{C7897229-30B2-4724-A41A-211DF6278BE2}" type="datetime1">
               <a:rPr lang="en-US" smtClean="0"/>
-              <a:t>9/7/2022</a:t>
+              <a:pPr/>
+              <a:t>7/12/2023</a:t>
             </a:fld>
             <a:endParaRPr lang="en-US"/>
           </a:p>
@@ -3588,7 +3604,8 @@
           <a:p>
             <a:fld id="{EC2E10F4-7B05-49C1-B572-142D746747AD}" type="datetime1">
               <a:rPr lang="en-US" smtClean="0"/>
-              <a:t>9/7/2022</a:t>
+              <a:pPr/>
+              <a:t>7/12/2023</a:t>
             </a:fld>
             <a:endParaRPr lang="en-US"/>
           </a:p>
@@ -4020,7 +4037,8 @@
           <a:p>
             <a:fld id="{BDFFA914-7AFA-4945-819E-88DAFCBD2453}" type="datetime1">
               <a:rPr lang="en-US" smtClean="0"/>
-              <a:t>9/7/2022</a:t>
+              <a:pPr/>
+              <a:t>7/12/2023</a:t>
             </a:fld>
             <a:endParaRPr lang="en-US"/>
           </a:p>
@@ -4560,7 +4578,8 @@
           <a:p>
             <a:fld id="{3A8AC4A8-E20E-4E51-ABF0-6E2190C7AE62}" type="datetime1">
               <a:rPr lang="en-US" smtClean="0"/>
-              <a:t>9/7/2022</a:t>
+              <a:pPr/>
+              <a:t>7/12/2023</a:t>
             </a:fld>
             <a:endParaRPr lang="en-US"/>
           </a:p>
@@ -4654,7 +4673,8 @@
           <a:p>
             <a:fld id="{AA5AEC7B-0A91-4A15-948C-C93D115EEBE8}" type="datetime1">
               <a:rPr lang="en-US" smtClean="0"/>
-              <a:t>9/7/2022</a:t>
+              <a:pPr/>
+              <a:t>7/12/2023</a:t>
             </a:fld>
             <a:endParaRPr lang="en-US"/>
           </a:p>
@@ -4905,7 +4925,8 @@
           <a:p>
             <a:fld id="{B846F248-F11B-44FF-AFA0-4AE31C6934A0}" type="datetime1">
               <a:rPr lang="en-US" smtClean="0"/>
-              <a:t>9/7/2022</a:t>
+              <a:pPr/>
+              <a:t>7/12/2023</a:t>
             </a:fld>
             <a:endParaRPr lang="en-US"/>
           </a:p>
@@ -5620,7 +5641,8 @@
           <a:p>
             <a:fld id="{DA011D24-3847-48A3-9E66-D34882B03EF2}" type="datetime1">
               <a:rPr lang="en-US" smtClean="0"/>
-              <a:t>9/7/2022</a:t>
+              <a:pPr/>
+              <a:t>7/12/2023</a:t>
             </a:fld>
             <a:endParaRPr lang="en-US"/>
           </a:p>
@@ -6269,7 +6291,8 @@
           <a:p>
             <a:fld id="{0657A89F-4E9F-4F5A-91D9-3215064BBE72}" type="datetime1">
               <a:rPr lang="en-US" smtClean="0"/>
-              <a:t>9/7/2022</a:t>
+              <a:pPr/>
+              <a:t>7/12/2023</a:t>
             </a:fld>
             <a:endParaRPr lang="en-US"/>
           </a:p>
@@ -7447,6 +7470,2091 @@
 </p:sld>
 </file>
 
+<file path=ppt/slides/slide10.xml><?xml version="1.0" encoding="utf-8"?>
+<p:sld xmlns:a="http://schemas.openxmlformats.org/drawingml/2006/main" xmlns:r="http://schemas.openxmlformats.org/officeDocument/2006/relationships" xmlns:p="http://schemas.openxmlformats.org/presentationml/2006/main">
+  <p:cSld>
+    <p:spTree>
+      <p:nvGrpSpPr>
+        <p:cNvPr id="1" name=""/>
+        <p:cNvGrpSpPr/>
+        <p:nvPr/>
+      </p:nvGrpSpPr>
+      <p:grpSpPr>
+        <a:xfrm>
+          <a:off x="0" y="0"/>
+          <a:ext cx="0" cy="0"/>
+          <a:chOff x="0" y="0"/>
+          <a:chExt cx="0" cy="0"/>
+        </a:xfrm>
+      </p:grpSpPr>
+      <p:sp>
+        <p:nvSpPr>
+          <p:cNvPr id="2" name="Title 1">
+            <a:extLst>
+              <a:ext uri="{FF2B5EF4-FFF2-40B4-BE49-F238E27FC236}">
+                <a16:creationId xmlns:a16="http://schemas.microsoft.com/office/drawing/2014/main" xmlns="" id="{2B905F76-5769-EF87-F267-51FEAFBEA6DB}"/>
+              </a:ext>
+            </a:extLst>
+          </p:cNvPr>
+          <p:cNvSpPr>
+            <a:spLocks noGrp="1"/>
+          </p:cNvSpPr>
+          <p:nvPr>
+            <p:ph type="title"/>
+          </p:nvPr>
+        </p:nvSpPr>
+        <p:spPr/>
+        <p:txBody>
+          <a:bodyPr/>
+          <a:lstStyle/>
+          <a:p>
+            <a:r>
+              <a:rPr lang="en-IN" b="1" i="0" dirty="0">
+                <a:solidFill>
+                  <a:schemeClr val="tx1"/>
+                </a:solidFill>
+                <a:effectLst/>
+                <a:latin typeface="arial" panose="020B0604020202020204" pitchFamily="34" charset="0"/>
+              </a:rPr>
+              <a:t>What is </a:t>
+            </a:r>
+            <a:r>
+              <a:rPr lang="en-IN" b="1" i="0" dirty="0" err="1">
+                <a:solidFill>
+                  <a:schemeClr val="tx1"/>
+                </a:solidFill>
+                <a:effectLst/>
+                <a:latin typeface="arial" panose="020B0604020202020204" pitchFamily="34" charset="0"/>
+              </a:rPr>
+              <a:t>Linq</a:t>
+            </a:r>
+            <a:r>
+              <a:rPr lang="en-IN" b="1" i="0" dirty="0">
+                <a:solidFill>
+                  <a:schemeClr val="tx1"/>
+                </a:solidFill>
+                <a:effectLst/>
+                <a:latin typeface="arial" panose="020B0604020202020204" pitchFamily="34" charset="0"/>
+              </a:rPr>
+              <a:t> </a:t>
+            </a:r>
+            <a:r>
+              <a:rPr lang="en-IN" b="1" i="0" dirty="0" err="1">
+                <a:solidFill>
+                  <a:schemeClr val="tx1"/>
+                </a:solidFill>
+                <a:effectLst/>
+                <a:latin typeface="arial" panose="020B0604020202020204" pitchFamily="34" charset="0"/>
+              </a:rPr>
+              <a:t>SelectMany</a:t>
+            </a:r>
+            <a:r>
+              <a:rPr lang="en-IN" b="1" i="0" dirty="0">
+                <a:solidFill>
+                  <a:schemeClr val="tx1"/>
+                </a:solidFill>
+                <a:effectLst/>
+                <a:latin typeface="arial" panose="020B0604020202020204" pitchFamily="34" charset="0"/>
+              </a:rPr>
+              <a:t>?</a:t>
+            </a:r>
+            <a:r>
+              <a:rPr lang="en-IN" b="0" i="0" dirty="0">
+                <a:solidFill>
+                  <a:srgbClr val="212529"/>
+                </a:solidFill>
+                <a:effectLst/>
+                <a:latin typeface="-apple-system"/>
+              </a:rPr>
+              <a:t/>
+            </a:r>
+            <a:br>
+              <a:rPr lang="en-IN" b="0" i="0" dirty="0">
+                <a:solidFill>
+                  <a:srgbClr val="212529"/>
+                </a:solidFill>
+                <a:effectLst/>
+                <a:latin typeface="-apple-system"/>
+              </a:rPr>
+            </a:br>
+            <a:endParaRPr lang="en-IN" dirty="0"/>
+          </a:p>
+        </p:txBody>
+      </p:sp>
+      <p:sp>
+        <p:nvSpPr>
+          <p:cNvPr id="3" name="Footer Placeholder 2">
+            <a:extLst>
+              <a:ext uri="{FF2B5EF4-FFF2-40B4-BE49-F238E27FC236}">
+                <a16:creationId xmlns:a16="http://schemas.microsoft.com/office/drawing/2014/main" xmlns="" id="{6BCC2A6A-8755-7CD4-5E0E-B1819FC6BDDC}"/>
+              </a:ext>
+            </a:extLst>
+          </p:cNvPr>
+          <p:cNvSpPr>
+            <a:spLocks noGrp="1"/>
+          </p:cNvSpPr>
+          <p:nvPr>
+            <p:ph type="ftr" sz="quarter" idx="11"/>
+          </p:nvPr>
+        </p:nvSpPr>
+        <p:spPr/>
+        <p:txBody>
+          <a:bodyPr/>
+          <a:lstStyle/>
+          <a:p>
+            <a:r>
+              <a:rPr lang="en-US"/>
+              <a:t>Excel Online Classes</a:t>
+            </a:r>
+          </a:p>
+        </p:txBody>
+      </p:sp>
+      <p:sp>
+        <p:nvSpPr>
+          <p:cNvPr id="5" name="TextBox 4">
+            <a:extLst>
+              <a:ext uri="{FF2B5EF4-FFF2-40B4-BE49-F238E27FC236}">
+                <a16:creationId xmlns:a16="http://schemas.microsoft.com/office/drawing/2014/main" xmlns="" id="{C958F8AD-90F9-9FAD-CB06-1BEFF9473BE4}"/>
+              </a:ext>
+            </a:extLst>
+          </p:cNvPr>
+          <p:cNvSpPr txBox="1"/>
+          <p:nvPr/>
+        </p:nvSpPr>
+        <p:spPr>
+          <a:xfrm>
+            <a:off x="915186" y="1752600"/>
+            <a:ext cx="6934200" cy="646331"/>
+          </a:xfrm>
+          <a:prstGeom prst="rect">
+            <a:avLst/>
+          </a:prstGeom>
+          <a:noFill/>
+        </p:spPr>
+        <p:txBody>
+          <a:bodyPr wrap="square">
+            <a:spAutoFit/>
+          </a:bodyPr>
+          <a:lstStyle/>
+          <a:p>
+            <a:r>
+              <a:rPr lang="en-US" b="0" i="0" dirty="0">
+                <a:effectLst/>
+                <a:latin typeface="arial" panose="020B0604020202020204" pitchFamily="34" charset="0"/>
+              </a:rPr>
+              <a:t>That means the </a:t>
+            </a:r>
+            <a:r>
+              <a:rPr lang="en-US" b="0" i="0" dirty="0" err="1">
+                <a:effectLst/>
+                <a:latin typeface="arial" panose="020B0604020202020204" pitchFamily="34" charset="0"/>
+              </a:rPr>
+              <a:t>SelectMany</a:t>
+            </a:r>
+            <a:r>
+              <a:rPr lang="en-US" b="0" i="0" dirty="0">
+                <a:effectLst/>
+                <a:latin typeface="arial" panose="020B0604020202020204" pitchFamily="34" charset="0"/>
+              </a:rPr>
+              <a:t> operator combines the records from a sequence of results and then converts it into one result.</a:t>
+            </a:r>
+            <a:endParaRPr lang="en-IN" dirty="0"/>
+          </a:p>
+        </p:txBody>
+      </p:sp>
+      <p:pic>
+        <p:nvPicPr>
+          <p:cNvPr id="7" name="Picture 6">
+            <a:extLst>
+              <a:ext uri="{FF2B5EF4-FFF2-40B4-BE49-F238E27FC236}">
+                <a16:creationId xmlns:a16="http://schemas.microsoft.com/office/drawing/2014/main" xmlns="" id="{260DB989-747B-9337-172A-E78F1EFC68D9}"/>
+              </a:ext>
+            </a:extLst>
+          </p:cNvPr>
+          <p:cNvPicPr>
+            <a:picLocks noChangeAspect="1"/>
+          </p:cNvPicPr>
+          <p:nvPr/>
+        </p:nvPicPr>
+        <p:blipFill>
+          <a:blip r:embed="rId2" cstate="print"/>
+          <a:stretch>
+            <a:fillRect/>
+          </a:stretch>
+        </p:blipFill>
+        <p:spPr>
+          <a:xfrm>
+            <a:off x="876300" y="2832618"/>
+            <a:ext cx="7391400" cy="1205436"/>
+          </a:xfrm>
+          <a:prstGeom prst="rect">
+            <a:avLst/>
+          </a:prstGeom>
+        </p:spPr>
+      </p:pic>
+      <p:pic>
+        <p:nvPicPr>
+          <p:cNvPr id="9" name="Picture 8">
+            <a:extLst>
+              <a:ext uri="{FF2B5EF4-FFF2-40B4-BE49-F238E27FC236}">
+                <a16:creationId xmlns:a16="http://schemas.microsoft.com/office/drawing/2014/main" xmlns="" id="{161E9796-F292-C3F1-CD23-F5D20AED2A84}"/>
+              </a:ext>
+            </a:extLst>
+          </p:cNvPr>
+          <p:cNvPicPr>
+            <a:picLocks noChangeAspect="1"/>
+          </p:cNvPicPr>
+          <p:nvPr/>
+        </p:nvPicPr>
+        <p:blipFill>
+          <a:blip r:embed="rId3" cstate="print"/>
+          <a:stretch>
+            <a:fillRect/>
+          </a:stretch>
+        </p:blipFill>
+        <p:spPr>
+          <a:xfrm>
+            <a:off x="5181600" y="3676952"/>
+            <a:ext cx="4191000" cy="3181048"/>
+          </a:xfrm>
+          <a:prstGeom prst="rect">
+            <a:avLst/>
+          </a:prstGeom>
+        </p:spPr>
+      </p:pic>
+    </p:spTree>
+    <p:extLst>
+      <p:ext uri="{BB962C8B-B14F-4D97-AF65-F5344CB8AC3E}">
+        <p14:creationId xmlns:p14="http://schemas.microsoft.com/office/powerpoint/2010/main" xmlns="" val="2252297829"/>
+      </p:ext>
+    </p:extLst>
+  </p:cSld>
+  <p:clrMapOvr>
+    <a:masterClrMapping/>
+  </p:clrMapOvr>
+</p:sld>
+</file>
+
+<file path=ppt/slides/slide11.xml><?xml version="1.0" encoding="utf-8"?>
+<p:sld xmlns:a="http://schemas.openxmlformats.org/drawingml/2006/main" xmlns:r="http://schemas.openxmlformats.org/officeDocument/2006/relationships" xmlns:p="http://schemas.openxmlformats.org/presentationml/2006/main">
+  <p:cSld>
+    <p:spTree>
+      <p:nvGrpSpPr>
+        <p:cNvPr id="1" name=""/>
+        <p:cNvGrpSpPr/>
+        <p:nvPr/>
+      </p:nvGrpSpPr>
+      <p:grpSpPr>
+        <a:xfrm>
+          <a:off x="0" y="0"/>
+          <a:ext cx="0" cy="0"/>
+          <a:chOff x="0" y="0"/>
+          <a:chExt cx="0" cy="0"/>
+        </a:xfrm>
+      </p:grpSpPr>
+      <p:sp>
+        <p:nvSpPr>
+          <p:cNvPr id="2" name="Title 1">
+            <a:extLst>
+              <a:ext uri="{FF2B5EF4-FFF2-40B4-BE49-F238E27FC236}">
+                <a16:creationId xmlns:a16="http://schemas.microsoft.com/office/drawing/2014/main" xmlns="" id="{FDBA8E1E-8BB3-000E-CB4F-D8BD1D64D127}"/>
+              </a:ext>
+            </a:extLst>
+          </p:cNvPr>
+          <p:cNvSpPr>
+            <a:spLocks noGrp="1"/>
+          </p:cNvSpPr>
+          <p:nvPr>
+            <p:ph type="title"/>
+          </p:nvPr>
+        </p:nvSpPr>
+        <p:spPr/>
+        <p:txBody>
+          <a:bodyPr/>
+          <a:lstStyle/>
+          <a:p>
+            <a:r>
+              <a:rPr lang="en-IN" b="1" i="0" dirty="0">
+                <a:solidFill>
+                  <a:schemeClr val="tx1"/>
+                </a:solidFill>
+                <a:effectLst/>
+                <a:latin typeface="arial" panose="020B0604020202020204" pitchFamily="34" charset="0"/>
+              </a:rPr>
+              <a:t>What</a:t>
+            </a:r>
+            <a:r>
+              <a:rPr lang="en-IN" b="1" i="0" dirty="0">
+                <a:solidFill>
+                  <a:srgbClr val="000000"/>
+                </a:solidFill>
+                <a:effectLst/>
+                <a:latin typeface="arial" panose="020B0604020202020204" pitchFamily="34" charset="0"/>
+              </a:rPr>
+              <a:t> </a:t>
+            </a:r>
+            <a:r>
+              <a:rPr lang="en-IN" b="1" i="0" dirty="0">
+                <a:solidFill>
+                  <a:schemeClr val="tx1"/>
+                </a:solidFill>
+                <a:effectLst/>
+                <a:latin typeface="arial" panose="020B0604020202020204" pitchFamily="34" charset="0"/>
+              </a:rPr>
+              <a:t>is Filtering?</a:t>
+            </a:r>
+            <a:r>
+              <a:rPr lang="en-IN" b="0" i="0" dirty="0">
+                <a:solidFill>
+                  <a:schemeClr val="tx1"/>
+                </a:solidFill>
+                <a:effectLst/>
+                <a:latin typeface="-apple-system"/>
+              </a:rPr>
+              <a:t/>
+            </a:r>
+            <a:br>
+              <a:rPr lang="en-IN" b="0" i="0" dirty="0">
+                <a:solidFill>
+                  <a:schemeClr val="tx1"/>
+                </a:solidFill>
+                <a:effectLst/>
+                <a:latin typeface="-apple-system"/>
+              </a:rPr>
+            </a:br>
+            <a:endParaRPr lang="en-IN" dirty="0">
+              <a:solidFill>
+                <a:schemeClr val="tx1"/>
+              </a:solidFill>
+            </a:endParaRPr>
+          </a:p>
+        </p:txBody>
+      </p:sp>
+      <p:sp>
+        <p:nvSpPr>
+          <p:cNvPr id="3" name="Footer Placeholder 2">
+            <a:extLst>
+              <a:ext uri="{FF2B5EF4-FFF2-40B4-BE49-F238E27FC236}">
+                <a16:creationId xmlns:a16="http://schemas.microsoft.com/office/drawing/2014/main" xmlns="" id="{A0C2D2BB-11B4-70F3-F9EA-2078C1641B86}"/>
+              </a:ext>
+            </a:extLst>
+          </p:cNvPr>
+          <p:cNvSpPr>
+            <a:spLocks noGrp="1"/>
+          </p:cNvSpPr>
+          <p:nvPr>
+            <p:ph type="ftr" sz="quarter" idx="11"/>
+          </p:nvPr>
+        </p:nvSpPr>
+        <p:spPr/>
+        <p:txBody>
+          <a:bodyPr/>
+          <a:lstStyle/>
+          <a:p>
+            <a:r>
+              <a:rPr lang="en-US"/>
+              <a:t>Excel Online Classes</a:t>
+            </a:r>
+          </a:p>
+        </p:txBody>
+      </p:sp>
+      <p:sp>
+        <p:nvSpPr>
+          <p:cNvPr id="5" name="TextBox 4">
+            <a:extLst>
+              <a:ext uri="{FF2B5EF4-FFF2-40B4-BE49-F238E27FC236}">
+                <a16:creationId xmlns:a16="http://schemas.microsoft.com/office/drawing/2014/main" xmlns="" id="{8E23BC48-9A24-88A7-7EFA-7B2A91FD75B4}"/>
+              </a:ext>
+            </a:extLst>
+          </p:cNvPr>
+          <p:cNvSpPr txBox="1"/>
+          <p:nvPr/>
+        </p:nvSpPr>
+        <p:spPr>
+          <a:xfrm>
+            <a:off x="914400" y="1295400"/>
+            <a:ext cx="7772400" cy="1200329"/>
+          </a:xfrm>
+          <a:prstGeom prst="rect">
+            <a:avLst/>
+          </a:prstGeom>
+          <a:noFill/>
+        </p:spPr>
+        <p:txBody>
+          <a:bodyPr wrap="square">
+            <a:spAutoFit/>
+          </a:bodyPr>
+          <a:lstStyle/>
+          <a:p>
+            <a:r>
+              <a:rPr lang="en-US" b="0" i="0" dirty="0">
+                <a:effectLst/>
+                <a:latin typeface="arial" panose="020B0604020202020204" pitchFamily="34" charset="0"/>
+              </a:rPr>
+              <a:t>Filtering is nothing but the process to get only those elements from a data source that satisfied the given condition. It is also possible to fetch the data from a data source with more than one condition as per our business requirement.</a:t>
+            </a:r>
+            <a:endParaRPr lang="en-IN" dirty="0"/>
+          </a:p>
+        </p:txBody>
+      </p:sp>
+      <p:sp>
+        <p:nvSpPr>
+          <p:cNvPr id="7" name="TextBox 6">
+            <a:extLst>
+              <a:ext uri="{FF2B5EF4-FFF2-40B4-BE49-F238E27FC236}">
+                <a16:creationId xmlns:a16="http://schemas.microsoft.com/office/drawing/2014/main" xmlns="" id="{B160655F-4AD8-78AF-DD6A-99AE8FC610BB}"/>
+              </a:ext>
+            </a:extLst>
+          </p:cNvPr>
+          <p:cNvSpPr txBox="1"/>
+          <p:nvPr/>
+        </p:nvSpPr>
+        <p:spPr>
+          <a:xfrm>
+            <a:off x="1295400" y="2648273"/>
+            <a:ext cx="4572000" cy="1477328"/>
+          </a:xfrm>
+          <a:prstGeom prst="rect">
+            <a:avLst/>
+          </a:prstGeom>
+          <a:noFill/>
+        </p:spPr>
+        <p:txBody>
+          <a:bodyPr wrap="square">
+            <a:spAutoFit/>
+          </a:bodyPr>
+          <a:lstStyle/>
+          <a:p>
+            <a:pPr algn="just" fontAlgn="base"/>
+            <a:r>
+              <a:rPr lang="en-US" b="0" i="0" dirty="0">
+                <a:effectLst/>
+                <a:latin typeface="arial" panose="020B0604020202020204" pitchFamily="34" charset="0"/>
+              </a:rPr>
+              <a:t>There are two methods provided by LINQ in C# which are used for filtering. They are as follows</a:t>
+            </a:r>
+            <a:endParaRPr lang="en-US" b="0" i="0" dirty="0">
+              <a:effectLst/>
+              <a:latin typeface="-apple-system"/>
+            </a:endParaRPr>
+          </a:p>
+          <a:p>
+            <a:pPr algn="just" fontAlgn="base">
+              <a:buFont typeface="+mj-lt"/>
+              <a:buAutoNum type="arabicPeriod"/>
+            </a:pPr>
+            <a:r>
+              <a:rPr lang="en-US" b="0" i="0" dirty="0">
+                <a:effectLst/>
+                <a:latin typeface="arial" panose="020B0604020202020204" pitchFamily="34" charset="0"/>
+              </a:rPr>
+              <a:t>Where</a:t>
+            </a:r>
+            <a:endParaRPr lang="en-US" b="0" i="0" dirty="0">
+              <a:effectLst/>
+              <a:latin typeface="-apple-system"/>
+            </a:endParaRPr>
+          </a:p>
+          <a:p>
+            <a:pPr algn="just" fontAlgn="base">
+              <a:buFont typeface="+mj-lt"/>
+              <a:buAutoNum type="arabicPeriod"/>
+            </a:pPr>
+            <a:r>
+              <a:rPr lang="en-US" b="0" i="0" dirty="0" err="1">
+                <a:effectLst/>
+                <a:latin typeface="arial" panose="020B0604020202020204" pitchFamily="34" charset="0"/>
+              </a:rPr>
+              <a:t>OfType</a:t>
+            </a:r>
+            <a:endParaRPr lang="en-US" b="0" i="0" dirty="0">
+              <a:effectLst/>
+              <a:latin typeface="-apple-system"/>
+            </a:endParaRPr>
+          </a:p>
+        </p:txBody>
+      </p:sp>
+      <p:sp>
+        <p:nvSpPr>
+          <p:cNvPr id="9" name="TextBox 8">
+            <a:extLst>
+              <a:ext uri="{FF2B5EF4-FFF2-40B4-BE49-F238E27FC236}">
+                <a16:creationId xmlns:a16="http://schemas.microsoft.com/office/drawing/2014/main" xmlns="" id="{BB5766D8-68B4-4987-865E-1F3A32E60FDA}"/>
+              </a:ext>
+            </a:extLst>
+          </p:cNvPr>
+          <p:cNvSpPr txBox="1"/>
+          <p:nvPr/>
+        </p:nvSpPr>
+        <p:spPr>
+          <a:xfrm>
+            <a:off x="2362200" y="4591610"/>
+            <a:ext cx="4572000" cy="1785104"/>
+          </a:xfrm>
+          <a:prstGeom prst="rect">
+            <a:avLst/>
+          </a:prstGeom>
+          <a:noFill/>
+        </p:spPr>
+        <p:txBody>
+          <a:bodyPr wrap="square">
+            <a:spAutoFit/>
+          </a:bodyPr>
+          <a:lstStyle/>
+          <a:p>
+            <a:pPr algn="just" fontAlgn="base"/>
+            <a:r>
+              <a:rPr lang="en-US" b="0" i="0" dirty="0">
+                <a:effectLst/>
+                <a:latin typeface="arial" panose="020B0604020202020204" pitchFamily="34" charset="0"/>
+              </a:rPr>
+              <a:t>The “where” always expects at least one condition and we can specify the condition(s) using predicates. The conditions can be written using the following symbols</a:t>
+            </a:r>
+            <a:endParaRPr lang="en-US" b="0" i="0" dirty="0">
+              <a:effectLst/>
+              <a:latin typeface="-apple-system"/>
+            </a:endParaRPr>
+          </a:p>
+          <a:p>
+            <a:pPr algn="just" fontAlgn="base"/>
+            <a:r>
+              <a:rPr lang="en-US" sz="2000" b="1" i="0" dirty="0">
+                <a:solidFill>
+                  <a:srgbClr val="FFFF00"/>
+                </a:solidFill>
+                <a:effectLst/>
+                <a:latin typeface="arial" panose="020B0604020202020204" pitchFamily="34" charset="0"/>
+              </a:rPr>
+              <a:t>==, &gt;=, &lt;=, &amp;&amp;, ||, &gt;, &lt;, etc.</a:t>
+            </a:r>
+            <a:endParaRPr lang="en-US" sz="2000" b="0" i="0" dirty="0">
+              <a:solidFill>
+                <a:srgbClr val="FFFF00"/>
+              </a:solidFill>
+              <a:effectLst/>
+              <a:latin typeface="-apple-system"/>
+            </a:endParaRPr>
+          </a:p>
+        </p:txBody>
+      </p:sp>
+    </p:spTree>
+    <p:extLst>
+      <p:ext uri="{BB962C8B-B14F-4D97-AF65-F5344CB8AC3E}">
+        <p14:creationId xmlns:p14="http://schemas.microsoft.com/office/powerpoint/2010/main" xmlns="" val="2008582308"/>
+      </p:ext>
+    </p:extLst>
+  </p:cSld>
+  <p:clrMapOvr>
+    <a:masterClrMapping/>
+  </p:clrMapOvr>
+</p:sld>
+</file>
+
+<file path=ppt/slides/slide12.xml><?xml version="1.0" encoding="utf-8"?>
+<p:sld xmlns:a="http://schemas.openxmlformats.org/drawingml/2006/main" xmlns:r="http://schemas.openxmlformats.org/officeDocument/2006/relationships" xmlns:p="http://schemas.openxmlformats.org/presentationml/2006/main">
+  <p:cSld>
+    <p:spTree>
+      <p:nvGrpSpPr>
+        <p:cNvPr id="1" name=""/>
+        <p:cNvGrpSpPr/>
+        <p:nvPr/>
+      </p:nvGrpSpPr>
+      <p:grpSpPr>
+        <a:xfrm>
+          <a:off x="0" y="0"/>
+          <a:ext cx="0" cy="0"/>
+          <a:chOff x="0" y="0"/>
+          <a:chExt cx="0" cy="0"/>
+        </a:xfrm>
+      </p:grpSpPr>
+      <p:sp>
+        <p:nvSpPr>
+          <p:cNvPr id="2" name="Title 1">
+            <a:extLst>
+              <a:ext uri="{FF2B5EF4-FFF2-40B4-BE49-F238E27FC236}">
+                <a16:creationId xmlns:a16="http://schemas.microsoft.com/office/drawing/2014/main" xmlns="" id="{ED443B33-17B1-B57C-BC32-BCBEB087554C}"/>
+              </a:ext>
+            </a:extLst>
+          </p:cNvPr>
+          <p:cNvSpPr>
+            <a:spLocks noGrp="1"/>
+          </p:cNvSpPr>
+          <p:nvPr>
+            <p:ph type="title"/>
+          </p:nvPr>
+        </p:nvSpPr>
+        <p:spPr/>
+        <p:txBody>
+          <a:bodyPr/>
+          <a:lstStyle/>
+          <a:p>
+            <a:r>
+              <a:rPr lang="en-IN" dirty="0"/>
+              <a:t>Example:</a:t>
+            </a:r>
+          </a:p>
+        </p:txBody>
+      </p:sp>
+      <p:sp>
+        <p:nvSpPr>
+          <p:cNvPr id="3" name="Footer Placeholder 2">
+            <a:extLst>
+              <a:ext uri="{FF2B5EF4-FFF2-40B4-BE49-F238E27FC236}">
+                <a16:creationId xmlns:a16="http://schemas.microsoft.com/office/drawing/2014/main" xmlns="" id="{700C1558-6F5C-9A5D-3EA2-029335E38944}"/>
+              </a:ext>
+            </a:extLst>
+          </p:cNvPr>
+          <p:cNvSpPr>
+            <a:spLocks noGrp="1"/>
+          </p:cNvSpPr>
+          <p:nvPr>
+            <p:ph type="ftr" sz="quarter" idx="11"/>
+          </p:nvPr>
+        </p:nvSpPr>
+        <p:spPr/>
+        <p:txBody>
+          <a:bodyPr/>
+          <a:lstStyle/>
+          <a:p>
+            <a:r>
+              <a:rPr lang="en-US"/>
+              <a:t>Excel Online Classes</a:t>
+            </a:r>
+          </a:p>
+        </p:txBody>
+      </p:sp>
+      <p:pic>
+        <p:nvPicPr>
+          <p:cNvPr id="5" name="Picture 4">
+            <a:extLst>
+              <a:ext uri="{FF2B5EF4-FFF2-40B4-BE49-F238E27FC236}">
+                <a16:creationId xmlns:a16="http://schemas.microsoft.com/office/drawing/2014/main" xmlns="" id="{F5FB4977-80F9-9E77-5577-84C7B81703D7}"/>
+              </a:ext>
+            </a:extLst>
+          </p:cNvPr>
+          <p:cNvPicPr>
+            <a:picLocks noChangeAspect="1"/>
+          </p:cNvPicPr>
+          <p:nvPr/>
+        </p:nvPicPr>
+        <p:blipFill>
+          <a:blip r:embed="rId2" cstate="print"/>
+          <a:stretch>
+            <a:fillRect/>
+          </a:stretch>
+        </p:blipFill>
+        <p:spPr>
+          <a:xfrm>
+            <a:off x="914400" y="1676400"/>
+            <a:ext cx="7772400" cy="1524000"/>
+          </a:xfrm>
+          <a:prstGeom prst="rect">
+            <a:avLst/>
+          </a:prstGeom>
+        </p:spPr>
+      </p:pic>
+      <p:pic>
+        <p:nvPicPr>
+          <p:cNvPr id="7" name="Picture 6">
+            <a:extLst>
+              <a:ext uri="{FF2B5EF4-FFF2-40B4-BE49-F238E27FC236}">
+                <a16:creationId xmlns:a16="http://schemas.microsoft.com/office/drawing/2014/main" xmlns="" id="{97737E2D-3517-9F4D-447B-469C6FF5533B}"/>
+              </a:ext>
+            </a:extLst>
+          </p:cNvPr>
+          <p:cNvPicPr>
+            <a:picLocks noChangeAspect="1"/>
+          </p:cNvPicPr>
+          <p:nvPr/>
+        </p:nvPicPr>
+        <p:blipFill>
+          <a:blip r:embed="rId3" cstate="print"/>
+          <a:stretch>
+            <a:fillRect/>
+          </a:stretch>
+        </p:blipFill>
+        <p:spPr>
+          <a:xfrm>
+            <a:off x="914400" y="3657601"/>
+            <a:ext cx="6955536" cy="1676400"/>
+          </a:xfrm>
+          <a:prstGeom prst="rect">
+            <a:avLst/>
+          </a:prstGeom>
+        </p:spPr>
+      </p:pic>
+    </p:spTree>
+    <p:extLst>
+      <p:ext uri="{BB962C8B-B14F-4D97-AF65-F5344CB8AC3E}">
+        <p14:creationId xmlns:p14="http://schemas.microsoft.com/office/powerpoint/2010/main" xmlns="" val="3434705989"/>
+      </p:ext>
+    </p:extLst>
+  </p:cSld>
+  <p:clrMapOvr>
+    <a:masterClrMapping/>
+  </p:clrMapOvr>
+</p:sld>
+</file>
+
+<file path=ppt/slides/slide13.xml><?xml version="1.0" encoding="utf-8"?>
+<p:sld xmlns:a="http://schemas.openxmlformats.org/drawingml/2006/main" xmlns:r="http://schemas.openxmlformats.org/officeDocument/2006/relationships" xmlns:p="http://schemas.openxmlformats.org/presentationml/2006/main">
+  <p:cSld>
+    <p:spTree>
+      <p:nvGrpSpPr>
+        <p:cNvPr id="1" name=""/>
+        <p:cNvGrpSpPr/>
+        <p:nvPr/>
+      </p:nvGrpSpPr>
+      <p:grpSpPr>
+        <a:xfrm>
+          <a:off x="0" y="0"/>
+          <a:ext cx="0" cy="0"/>
+          <a:chOff x="0" y="0"/>
+          <a:chExt cx="0" cy="0"/>
+        </a:xfrm>
+      </p:grpSpPr>
+      <p:sp>
+        <p:nvSpPr>
+          <p:cNvPr id="2" name="Title 1">
+            <a:extLst>
+              <a:ext uri="{FF2B5EF4-FFF2-40B4-BE49-F238E27FC236}">
+                <a16:creationId xmlns:a16="http://schemas.microsoft.com/office/drawing/2014/main" xmlns="" id="{DF9EA2B2-94F4-947B-1948-7EC372CB8E0C}"/>
+              </a:ext>
+            </a:extLst>
+          </p:cNvPr>
+          <p:cNvSpPr>
+            <a:spLocks noGrp="1"/>
+          </p:cNvSpPr>
+          <p:nvPr>
+            <p:ph type="title"/>
+          </p:nvPr>
+        </p:nvSpPr>
+        <p:spPr/>
+        <p:txBody>
+          <a:bodyPr/>
+          <a:lstStyle/>
+          <a:p>
+            <a:r>
+              <a:rPr lang="en-IN" sz="3600" dirty="0"/>
+              <a:t>Methods For Aggregate Function</a:t>
+            </a:r>
+          </a:p>
+        </p:txBody>
+      </p:sp>
+      <p:sp>
+        <p:nvSpPr>
+          <p:cNvPr id="3" name="Footer Placeholder 2">
+            <a:extLst>
+              <a:ext uri="{FF2B5EF4-FFF2-40B4-BE49-F238E27FC236}">
+                <a16:creationId xmlns:a16="http://schemas.microsoft.com/office/drawing/2014/main" xmlns="" id="{8DB938BD-19E3-AB6E-4308-01E75C19AE40}"/>
+              </a:ext>
+            </a:extLst>
+          </p:cNvPr>
+          <p:cNvSpPr>
+            <a:spLocks noGrp="1"/>
+          </p:cNvSpPr>
+          <p:nvPr>
+            <p:ph type="ftr" sz="quarter" idx="11"/>
+          </p:nvPr>
+        </p:nvSpPr>
+        <p:spPr/>
+        <p:txBody>
+          <a:bodyPr/>
+          <a:lstStyle/>
+          <a:p>
+            <a:r>
+              <a:rPr lang="en-US"/>
+              <a:t>Excel Online Classes</a:t>
+            </a:r>
+          </a:p>
+        </p:txBody>
+      </p:sp>
+      <p:pic>
+        <p:nvPicPr>
+          <p:cNvPr id="5" name="Picture 4">
+            <a:extLst>
+              <a:ext uri="{FF2B5EF4-FFF2-40B4-BE49-F238E27FC236}">
+                <a16:creationId xmlns:a16="http://schemas.microsoft.com/office/drawing/2014/main" xmlns="" id="{5359185B-1000-47F9-AA23-5215F7CC97A4}"/>
+              </a:ext>
+            </a:extLst>
+          </p:cNvPr>
+          <p:cNvPicPr>
+            <a:picLocks noChangeAspect="1"/>
+          </p:cNvPicPr>
+          <p:nvPr/>
+        </p:nvPicPr>
+        <p:blipFill>
+          <a:blip r:embed="rId2" cstate="print"/>
+          <a:stretch>
+            <a:fillRect/>
+          </a:stretch>
+        </p:blipFill>
+        <p:spPr>
+          <a:xfrm>
+            <a:off x="533400" y="1524001"/>
+            <a:ext cx="4882603" cy="4495800"/>
+          </a:xfrm>
+          <a:prstGeom prst="rect">
+            <a:avLst/>
+          </a:prstGeom>
+        </p:spPr>
+      </p:pic>
+      <p:pic>
+        <p:nvPicPr>
+          <p:cNvPr id="7" name="Picture 6">
+            <a:extLst>
+              <a:ext uri="{FF2B5EF4-FFF2-40B4-BE49-F238E27FC236}">
+                <a16:creationId xmlns:a16="http://schemas.microsoft.com/office/drawing/2014/main" xmlns="" id="{925D4664-4502-D302-92F2-14C78A774FD0}"/>
+              </a:ext>
+            </a:extLst>
+          </p:cNvPr>
+          <p:cNvPicPr>
+            <a:picLocks noChangeAspect="1"/>
+          </p:cNvPicPr>
+          <p:nvPr/>
+        </p:nvPicPr>
+        <p:blipFill>
+          <a:blip r:embed="rId3" cstate="print"/>
+          <a:stretch>
+            <a:fillRect/>
+          </a:stretch>
+        </p:blipFill>
+        <p:spPr>
+          <a:xfrm>
+            <a:off x="5715000" y="1448460"/>
+            <a:ext cx="2971800" cy="4724400"/>
+          </a:xfrm>
+          <a:prstGeom prst="rect">
+            <a:avLst/>
+          </a:prstGeom>
+        </p:spPr>
+      </p:pic>
+    </p:spTree>
+    <p:extLst>
+      <p:ext uri="{BB962C8B-B14F-4D97-AF65-F5344CB8AC3E}">
+        <p14:creationId xmlns:p14="http://schemas.microsoft.com/office/powerpoint/2010/main" xmlns="" val="4280013051"/>
+      </p:ext>
+    </p:extLst>
+  </p:cSld>
+  <p:clrMapOvr>
+    <a:masterClrMapping/>
+  </p:clrMapOvr>
+</p:sld>
+</file>
+
+<file path=ppt/slides/slide14.xml><?xml version="1.0" encoding="utf-8"?>
+<p:sld xmlns:a="http://schemas.openxmlformats.org/drawingml/2006/main" xmlns:r="http://schemas.openxmlformats.org/officeDocument/2006/relationships" xmlns:p="http://schemas.openxmlformats.org/presentationml/2006/main">
+  <p:cSld>
+    <p:spTree>
+      <p:nvGrpSpPr>
+        <p:cNvPr id="1" name=""/>
+        <p:cNvGrpSpPr/>
+        <p:nvPr/>
+      </p:nvGrpSpPr>
+      <p:grpSpPr>
+        <a:xfrm>
+          <a:off x="0" y="0"/>
+          <a:ext cx="0" cy="0"/>
+          <a:chOff x="0" y="0"/>
+          <a:chExt cx="0" cy="0"/>
+        </a:xfrm>
+      </p:grpSpPr>
+      <p:sp>
+        <p:nvSpPr>
+          <p:cNvPr id="2" name="Title 1">
+            <a:extLst>
+              <a:ext uri="{FF2B5EF4-FFF2-40B4-BE49-F238E27FC236}">
+                <a16:creationId xmlns:a16="http://schemas.microsoft.com/office/drawing/2014/main" xmlns="" id="{5F97BCBC-BDE8-672B-B63D-7D0425B275D1}"/>
+              </a:ext>
+            </a:extLst>
+          </p:cNvPr>
+          <p:cNvSpPr>
+            <a:spLocks noGrp="1"/>
+          </p:cNvSpPr>
+          <p:nvPr>
+            <p:ph type="title"/>
+          </p:nvPr>
+        </p:nvSpPr>
+        <p:spPr/>
+        <p:txBody>
+          <a:bodyPr/>
+          <a:lstStyle/>
+          <a:p>
+            <a:r>
+              <a:rPr lang="en-US" b="1" i="0" dirty="0">
+                <a:solidFill>
+                  <a:schemeClr val="accent4">
+                    <a:lumMod val="60000"/>
+                    <a:lumOff val="40000"/>
+                  </a:schemeClr>
+                </a:solidFill>
+                <a:effectLst/>
+                <a:latin typeface="arial" panose="020B0604020202020204" pitchFamily="34" charset="0"/>
+              </a:rPr>
+              <a:t>What are the LINQ Quantifier? </a:t>
+            </a:r>
+            <a:r>
+              <a:rPr lang="en-US" b="1" i="0" dirty="0">
+                <a:solidFill>
+                  <a:srgbClr val="000000"/>
+                </a:solidFill>
+                <a:effectLst/>
+                <a:latin typeface="arial" panose="020B0604020202020204" pitchFamily="34" charset="0"/>
+              </a:rPr>
+              <a:t>Operations?</a:t>
+            </a:r>
+            <a:r>
+              <a:rPr lang="en-US" b="0" i="0" dirty="0">
+                <a:solidFill>
+                  <a:srgbClr val="3A3A3A"/>
+                </a:solidFill>
+                <a:effectLst/>
+                <a:latin typeface="-apple-system"/>
+              </a:rPr>
+              <a:t/>
+            </a:r>
+            <a:br>
+              <a:rPr lang="en-US" b="0" i="0" dirty="0">
+                <a:solidFill>
+                  <a:srgbClr val="3A3A3A"/>
+                </a:solidFill>
+                <a:effectLst/>
+                <a:latin typeface="-apple-system"/>
+              </a:rPr>
+            </a:br>
+            <a:endParaRPr lang="en-IN" dirty="0"/>
+          </a:p>
+        </p:txBody>
+      </p:sp>
+      <p:sp>
+        <p:nvSpPr>
+          <p:cNvPr id="3" name="Footer Placeholder 2">
+            <a:extLst>
+              <a:ext uri="{FF2B5EF4-FFF2-40B4-BE49-F238E27FC236}">
+                <a16:creationId xmlns:a16="http://schemas.microsoft.com/office/drawing/2014/main" xmlns="" id="{83430562-713B-0FEC-67D8-2803D08EE858}"/>
+              </a:ext>
+            </a:extLst>
+          </p:cNvPr>
+          <p:cNvSpPr>
+            <a:spLocks noGrp="1"/>
+          </p:cNvSpPr>
+          <p:nvPr>
+            <p:ph type="ftr" sz="quarter" idx="11"/>
+          </p:nvPr>
+        </p:nvSpPr>
+        <p:spPr/>
+        <p:txBody>
+          <a:bodyPr/>
+          <a:lstStyle/>
+          <a:p>
+            <a:r>
+              <a:rPr lang="en-US"/>
+              <a:t>Excel Online Classes</a:t>
+            </a:r>
+          </a:p>
+        </p:txBody>
+      </p:sp>
+      <p:sp>
+        <p:nvSpPr>
+          <p:cNvPr id="5" name="TextBox 4">
+            <a:extLst>
+              <a:ext uri="{FF2B5EF4-FFF2-40B4-BE49-F238E27FC236}">
+                <a16:creationId xmlns:a16="http://schemas.microsoft.com/office/drawing/2014/main" xmlns="" id="{C9487BF3-6CE8-0515-9501-135B2214E7EA}"/>
+              </a:ext>
+            </a:extLst>
+          </p:cNvPr>
+          <p:cNvSpPr txBox="1"/>
+          <p:nvPr/>
+        </p:nvSpPr>
+        <p:spPr>
+          <a:xfrm>
+            <a:off x="914400" y="1752600"/>
+            <a:ext cx="7620000" cy="923330"/>
+          </a:xfrm>
+          <a:prstGeom prst="rect">
+            <a:avLst/>
+          </a:prstGeom>
+          <a:noFill/>
+        </p:spPr>
+        <p:txBody>
+          <a:bodyPr wrap="square">
+            <a:spAutoFit/>
+          </a:bodyPr>
+          <a:lstStyle/>
+          <a:p>
+            <a:r>
+              <a:rPr lang="en-US" b="0" i="0" dirty="0">
+                <a:effectLst/>
+                <a:latin typeface="arial" panose="020B0604020202020204" pitchFamily="34" charset="0"/>
+              </a:rPr>
+              <a:t>We need to use the LINQ Quantifier Operators on a data source when we want to check if some or all of the elements of that data source satisfy a condition or not</a:t>
+            </a:r>
+            <a:endParaRPr lang="en-IN" dirty="0"/>
+          </a:p>
+        </p:txBody>
+      </p:sp>
+      <p:pic>
+        <p:nvPicPr>
+          <p:cNvPr id="7" name="Picture 6">
+            <a:extLst>
+              <a:ext uri="{FF2B5EF4-FFF2-40B4-BE49-F238E27FC236}">
+                <a16:creationId xmlns:a16="http://schemas.microsoft.com/office/drawing/2014/main" xmlns="" id="{957DAA2E-FC8D-E251-311C-14A408B70A58}"/>
+              </a:ext>
+            </a:extLst>
+          </p:cNvPr>
+          <p:cNvPicPr>
+            <a:picLocks noChangeAspect="1"/>
+          </p:cNvPicPr>
+          <p:nvPr/>
+        </p:nvPicPr>
+        <p:blipFill>
+          <a:blip r:embed="rId2" cstate="print"/>
+          <a:stretch>
+            <a:fillRect/>
+          </a:stretch>
+        </p:blipFill>
+        <p:spPr>
+          <a:xfrm>
+            <a:off x="533400" y="3352800"/>
+            <a:ext cx="8001000" cy="2161144"/>
+          </a:xfrm>
+          <a:prstGeom prst="rect">
+            <a:avLst/>
+          </a:prstGeom>
+        </p:spPr>
+      </p:pic>
+    </p:spTree>
+    <p:extLst>
+      <p:ext uri="{BB962C8B-B14F-4D97-AF65-F5344CB8AC3E}">
+        <p14:creationId xmlns:p14="http://schemas.microsoft.com/office/powerpoint/2010/main" xmlns="" val="884777860"/>
+      </p:ext>
+    </p:extLst>
+  </p:cSld>
+  <p:clrMapOvr>
+    <a:masterClrMapping/>
+  </p:clrMapOvr>
+</p:sld>
+</file>
+
+<file path=ppt/slides/slide15.xml><?xml version="1.0" encoding="utf-8"?>
+<p:sld xmlns:a="http://schemas.openxmlformats.org/drawingml/2006/main" xmlns:r="http://schemas.openxmlformats.org/officeDocument/2006/relationships" xmlns:p="http://schemas.openxmlformats.org/presentationml/2006/main">
+  <p:cSld>
+    <p:spTree>
+      <p:nvGrpSpPr>
+        <p:cNvPr id="1" name=""/>
+        <p:cNvGrpSpPr/>
+        <p:nvPr/>
+      </p:nvGrpSpPr>
+      <p:grpSpPr>
+        <a:xfrm>
+          <a:off x="0" y="0"/>
+          <a:ext cx="0" cy="0"/>
+          <a:chOff x="0" y="0"/>
+          <a:chExt cx="0" cy="0"/>
+        </a:xfrm>
+      </p:grpSpPr>
+      <p:sp>
+        <p:nvSpPr>
+          <p:cNvPr id="2" name="Title 1">
+            <a:extLst>
+              <a:ext uri="{FF2B5EF4-FFF2-40B4-BE49-F238E27FC236}">
+                <a16:creationId xmlns:a16="http://schemas.microsoft.com/office/drawing/2014/main" xmlns="" id="{F1BBD633-B954-2F7B-8AC0-881135D40082}"/>
+              </a:ext>
+            </a:extLst>
+          </p:cNvPr>
+          <p:cNvSpPr>
+            <a:spLocks noGrp="1"/>
+          </p:cNvSpPr>
+          <p:nvPr>
+            <p:ph type="title"/>
+          </p:nvPr>
+        </p:nvSpPr>
+        <p:spPr/>
+        <p:txBody>
+          <a:bodyPr/>
+          <a:lstStyle/>
+          <a:p>
+            <a:r>
+              <a:rPr lang="en-IN" b="1" i="0" dirty="0">
+                <a:solidFill>
+                  <a:schemeClr val="tx2">
+                    <a:lumMod val="90000"/>
+                  </a:schemeClr>
+                </a:solidFill>
+                <a:effectLst/>
+                <a:latin typeface="arial" panose="020B0604020202020204" pitchFamily="34" charset="0"/>
+              </a:rPr>
+              <a:t>First Method in </a:t>
+            </a:r>
+            <a:r>
+              <a:rPr lang="en-IN" b="1" i="0" dirty="0" err="1">
+                <a:solidFill>
+                  <a:schemeClr val="tx2">
+                    <a:lumMod val="90000"/>
+                  </a:schemeClr>
+                </a:solidFill>
+                <a:effectLst/>
+                <a:latin typeface="arial" panose="020B0604020202020204" pitchFamily="34" charset="0"/>
+              </a:rPr>
+              <a:t>Linq</a:t>
+            </a:r>
+            <a:r>
+              <a:rPr lang="en-IN" b="1" i="0" dirty="0">
+                <a:solidFill>
+                  <a:schemeClr val="tx2">
+                    <a:lumMod val="90000"/>
+                  </a:schemeClr>
+                </a:solidFill>
+                <a:effectLst/>
+                <a:latin typeface="arial" panose="020B0604020202020204" pitchFamily="34" charset="0"/>
+              </a:rPr>
+              <a:t>:</a:t>
+            </a:r>
+            <a:br>
+              <a:rPr lang="en-IN" b="1" i="0" dirty="0">
+                <a:solidFill>
+                  <a:schemeClr val="tx2">
+                    <a:lumMod val="90000"/>
+                  </a:schemeClr>
+                </a:solidFill>
+                <a:effectLst/>
+                <a:latin typeface="arial" panose="020B0604020202020204" pitchFamily="34" charset="0"/>
+              </a:rPr>
+            </a:br>
+            <a:r>
+              <a:rPr lang="en-IN" b="1" i="0" dirty="0">
+                <a:solidFill>
+                  <a:srgbClr val="000000"/>
+                </a:solidFill>
+                <a:effectLst/>
+                <a:latin typeface="arial" panose="020B0604020202020204" pitchFamily="34" charset="0"/>
+              </a:rPr>
+              <a:t> </a:t>
+            </a:r>
+            <a:r>
+              <a:rPr lang="en-IN" b="0" i="0" dirty="0">
+                <a:solidFill>
+                  <a:srgbClr val="3A3A3A"/>
+                </a:solidFill>
+                <a:effectLst/>
+                <a:latin typeface="-apple-system"/>
+              </a:rPr>
+              <a:t/>
+            </a:r>
+            <a:br>
+              <a:rPr lang="en-IN" b="0" i="0" dirty="0">
+                <a:solidFill>
+                  <a:srgbClr val="3A3A3A"/>
+                </a:solidFill>
+                <a:effectLst/>
+                <a:latin typeface="-apple-system"/>
+              </a:rPr>
+            </a:br>
+            <a:endParaRPr lang="en-IN" dirty="0"/>
+          </a:p>
+        </p:txBody>
+      </p:sp>
+      <p:sp>
+        <p:nvSpPr>
+          <p:cNvPr id="3" name="Footer Placeholder 2">
+            <a:extLst>
+              <a:ext uri="{FF2B5EF4-FFF2-40B4-BE49-F238E27FC236}">
+                <a16:creationId xmlns:a16="http://schemas.microsoft.com/office/drawing/2014/main" xmlns="" id="{F7CF70D7-1D43-7B5C-18A6-B9C29A939DEB}"/>
+              </a:ext>
+            </a:extLst>
+          </p:cNvPr>
+          <p:cNvSpPr>
+            <a:spLocks noGrp="1"/>
+          </p:cNvSpPr>
+          <p:nvPr>
+            <p:ph type="ftr" sz="quarter" idx="11"/>
+          </p:nvPr>
+        </p:nvSpPr>
+        <p:spPr/>
+        <p:txBody>
+          <a:bodyPr/>
+          <a:lstStyle/>
+          <a:p>
+            <a:r>
+              <a:rPr lang="en-US"/>
+              <a:t>Excel Online Classes</a:t>
+            </a:r>
+          </a:p>
+        </p:txBody>
+      </p:sp>
+      <p:sp>
+        <p:nvSpPr>
+          <p:cNvPr id="5" name="TextBox 4">
+            <a:extLst>
+              <a:ext uri="{FF2B5EF4-FFF2-40B4-BE49-F238E27FC236}">
+                <a16:creationId xmlns:a16="http://schemas.microsoft.com/office/drawing/2014/main" xmlns="" id="{42D753F0-3F23-383D-81FA-8C713FE450C1}"/>
+              </a:ext>
+            </a:extLst>
+          </p:cNvPr>
+          <p:cNvSpPr txBox="1"/>
+          <p:nvPr/>
+        </p:nvSpPr>
+        <p:spPr>
+          <a:xfrm>
+            <a:off x="762000" y="1600200"/>
+            <a:ext cx="7086600" cy="923330"/>
+          </a:xfrm>
+          <a:prstGeom prst="rect">
+            <a:avLst/>
+          </a:prstGeom>
+          <a:noFill/>
+        </p:spPr>
+        <p:txBody>
+          <a:bodyPr wrap="square">
+            <a:spAutoFit/>
+          </a:bodyPr>
+          <a:lstStyle/>
+          <a:p>
+            <a:r>
+              <a:rPr lang="en-US" b="0" i="0" dirty="0">
+                <a:solidFill>
+                  <a:schemeClr val="tx1">
+                    <a:lumMod val="95000"/>
+                  </a:schemeClr>
+                </a:solidFill>
+                <a:effectLst/>
+                <a:latin typeface="arial" panose="020B0604020202020204" pitchFamily="34" charset="0"/>
+              </a:rPr>
+              <a:t>The </a:t>
+            </a:r>
+            <a:r>
+              <a:rPr lang="en-US" b="0" i="0" dirty="0" err="1">
+                <a:solidFill>
+                  <a:schemeClr val="tx1">
+                    <a:lumMod val="95000"/>
+                  </a:schemeClr>
+                </a:solidFill>
+                <a:effectLst/>
+                <a:latin typeface="arial" panose="020B0604020202020204" pitchFamily="34" charset="0"/>
+              </a:rPr>
+              <a:t>Linq</a:t>
+            </a:r>
+            <a:r>
+              <a:rPr lang="en-US" b="0" i="0" dirty="0">
+                <a:solidFill>
+                  <a:schemeClr val="tx1">
+                    <a:lumMod val="95000"/>
+                  </a:schemeClr>
+                </a:solidFill>
+                <a:effectLst/>
+                <a:latin typeface="arial" panose="020B0604020202020204" pitchFamily="34" charset="0"/>
+              </a:rPr>
+              <a:t> First Method is used to return the first element from a data source. If the data source is empty, then this method will throw an exception.</a:t>
+            </a:r>
+            <a:endParaRPr lang="en-IN" dirty="0">
+              <a:solidFill>
+                <a:schemeClr val="tx1">
+                  <a:lumMod val="95000"/>
+                </a:schemeClr>
+              </a:solidFill>
+            </a:endParaRPr>
+          </a:p>
+        </p:txBody>
+      </p:sp>
+      <p:sp>
+        <p:nvSpPr>
+          <p:cNvPr id="7" name="TextBox 6">
+            <a:extLst>
+              <a:ext uri="{FF2B5EF4-FFF2-40B4-BE49-F238E27FC236}">
+                <a16:creationId xmlns:a16="http://schemas.microsoft.com/office/drawing/2014/main" xmlns="" id="{98BF141D-865D-303A-7E29-7243E64FCC25}"/>
+              </a:ext>
+            </a:extLst>
+          </p:cNvPr>
+          <p:cNvSpPr txBox="1"/>
+          <p:nvPr/>
+        </p:nvSpPr>
+        <p:spPr>
+          <a:xfrm>
+            <a:off x="762000" y="3105161"/>
+            <a:ext cx="6477000" cy="923330"/>
+          </a:xfrm>
+          <a:prstGeom prst="rect">
+            <a:avLst/>
+          </a:prstGeom>
+          <a:noFill/>
+        </p:spPr>
+        <p:txBody>
+          <a:bodyPr wrap="square">
+            <a:spAutoFit/>
+          </a:bodyPr>
+          <a:lstStyle/>
+          <a:p>
+            <a:r>
+              <a:rPr lang="en-US" b="0" i="0" dirty="0">
+                <a:solidFill>
+                  <a:schemeClr val="tx1">
+                    <a:lumMod val="95000"/>
+                  </a:schemeClr>
+                </a:solidFill>
+                <a:effectLst/>
+                <a:latin typeface="arial" panose="020B0604020202020204" pitchFamily="34" charset="0"/>
+              </a:rPr>
+              <a:t>Whenever the data source is empty or if the specified condition does not return any data, then we will get the </a:t>
+            </a:r>
+            <a:r>
+              <a:rPr lang="en-US" b="1" i="0" dirty="0" err="1">
+                <a:solidFill>
+                  <a:schemeClr val="tx1">
+                    <a:lumMod val="95000"/>
+                  </a:schemeClr>
+                </a:solidFill>
+                <a:effectLst/>
+                <a:latin typeface="arial" panose="020B0604020202020204" pitchFamily="34" charset="0"/>
+              </a:rPr>
+              <a:t>InvalidOperationException</a:t>
+            </a:r>
+            <a:endParaRPr lang="en-IN" dirty="0">
+              <a:solidFill>
+                <a:schemeClr val="tx1">
+                  <a:lumMod val="95000"/>
+                </a:schemeClr>
+              </a:solidFill>
+            </a:endParaRPr>
+          </a:p>
+        </p:txBody>
+      </p:sp>
+    </p:spTree>
+    <p:extLst>
+      <p:ext uri="{BB962C8B-B14F-4D97-AF65-F5344CB8AC3E}">
+        <p14:creationId xmlns:p14="http://schemas.microsoft.com/office/powerpoint/2010/main" xmlns="" val="4204718004"/>
+      </p:ext>
+    </p:extLst>
+  </p:cSld>
+  <p:clrMapOvr>
+    <a:masterClrMapping/>
+  </p:clrMapOvr>
+</p:sld>
+</file>
+
+<file path=ppt/slides/slide16.xml><?xml version="1.0" encoding="utf-8"?>
+<p:sld xmlns:a="http://schemas.openxmlformats.org/drawingml/2006/main" xmlns:r="http://schemas.openxmlformats.org/officeDocument/2006/relationships" xmlns:p="http://schemas.openxmlformats.org/presentationml/2006/main">
+  <p:cSld>
+    <p:spTree>
+      <p:nvGrpSpPr>
+        <p:cNvPr id="1" name=""/>
+        <p:cNvGrpSpPr/>
+        <p:nvPr/>
+      </p:nvGrpSpPr>
+      <p:grpSpPr>
+        <a:xfrm>
+          <a:off x="0" y="0"/>
+          <a:ext cx="0" cy="0"/>
+          <a:chOff x="0" y="0"/>
+          <a:chExt cx="0" cy="0"/>
+        </a:xfrm>
+      </p:grpSpPr>
+      <p:sp>
+        <p:nvSpPr>
+          <p:cNvPr id="2" name="Title 1">
+            <a:extLst>
+              <a:ext uri="{FF2B5EF4-FFF2-40B4-BE49-F238E27FC236}">
+                <a16:creationId xmlns:a16="http://schemas.microsoft.com/office/drawing/2014/main" xmlns="" id="{843E5F11-65ED-7DBF-33F3-CC8744C8C681}"/>
+              </a:ext>
+            </a:extLst>
+          </p:cNvPr>
+          <p:cNvSpPr>
+            <a:spLocks noGrp="1"/>
+          </p:cNvSpPr>
+          <p:nvPr>
+            <p:ph type="title"/>
+          </p:nvPr>
+        </p:nvSpPr>
+        <p:spPr/>
+        <p:txBody>
+          <a:bodyPr/>
+          <a:lstStyle/>
+          <a:p>
+            <a:r>
+              <a:rPr lang="en-IN" b="1" i="0" dirty="0" err="1">
+                <a:solidFill>
+                  <a:schemeClr val="tx2">
+                    <a:lumMod val="90000"/>
+                  </a:schemeClr>
+                </a:solidFill>
+                <a:effectLst/>
+                <a:latin typeface="arial" panose="020B0604020202020204" pitchFamily="34" charset="0"/>
+              </a:rPr>
+              <a:t>FirstOrDefault</a:t>
+            </a:r>
+            <a:r>
+              <a:rPr lang="en-IN" b="1" i="0" dirty="0">
+                <a:solidFill>
+                  <a:schemeClr val="tx2">
+                    <a:lumMod val="90000"/>
+                  </a:schemeClr>
+                </a:solidFill>
+                <a:effectLst/>
+                <a:latin typeface="arial" panose="020B0604020202020204" pitchFamily="34" charset="0"/>
+              </a:rPr>
+              <a:t> Method in </a:t>
+            </a:r>
+            <a:r>
+              <a:rPr lang="en-IN" b="1" i="0" dirty="0" err="1">
+                <a:solidFill>
+                  <a:schemeClr val="tx2">
+                    <a:lumMod val="90000"/>
+                  </a:schemeClr>
+                </a:solidFill>
+                <a:effectLst/>
+                <a:latin typeface="arial" panose="020B0604020202020204" pitchFamily="34" charset="0"/>
+              </a:rPr>
+              <a:t>Linq</a:t>
+            </a:r>
+            <a:r>
+              <a:rPr lang="en-IN" b="1" i="0" dirty="0">
+                <a:solidFill>
+                  <a:schemeClr val="tx2">
+                    <a:lumMod val="90000"/>
+                  </a:schemeClr>
+                </a:solidFill>
+                <a:effectLst/>
+                <a:latin typeface="arial" panose="020B0604020202020204" pitchFamily="34" charset="0"/>
+              </a:rPr>
+              <a:t>:</a:t>
+            </a:r>
+            <a:r>
+              <a:rPr lang="en-IN" b="0" i="0" dirty="0">
+                <a:solidFill>
+                  <a:schemeClr val="tx2">
+                    <a:lumMod val="90000"/>
+                  </a:schemeClr>
+                </a:solidFill>
+                <a:effectLst/>
+                <a:latin typeface="-apple-system"/>
+              </a:rPr>
+              <a:t/>
+            </a:r>
+            <a:br>
+              <a:rPr lang="en-IN" b="0" i="0" dirty="0">
+                <a:solidFill>
+                  <a:schemeClr val="tx2">
+                    <a:lumMod val="90000"/>
+                  </a:schemeClr>
+                </a:solidFill>
+                <a:effectLst/>
+                <a:latin typeface="-apple-system"/>
+              </a:rPr>
+            </a:br>
+            <a:endParaRPr lang="en-IN" dirty="0">
+              <a:solidFill>
+                <a:schemeClr val="tx2">
+                  <a:lumMod val="90000"/>
+                </a:schemeClr>
+              </a:solidFill>
+            </a:endParaRPr>
+          </a:p>
+        </p:txBody>
+      </p:sp>
+      <p:sp>
+        <p:nvSpPr>
+          <p:cNvPr id="3" name="Footer Placeholder 2">
+            <a:extLst>
+              <a:ext uri="{FF2B5EF4-FFF2-40B4-BE49-F238E27FC236}">
+                <a16:creationId xmlns:a16="http://schemas.microsoft.com/office/drawing/2014/main" xmlns="" id="{3A4B6960-84A4-48A5-55F1-3B775DF21328}"/>
+              </a:ext>
+            </a:extLst>
+          </p:cNvPr>
+          <p:cNvSpPr>
+            <a:spLocks noGrp="1"/>
+          </p:cNvSpPr>
+          <p:nvPr>
+            <p:ph type="ftr" sz="quarter" idx="11"/>
+          </p:nvPr>
+        </p:nvSpPr>
+        <p:spPr/>
+        <p:txBody>
+          <a:bodyPr/>
+          <a:lstStyle/>
+          <a:p>
+            <a:r>
+              <a:rPr lang="en-US"/>
+              <a:t>Excel Online Classes</a:t>
+            </a:r>
+          </a:p>
+        </p:txBody>
+      </p:sp>
+      <p:sp>
+        <p:nvSpPr>
+          <p:cNvPr id="5" name="TextBox 4">
+            <a:extLst>
+              <a:ext uri="{FF2B5EF4-FFF2-40B4-BE49-F238E27FC236}">
+                <a16:creationId xmlns:a16="http://schemas.microsoft.com/office/drawing/2014/main" xmlns="" id="{4249B607-5769-0F61-23F5-F233913D42A1}"/>
+              </a:ext>
+            </a:extLst>
+          </p:cNvPr>
+          <p:cNvSpPr txBox="1"/>
+          <p:nvPr/>
+        </p:nvSpPr>
+        <p:spPr>
+          <a:xfrm>
+            <a:off x="990600" y="1828800"/>
+            <a:ext cx="7315200" cy="1200329"/>
+          </a:xfrm>
+          <a:prstGeom prst="rect">
+            <a:avLst/>
+          </a:prstGeom>
+          <a:noFill/>
+        </p:spPr>
+        <p:txBody>
+          <a:bodyPr wrap="square">
+            <a:spAutoFit/>
+          </a:bodyPr>
+          <a:lstStyle/>
+          <a:p>
+            <a:r>
+              <a:rPr lang="en-US" b="0" i="0" dirty="0">
+                <a:effectLst/>
+                <a:latin typeface="arial" panose="020B0604020202020204" pitchFamily="34" charset="0"/>
+              </a:rPr>
+              <a:t>The </a:t>
+            </a:r>
+            <a:r>
+              <a:rPr lang="en-US" b="0" i="0" dirty="0" err="1">
+                <a:effectLst/>
+                <a:latin typeface="arial" panose="020B0604020202020204" pitchFamily="34" charset="0"/>
+              </a:rPr>
+              <a:t>Linq</a:t>
+            </a:r>
+            <a:r>
+              <a:rPr lang="en-US" b="0" i="0" dirty="0">
+                <a:effectLst/>
+                <a:latin typeface="arial" panose="020B0604020202020204" pitchFamily="34" charset="0"/>
+              </a:rPr>
+              <a:t> </a:t>
+            </a:r>
+            <a:r>
+              <a:rPr lang="en-US" b="0" i="0" dirty="0" err="1">
+                <a:effectLst/>
+                <a:latin typeface="arial" panose="020B0604020202020204" pitchFamily="34" charset="0"/>
+              </a:rPr>
+              <a:t>FirstOrDefault</a:t>
+            </a:r>
+            <a:r>
+              <a:rPr lang="en-US" b="0" i="0" dirty="0">
+                <a:effectLst/>
+                <a:latin typeface="arial" panose="020B0604020202020204" pitchFamily="34" charset="0"/>
+              </a:rPr>
+              <a:t> method exactly does the same thing as the First method except that this method does not throw Invalid Operation Exception instead it returns the default value based on the data type of the element.</a:t>
+            </a:r>
+            <a:endParaRPr lang="en-IN" dirty="0"/>
+          </a:p>
+        </p:txBody>
+      </p:sp>
+    </p:spTree>
+    <p:extLst>
+      <p:ext uri="{BB962C8B-B14F-4D97-AF65-F5344CB8AC3E}">
+        <p14:creationId xmlns:p14="http://schemas.microsoft.com/office/powerpoint/2010/main" xmlns="" val="578443111"/>
+      </p:ext>
+    </p:extLst>
+  </p:cSld>
+  <p:clrMapOvr>
+    <a:masterClrMapping/>
+  </p:clrMapOvr>
+</p:sld>
+</file>
+
+<file path=ppt/slides/slide17.xml><?xml version="1.0" encoding="utf-8"?>
+<p:sld xmlns:a="http://schemas.openxmlformats.org/drawingml/2006/main" xmlns:r="http://schemas.openxmlformats.org/officeDocument/2006/relationships" xmlns:p="http://schemas.openxmlformats.org/presentationml/2006/main">
+  <p:cSld>
+    <p:spTree>
+      <p:nvGrpSpPr>
+        <p:cNvPr id="1" name=""/>
+        <p:cNvGrpSpPr/>
+        <p:nvPr/>
+      </p:nvGrpSpPr>
+      <p:grpSpPr>
+        <a:xfrm>
+          <a:off x="0" y="0"/>
+          <a:ext cx="0" cy="0"/>
+          <a:chOff x="0" y="0"/>
+          <a:chExt cx="0" cy="0"/>
+        </a:xfrm>
+      </p:grpSpPr>
+      <p:sp>
+        <p:nvSpPr>
+          <p:cNvPr id="2" name="Title 1">
+            <a:extLst>
+              <a:ext uri="{FF2B5EF4-FFF2-40B4-BE49-F238E27FC236}">
+                <a16:creationId xmlns:a16="http://schemas.microsoft.com/office/drawing/2014/main" xmlns="" id="{68AA1C7D-8431-E0AD-7619-A2A4A596487C}"/>
+              </a:ext>
+            </a:extLst>
+          </p:cNvPr>
+          <p:cNvSpPr>
+            <a:spLocks noGrp="1"/>
+          </p:cNvSpPr>
+          <p:nvPr>
+            <p:ph type="title"/>
+          </p:nvPr>
+        </p:nvSpPr>
+        <p:spPr/>
+        <p:txBody>
+          <a:bodyPr/>
+          <a:lstStyle/>
+          <a:p>
+            <a:r>
+              <a:rPr lang="en-IN" b="1" i="0" dirty="0">
+                <a:solidFill>
+                  <a:schemeClr val="tx2"/>
+                </a:solidFill>
+                <a:effectLst/>
+                <a:latin typeface="arial" panose="020B0604020202020204" pitchFamily="34" charset="0"/>
+              </a:rPr>
+              <a:t>Single Method in </a:t>
+            </a:r>
+            <a:r>
+              <a:rPr lang="en-IN" b="1" i="0" dirty="0" err="1">
+                <a:solidFill>
+                  <a:schemeClr val="tx2"/>
+                </a:solidFill>
+                <a:effectLst/>
+                <a:latin typeface="arial" panose="020B0604020202020204" pitchFamily="34" charset="0"/>
+              </a:rPr>
+              <a:t>Linq</a:t>
+            </a:r>
+            <a:r>
+              <a:rPr lang="en-IN" b="1" i="0" dirty="0">
+                <a:solidFill>
+                  <a:schemeClr val="tx2"/>
+                </a:solidFill>
+                <a:effectLst/>
+                <a:latin typeface="arial" panose="020B0604020202020204" pitchFamily="34" charset="0"/>
+              </a:rPr>
+              <a:t>: </a:t>
+            </a:r>
+            <a:r>
+              <a:rPr lang="en-IN" b="0" i="0" dirty="0">
+                <a:solidFill>
+                  <a:schemeClr val="tx2"/>
+                </a:solidFill>
+                <a:effectLst/>
+                <a:latin typeface="-apple-system"/>
+              </a:rPr>
+              <a:t/>
+            </a:r>
+            <a:br>
+              <a:rPr lang="en-IN" b="0" i="0" dirty="0">
+                <a:solidFill>
+                  <a:schemeClr val="tx2"/>
+                </a:solidFill>
+                <a:effectLst/>
+                <a:latin typeface="-apple-system"/>
+              </a:rPr>
+            </a:br>
+            <a:endParaRPr lang="en-IN" dirty="0">
+              <a:solidFill>
+                <a:schemeClr val="tx2"/>
+              </a:solidFill>
+            </a:endParaRPr>
+          </a:p>
+        </p:txBody>
+      </p:sp>
+      <p:sp>
+        <p:nvSpPr>
+          <p:cNvPr id="3" name="Footer Placeholder 2">
+            <a:extLst>
+              <a:ext uri="{FF2B5EF4-FFF2-40B4-BE49-F238E27FC236}">
+                <a16:creationId xmlns:a16="http://schemas.microsoft.com/office/drawing/2014/main" xmlns="" id="{76EBC999-CA08-D162-5CCA-B917952FC6FC}"/>
+              </a:ext>
+            </a:extLst>
+          </p:cNvPr>
+          <p:cNvSpPr>
+            <a:spLocks noGrp="1"/>
+          </p:cNvSpPr>
+          <p:nvPr>
+            <p:ph type="ftr" sz="quarter" idx="11"/>
+          </p:nvPr>
+        </p:nvSpPr>
+        <p:spPr/>
+        <p:txBody>
+          <a:bodyPr/>
+          <a:lstStyle/>
+          <a:p>
+            <a:r>
+              <a:rPr lang="en-US"/>
+              <a:t>Excel Online Classes</a:t>
+            </a:r>
+          </a:p>
+        </p:txBody>
+      </p:sp>
+      <p:sp>
+        <p:nvSpPr>
+          <p:cNvPr id="5" name="TextBox 4">
+            <a:extLst>
+              <a:ext uri="{FF2B5EF4-FFF2-40B4-BE49-F238E27FC236}">
+                <a16:creationId xmlns:a16="http://schemas.microsoft.com/office/drawing/2014/main" xmlns="" id="{37E6B79F-124C-658E-38C1-079BB95BCEC1}"/>
+              </a:ext>
+            </a:extLst>
+          </p:cNvPr>
+          <p:cNvSpPr txBox="1"/>
+          <p:nvPr/>
+        </p:nvSpPr>
+        <p:spPr>
+          <a:xfrm>
+            <a:off x="990600" y="1676400"/>
+            <a:ext cx="6629400" cy="646331"/>
+          </a:xfrm>
+          <a:prstGeom prst="rect">
+            <a:avLst/>
+          </a:prstGeom>
+          <a:noFill/>
+        </p:spPr>
+        <p:txBody>
+          <a:bodyPr wrap="square">
+            <a:spAutoFit/>
+          </a:bodyPr>
+          <a:lstStyle/>
+          <a:p>
+            <a:r>
+              <a:rPr lang="en-US" b="0" i="0" dirty="0">
+                <a:solidFill>
+                  <a:schemeClr val="tx1">
+                    <a:lumMod val="95000"/>
+                  </a:schemeClr>
+                </a:solidFill>
+                <a:effectLst/>
+                <a:latin typeface="arial" panose="020B0604020202020204" pitchFamily="34" charset="0"/>
+              </a:rPr>
+              <a:t>The </a:t>
+            </a:r>
+            <a:r>
+              <a:rPr lang="en-US" b="0" i="0" dirty="0" err="1">
+                <a:solidFill>
+                  <a:schemeClr val="tx1">
+                    <a:lumMod val="95000"/>
+                  </a:schemeClr>
+                </a:solidFill>
+                <a:effectLst/>
+                <a:latin typeface="arial" panose="020B0604020202020204" pitchFamily="34" charset="0"/>
+              </a:rPr>
+              <a:t>Linq</a:t>
+            </a:r>
+            <a:r>
+              <a:rPr lang="en-US" b="0" i="0" dirty="0">
+                <a:solidFill>
+                  <a:schemeClr val="tx1">
+                    <a:lumMod val="95000"/>
+                  </a:schemeClr>
+                </a:solidFill>
+                <a:effectLst/>
+                <a:latin typeface="arial" panose="020B0604020202020204" pitchFamily="34" charset="0"/>
+              </a:rPr>
+              <a:t> Single Method is used to returns a single element from a data source or you can say from a sequence</a:t>
+            </a:r>
+            <a:endParaRPr lang="en-IN" dirty="0">
+              <a:solidFill>
+                <a:schemeClr val="tx1">
+                  <a:lumMod val="95000"/>
+                </a:schemeClr>
+              </a:solidFill>
+            </a:endParaRPr>
+          </a:p>
+        </p:txBody>
+      </p:sp>
+      <p:sp>
+        <p:nvSpPr>
+          <p:cNvPr id="7" name="TextBox 6">
+            <a:extLst>
+              <a:ext uri="{FF2B5EF4-FFF2-40B4-BE49-F238E27FC236}">
+                <a16:creationId xmlns:a16="http://schemas.microsoft.com/office/drawing/2014/main" xmlns="" id="{0F8FD056-8C03-42DE-9307-51A329D95D79}"/>
+              </a:ext>
+            </a:extLst>
+          </p:cNvPr>
+          <p:cNvSpPr txBox="1"/>
+          <p:nvPr/>
+        </p:nvSpPr>
+        <p:spPr>
+          <a:xfrm>
+            <a:off x="1066800" y="2743200"/>
+            <a:ext cx="6629400" cy="923330"/>
+          </a:xfrm>
+          <a:prstGeom prst="rect">
+            <a:avLst/>
+          </a:prstGeom>
+          <a:noFill/>
+        </p:spPr>
+        <p:txBody>
+          <a:bodyPr wrap="square">
+            <a:spAutoFit/>
+          </a:bodyPr>
+          <a:lstStyle/>
+          <a:p>
+            <a:r>
+              <a:rPr lang="en-US" b="0" i="0" dirty="0">
+                <a:solidFill>
+                  <a:schemeClr val="tx1">
+                    <a:lumMod val="95000"/>
+                  </a:schemeClr>
+                </a:solidFill>
+                <a:effectLst/>
+                <a:latin typeface="arial" panose="020B0604020202020204" pitchFamily="34" charset="0"/>
+              </a:rPr>
+              <a:t>This method simply returns the only element from a sequence. If the data source is empty or if the data source contains more than one element, then it throws an exception.</a:t>
+            </a:r>
+            <a:endParaRPr lang="en-IN" dirty="0">
+              <a:solidFill>
+                <a:schemeClr val="tx1">
+                  <a:lumMod val="95000"/>
+                </a:schemeClr>
+              </a:solidFill>
+            </a:endParaRPr>
+          </a:p>
+        </p:txBody>
+      </p:sp>
+    </p:spTree>
+    <p:extLst>
+      <p:ext uri="{BB962C8B-B14F-4D97-AF65-F5344CB8AC3E}">
+        <p14:creationId xmlns:p14="http://schemas.microsoft.com/office/powerpoint/2010/main" xmlns="" val="1632962887"/>
+      </p:ext>
+    </p:extLst>
+  </p:cSld>
+  <p:clrMapOvr>
+    <a:masterClrMapping/>
+  </p:clrMapOvr>
+</p:sld>
+</file>
+
+<file path=ppt/slides/slide18.xml><?xml version="1.0" encoding="utf-8"?>
+<p:sld xmlns:a="http://schemas.openxmlformats.org/drawingml/2006/main" xmlns:r="http://schemas.openxmlformats.org/officeDocument/2006/relationships" xmlns:p="http://schemas.openxmlformats.org/presentationml/2006/main">
+  <p:cSld>
+    <p:spTree>
+      <p:nvGrpSpPr>
+        <p:cNvPr id="1" name=""/>
+        <p:cNvGrpSpPr/>
+        <p:nvPr/>
+      </p:nvGrpSpPr>
+      <p:grpSpPr>
+        <a:xfrm>
+          <a:off x="0" y="0"/>
+          <a:ext cx="0" cy="0"/>
+          <a:chOff x="0" y="0"/>
+          <a:chExt cx="0" cy="0"/>
+        </a:xfrm>
+      </p:grpSpPr>
+      <p:sp>
+        <p:nvSpPr>
+          <p:cNvPr id="2" name="Title 1">
+            <a:extLst>
+              <a:ext uri="{FF2B5EF4-FFF2-40B4-BE49-F238E27FC236}">
+                <a16:creationId xmlns:a16="http://schemas.microsoft.com/office/drawing/2014/main" xmlns="" id="{63CA9282-B962-A3AE-9CD9-76604041F2AC}"/>
+              </a:ext>
+            </a:extLst>
+          </p:cNvPr>
+          <p:cNvSpPr>
+            <a:spLocks noGrp="1"/>
+          </p:cNvSpPr>
+          <p:nvPr>
+            <p:ph type="title"/>
+          </p:nvPr>
+        </p:nvSpPr>
+        <p:spPr/>
+        <p:txBody>
+          <a:bodyPr/>
+          <a:lstStyle/>
+          <a:p>
+            <a:r>
+              <a:rPr lang="en-IN" b="1" i="0" dirty="0" err="1">
+                <a:solidFill>
+                  <a:schemeClr val="tx2"/>
+                </a:solidFill>
+                <a:effectLst/>
+                <a:latin typeface="arial" panose="020B0604020202020204" pitchFamily="34" charset="0"/>
+              </a:rPr>
+              <a:t>SingleOrDefault</a:t>
+            </a:r>
+            <a:r>
+              <a:rPr lang="en-IN" b="1" i="0" dirty="0">
+                <a:solidFill>
+                  <a:schemeClr val="tx2"/>
+                </a:solidFill>
+                <a:effectLst/>
+                <a:latin typeface="arial" panose="020B0604020202020204" pitchFamily="34" charset="0"/>
+              </a:rPr>
+              <a:t> Method in </a:t>
+            </a:r>
+            <a:r>
+              <a:rPr lang="en-IN" b="1" i="0" dirty="0" err="1">
+                <a:solidFill>
+                  <a:schemeClr val="tx2"/>
+                </a:solidFill>
+                <a:effectLst/>
+                <a:latin typeface="arial" panose="020B0604020202020204" pitchFamily="34" charset="0"/>
+              </a:rPr>
+              <a:t>Linq</a:t>
+            </a:r>
+            <a:r>
+              <a:rPr lang="en-IN" b="1" i="0" dirty="0">
+                <a:solidFill>
+                  <a:schemeClr val="tx2"/>
+                </a:solidFill>
+                <a:effectLst/>
+                <a:latin typeface="arial" panose="020B0604020202020204" pitchFamily="34" charset="0"/>
+              </a:rPr>
+              <a:t>: </a:t>
+            </a:r>
+            <a:r>
+              <a:rPr lang="en-IN" b="0" i="0" dirty="0">
+                <a:solidFill>
+                  <a:srgbClr val="3A3A3A"/>
+                </a:solidFill>
+                <a:effectLst/>
+                <a:latin typeface="-apple-system"/>
+              </a:rPr>
+              <a:t/>
+            </a:r>
+            <a:br>
+              <a:rPr lang="en-IN" b="0" i="0" dirty="0">
+                <a:solidFill>
+                  <a:srgbClr val="3A3A3A"/>
+                </a:solidFill>
+                <a:effectLst/>
+                <a:latin typeface="-apple-system"/>
+              </a:rPr>
+            </a:br>
+            <a:endParaRPr lang="en-IN" dirty="0"/>
+          </a:p>
+        </p:txBody>
+      </p:sp>
+      <p:sp>
+        <p:nvSpPr>
+          <p:cNvPr id="3" name="Footer Placeholder 2">
+            <a:extLst>
+              <a:ext uri="{FF2B5EF4-FFF2-40B4-BE49-F238E27FC236}">
+                <a16:creationId xmlns:a16="http://schemas.microsoft.com/office/drawing/2014/main" xmlns="" id="{2F40F4DE-B5C7-BD41-19FA-8D0116164775}"/>
+              </a:ext>
+            </a:extLst>
+          </p:cNvPr>
+          <p:cNvSpPr>
+            <a:spLocks noGrp="1"/>
+          </p:cNvSpPr>
+          <p:nvPr>
+            <p:ph type="ftr" sz="quarter" idx="11"/>
+          </p:nvPr>
+        </p:nvSpPr>
+        <p:spPr/>
+        <p:txBody>
+          <a:bodyPr/>
+          <a:lstStyle/>
+          <a:p>
+            <a:r>
+              <a:rPr lang="en-US"/>
+              <a:t>Excel Online Classes</a:t>
+            </a:r>
+          </a:p>
+        </p:txBody>
+      </p:sp>
+      <p:sp>
+        <p:nvSpPr>
+          <p:cNvPr id="5" name="TextBox 4">
+            <a:extLst>
+              <a:ext uri="{FF2B5EF4-FFF2-40B4-BE49-F238E27FC236}">
+                <a16:creationId xmlns:a16="http://schemas.microsoft.com/office/drawing/2014/main" xmlns="" id="{F41DE00F-1E10-98C0-69CC-ED3CE9550084}"/>
+              </a:ext>
+            </a:extLst>
+          </p:cNvPr>
+          <p:cNvSpPr txBox="1"/>
+          <p:nvPr/>
+        </p:nvSpPr>
+        <p:spPr>
+          <a:xfrm>
+            <a:off x="1066800" y="1674674"/>
+            <a:ext cx="6096000" cy="2031325"/>
+          </a:xfrm>
+          <a:prstGeom prst="rect">
+            <a:avLst/>
+          </a:prstGeom>
+          <a:noFill/>
+        </p:spPr>
+        <p:txBody>
+          <a:bodyPr wrap="square">
+            <a:spAutoFit/>
+          </a:bodyPr>
+          <a:lstStyle/>
+          <a:p>
+            <a:r>
+              <a:rPr lang="en-US" b="0" i="0" dirty="0">
+                <a:effectLst/>
+                <a:latin typeface="arial" panose="020B0604020202020204" pitchFamily="34" charset="0"/>
+              </a:rPr>
+              <a:t>Both Single and </a:t>
+            </a:r>
+            <a:r>
+              <a:rPr lang="en-US" b="0" i="0" dirty="0" err="1">
+                <a:effectLst/>
+                <a:latin typeface="arial" panose="020B0604020202020204" pitchFamily="34" charset="0"/>
+              </a:rPr>
+              <a:t>SingleOrDefault</a:t>
+            </a:r>
+            <a:r>
+              <a:rPr lang="en-US" b="0" i="0" dirty="0">
+                <a:effectLst/>
+                <a:latin typeface="arial" panose="020B0604020202020204" pitchFamily="34" charset="0"/>
+              </a:rPr>
+              <a:t> methods in </a:t>
+            </a:r>
+            <a:r>
+              <a:rPr lang="en-US" b="0" i="0" dirty="0" err="1">
+                <a:effectLst/>
+                <a:latin typeface="arial" panose="020B0604020202020204" pitchFamily="34" charset="0"/>
+              </a:rPr>
+              <a:t>Linq</a:t>
+            </a:r>
+            <a:r>
+              <a:rPr lang="en-US" b="0" i="0" dirty="0">
+                <a:effectLst/>
+                <a:latin typeface="arial" panose="020B0604020202020204" pitchFamily="34" charset="0"/>
+              </a:rPr>
+              <a:t> are used to returns a single element from a sequence.</a:t>
+            </a:r>
+          </a:p>
+          <a:p>
+            <a:endParaRPr lang="en-US" dirty="0">
+              <a:latin typeface="arial" panose="020B0604020202020204" pitchFamily="34" charset="0"/>
+            </a:endParaRPr>
+          </a:p>
+          <a:p>
+            <a:r>
+              <a:rPr lang="en-US" b="0" i="0" dirty="0">
+                <a:effectLst/>
+                <a:latin typeface="arial" panose="020B0604020202020204" pitchFamily="34" charset="0"/>
+              </a:rPr>
+              <a:t> But if the sequence is empty or if no element is satisfied with the given condition, then the Single method will throw an exception while the </a:t>
+            </a:r>
+            <a:r>
+              <a:rPr lang="en-US" b="0" i="0" dirty="0" err="1">
+                <a:effectLst/>
+                <a:latin typeface="arial" panose="020B0604020202020204" pitchFamily="34" charset="0"/>
+              </a:rPr>
+              <a:t>SingleOrDefault</a:t>
+            </a:r>
+            <a:r>
+              <a:rPr lang="en-US" b="0" i="0" dirty="0">
+                <a:effectLst/>
+                <a:latin typeface="arial" panose="020B0604020202020204" pitchFamily="34" charset="0"/>
+              </a:rPr>
+              <a:t> method will not throw an exception instead it returns a default value.</a:t>
+            </a:r>
+            <a:endParaRPr lang="en-IN" dirty="0"/>
+          </a:p>
+        </p:txBody>
+      </p:sp>
+    </p:spTree>
+    <p:extLst>
+      <p:ext uri="{BB962C8B-B14F-4D97-AF65-F5344CB8AC3E}">
+        <p14:creationId xmlns:p14="http://schemas.microsoft.com/office/powerpoint/2010/main" xmlns="" val="2579734301"/>
+      </p:ext>
+    </p:extLst>
+  </p:cSld>
+  <p:clrMapOvr>
+    <a:masterClrMapping/>
+  </p:clrMapOvr>
+</p:sld>
+</file>
+
 <file path=ppt/slides/slide2.xml><?xml version="1.0" encoding="utf-8"?>
 <p:sld xmlns:a="http://schemas.openxmlformats.org/drawingml/2006/main" xmlns:r="http://schemas.openxmlformats.org/officeDocument/2006/relationships" xmlns:p="http://schemas.openxmlformats.org/presentationml/2006/main">
   <p:cSld>
@@ -7533,7 +9641,7 @@
           <a:p>
             <a:r>
               <a:rPr lang="en-US" dirty="0"/>
-              <a:t>Integrated feature in </a:t>
+              <a:t>And it is Integrated feature in </a:t>
             </a:r>
             <a:r>
               <a:rPr lang="en-US" dirty="0" err="1"/>
@@ -7721,14 +9829,14 @@
                 <a:gridCol w="1828800">
                   <a:extLst>
                     <a:ext uri="{9D8B030D-6E8A-4147-A177-3AD203B41FA5}">
-                      <a16:colId xmlns:a16="http://schemas.microsoft.com/office/drawing/2014/main" val="20000"/>
+                      <a16:colId xmlns:a16="http://schemas.microsoft.com/office/drawing/2014/main" xmlns="" val="20000"/>
                     </a:ext>
                   </a:extLst>
                 </a:gridCol>
                 <a:gridCol w="5943600">
                   <a:extLst>
                     <a:ext uri="{9D8B030D-6E8A-4147-A177-3AD203B41FA5}">
-                      <a16:colId xmlns:a16="http://schemas.microsoft.com/office/drawing/2014/main" val="20001"/>
+                      <a16:colId xmlns:a16="http://schemas.microsoft.com/office/drawing/2014/main" xmlns="" val="20001"/>
                     </a:ext>
                   </a:extLst>
                 </a:gridCol>
@@ -7762,7 +9870,7 @@
                 </a:tc>
                 <a:extLst>
                   <a:ext uri="{0D108BD9-81ED-4DB2-BD59-A6C34878D82A}">
-                    <a16:rowId xmlns:a16="http://schemas.microsoft.com/office/drawing/2014/main" val="10000"/>
+                    <a16:rowId xmlns:a16="http://schemas.microsoft.com/office/drawing/2014/main" xmlns="" val="10000"/>
                   </a:ext>
                 </a:extLst>
               </a:tr>
@@ -7796,7 +9904,7 @@
                 </a:tc>
                 <a:extLst>
                   <a:ext uri="{0D108BD9-81ED-4DB2-BD59-A6C34878D82A}">
-                    <a16:rowId xmlns:a16="http://schemas.microsoft.com/office/drawing/2014/main" val="10001"/>
+                    <a16:rowId xmlns:a16="http://schemas.microsoft.com/office/drawing/2014/main" xmlns="" val="10001"/>
                   </a:ext>
                 </a:extLst>
               </a:tr>
@@ -7829,7 +9937,7 @@
                 </a:tc>
                 <a:extLst>
                   <a:ext uri="{0D108BD9-81ED-4DB2-BD59-A6C34878D82A}">
-                    <a16:rowId xmlns:a16="http://schemas.microsoft.com/office/drawing/2014/main" val="10002"/>
+                    <a16:rowId xmlns:a16="http://schemas.microsoft.com/office/drawing/2014/main" xmlns="" val="10002"/>
                   </a:ext>
                 </a:extLst>
               </a:tr>
@@ -7863,7 +9971,7 @@
                 </a:tc>
                 <a:extLst>
                   <a:ext uri="{0D108BD9-81ED-4DB2-BD59-A6C34878D82A}">
-                    <a16:rowId xmlns:a16="http://schemas.microsoft.com/office/drawing/2014/main" val="10003"/>
+                    <a16:rowId xmlns:a16="http://schemas.microsoft.com/office/drawing/2014/main" xmlns="" val="10003"/>
                   </a:ext>
                 </a:extLst>
               </a:tr>
@@ -7897,7 +10005,7 @@
                 </a:tc>
                 <a:extLst>
                   <a:ext uri="{0D108BD9-81ED-4DB2-BD59-A6C34878D82A}">
-                    <a16:rowId xmlns:a16="http://schemas.microsoft.com/office/drawing/2014/main" val="10004"/>
+                    <a16:rowId xmlns:a16="http://schemas.microsoft.com/office/drawing/2014/main" xmlns="" val="10004"/>
                   </a:ext>
                 </a:extLst>
               </a:tr>
@@ -7930,7 +10038,7 @@
                 </a:tc>
                 <a:extLst>
                   <a:ext uri="{0D108BD9-81ED-4DB2-BD59-A6C34878D82A}">
-                    <a16:rowId xmlns:a16="http://schemas.microsoft.com/office/drawing/2014/main" val="10005"/>
+                    <a16:rowId xmlns:a16="http://schemas.microsoft.com/office/drawing/2014/main" xmlns="" val="10005"/>
                   </a:ext>
                 </a:extLst>
               </a:tr>
@@ -7964,7 +10072,7 @@
                 </a:tc>
                 <a:extLst>
                   <a:ext uri="{0D108BD9-81ED-4DB2-BD59-A6C34878D82A}">
-                    <a16:rowId xmlns:a16="http://schemas.microsoft.com/office/drawing/2014/main" val="10006"/>
+                    <a16:rowId xmlns:a16="http://schemas.microsoft.com/office/drawing/2014/main" xmlns="" val="10006"/>
                   </a:ext>
                 </a:extLst>
               </a:tr>
@@ -8006,7 +10114,7 @@
                 </a:tc>
                 <a:extLst>
                   <a:ext uri="{0D108BD9-81ED-4DB2-BD59-A6C34878D82A}">
-                    <a16:rowId xmlns:a16="http://schemas.microsoft.com/office/drawing/2014/main" val="10007"/>
+                    <a16:rowId xmlns:a16="http://schemas.microsoft.com/office/drawing/2014/main" xmlns="" val="10007"/>
                   </a:ext>
                 </a:extLst>
               </a:tr>
@@ -8040,7 +10148,7 @@
                 </a:tc>
                 <a:extLst>
                   <a:ext uri="{0D108BD9-81ED-4DB2-BD59-A6C34878D82A}">
-                    <a16:rowId xmlns:a16="http://schemas.microsoft.com/office/drawing/2014/main" val="10008"/>
+                    <a16:rowId xmlns:a16="http://schemas.microsoft.com/office/drawing/2014/main" xmlns="" val="10008"/>
                   </a:ext>
                 </a:extLst>
               </a:tr>
@@ -8074,7 +10182,7 @@
                 </a:tc>
                 <a:extLst>
                   <a:ext uri="{0D108BD9-81ED-4DB2-BD59-A6C34878D82A}">
-                    <a16:rowId xmlns:a16="http://schemas.microsoft.com/office/drawing/2014/main" val="10009"/>
+                    <a16:rowId xmlns:a16="http://schemas.microsoft.com/office/drawing/2014/main" xmlns="" val="10009"/>
                   </a:ext>
                 </a:extLst>
               </a:tr>
@@ -8159,8 +10267,8 @@
         </p:nvSpPr>
         <p:spPr>
           <a:xfrm>
-            <a:off x="1600200" y="2057400"/>
-            <a:ext cx="5943600" cy="646331"/>
+            <a:off x="838200" y="2057400"/>
+            <a:ext cx="6705600" cy="1077218"/>
           </a:xfrm>
           <a:prstGeom prst="rect">
             <a:avLst/>
@@ -8174,22 +10282,22 @@
           <a:lstStyle/>
           <a:p>
             <a:r>
-              <a:rPr lang="en-US" dirty="0" err="1"/>
+              <a:rPr lang="en-US" sz="3200" dirty="0" err="1"/>
               <a:t>var</a:t>
             </a:r>
             <a:r>
-              <a:rPr lang="en-US" dirty="0"/>
+              <a:rPr lang="en-US" sz="3200" dirty="0"/>
               <a:t>  result = from p in </a:t>
             </a:r>
             <a:r>
-              <a:rPr lang="en-US" dirty="0" err="1"/>
+              <a:rPr lang="en-US" sz="3200" dirty="0" err="1"/>
               <a:t>datasource</a:t>
             </a:r>
-            <a:endParaRPr lang="en-US" dirty="0"/>
-          </a:p>
-          <a:p>
-            <a:r>
-              <a:rPr lang="en-US" dirty="0"/>
+            <a:endParaRPr lang="en-US" sz="3200" dirty="0"/>
+          </a:p>
+          <a:p>
+            <a:r>
+              <a:rPr lang="en-US" sz="3200" dirty="0"/>
               <a:t>                         select  p;</a:t>
             </a:r>
           </a:p>
@@ -8203,8 +10311,8 @@
         </p:nvSpPr>
         <p:spPr>
           <a:xfrm>
-            <a:off x="1752600" y="3316069"/>
-            <a:ext cx="5943600" cy="923330"/>
+            <a:off x="533400" y="3316069"/>
+            <a:ext cx="7162800" cy="2062103"/>
           </a:xfrm>
           <a:prstGeom prst="rect">
             <a:avLst/>
@@ -8218,31 +10326,31 @@
           <a:lstStyle/>
           <a:p>
             <a:r>
-              <a:rPr lang="en-US" dirty="0"/>
+              <a:rPr lang="en-US" sz="3200" dirty="0"/>
               <a:t>Example :</a:t>
             </a:r>
           </a:p>
           <a:p>
             <a:r>
-              <a:rPr lang="en-US" dirty="0" err="1"/>
+              <a:rPr lang="en-US" sz="3200" dirty="0" err="1"/>
               <a:t>var</a:t>
             </a:r>
             <a:r>
-              <a:rPr lang="en-US" dirty="0"/>
+              <a:rPr lang="en-US" sz="3200" dirty="0"/>
               <a:t>  result = from p in products</a:t>
             </a:r>
           </a:p>
           <a:p>
             <a:r>
-              <a:rPr lang="en-US" dirty="0"/>
+              <a:rPr lang="en-US" sz="3200" dirty="0"/>
               <a:t>                          new select  </a:t>
             </a:r>
             <a:r>
-              <a:rPr lang="en-US" dirty="0" err="1"/>
+              <a:rPr lang="en-US" sz="3200" dirty="0" err="1"/>
               <a:t>p.Id,p.Name,p.Quantity,p.price</a:t>
             </a:r>
             <a:r>
-              <a:rPr lang="en-US" dirty="0"/>
+              <a:rPr lang="en-US" sz="3200" dirty="0"/>
               <a:t>;</a:t>
             </a:r>
           </a:p>
@@ -8349,7 +10457,7 @@
           <p:nvPr>
             <p:extLst>
               <p:ext uri="{D42A27DB-BD31-4B8C-83A1-F6EECF244321}">
-                <p14:modId xmlns:p14="http://schemas.microsoft.com/office/powerpoint/2010/main" val="818843637"/>
+                <p14:modId xmlns:p14="http://schemas.microsoft.com/office/powerpoint/2010/main" xmlns="" val="818843637"/>
               </p:ext>
             </p:extLst>
           </p:nvPr>
@@ -8366,14 +10474,14 @@
                 <a:gridCol w="2133600">
                   <a:extLst>
                     <a:ext uri="{9D8B030D-6E8A-4147-A177-3AD203B41FA5}">
-                      <a16:colId xmlns:a16="http://schemas.microsoft.com/office/drawing/2014/main" val="20000"/>
+                      <a16:colId xmlns:a16="http://schemas.microsoft.com/office/drawing/2014/main" xmlns="" val="20000"/>
                     </a:ext>
                   </a:extLst>
                 </a:gridCol>
                 <a:gridCol w="6324600">
                   <a:extLst>
                     <a:ext uri="{9D8B030D-6E8A-4147-A177-3AD203B41FA5}">
-                      <a16:colId xmlns:a16="http://schemas.microsoft.com/office/drawing/2014/main" val="20001"/>
+                      <a16:colId xmlns:a16="http://schemas.microsoft.com/office/drawing/2014/main" xmlns="" val="20001"/>
                     </a:ext>
                   </a:extLst>
                 </a:gridCol>
@@ -8499,7 +10607,7 @@
                 </a:tc>
                 <a:extLst>
                   <a:ext uri="{0D108BD9-81ED-4DB2-BD59-A6C34878D82A}">
-                    <a16:rowId xmlns:a16="http://schemas.microsoft.com/office/drawing/2014/main" val="10000"/>
+                    <a16:rowId xmlns:a16="http://schemas.microsoft.com/office/drawing/2014/main" xmlns="" val="10000"/>
                   </a:ext>
                 </a:extLst>
               </a:tr>
@@ -8631,7 +10739,7 @@
                 </a:tc>
                 <a:extLst>
                   <a:ext uri="{0D108BD9-81ED-4DB2-BD59-A6C34878D82A}">
-                    <a16:rowId xmlns:a16="http://schemas.microsoft.com/office/drawing/2014/main" val="10001"/>
+                    <a16:rowId xmlns:a16="http://schemas.microsoft.com/office/drawing/2014/main" xmlns="" val="10001"/>
                   </a:ext>
                 </a:extLst>
               </a:tr>
@@ -8648,7 +10756,7 @@
                             <a:srgbClr val="FF0000"/>
                           </a:solidFill>
                           <a:effectLst/>
-                          <a:hlinkClick r:id="rId3"/>
+                          <a:hlinkClick r:id="rId2"/>
                         </a:rPr>
                         <a:t>SkipWhile</a:t>
                       </a:r>
@@ -8763,7 +10871,7 @@
                 </a:tc>
                 <a:extLst>
                   <a:ext uri="{0D108BD9-81ED-4DB2-BD59-A6C34878D82A}">
-                    <a16:rowId xmlns:a16="http://schemas.microsoft.com/office/drawing/2014/main" val="10002"/>
+                    <a16:rowId xmlns:a16="http://schemas.microsoft.com/office/drawing/2014/main" xmlns="" val="10002"/>
                   </a:ext>
                 </a:extLst>
               </a:tr>
@@ -8780,7 +10888,7 @@
                             <a:srgbClr val="FF0000"/>
                           </a:solidFill>
                           <a:effectLst/>
-                          <a:hlinkClick r:id="rId4"/>
+                          <a:hlinkClick r:id="rId3"/>
                         </a:rPr>
                         <a:t>Take</a:t>
                       </a:r>
@@ -8895,7 +11003,7 @@
                 </a:tc>
                 <a:extLst>
                   <a:ext uri="{0D108BD9-81ED-4DB2-BD59-A6C34878D82A}">
-                    <a16:rowId xmlns:a16="http://schemas.microsoft.com/office/drawing/2014/main" val="10003"/>
+                    <a16:rowId xmlns:a16="http://schemas.microsoft.com/office/drawing/2014/main" xmlns="" val="10003"/>
                   </a:ext>
                 </a:extLst>
               </a:tr>
@@ -9026,7 +11134,7 @@
                 </a:tc>
                 <a:extLst>
                   <a:ext uri="{0D108BD9-81ED-4DB2-BD59-A6C34878D82A}">
-                    <a16:rowId xmlns:a16="http://schemas.microsoft.com/office/drawing/2014/main" val="10004"/>
+                    <a16:rowId xmlns:a16="http://schemas.microsoft.com/office/drawing/2014/main" xmlns="" val="10004"/>
                   </a:ext>
                 </a:extLst>
               </a:tr>
@@ -9037,7 +11145,7 @@
     </p:spTree>
     <p:extLst>
       <p:ext uri="{BB962C8B-B14F-4D97-AF65-F5344CB8AC3E}">
-        <p14:creationId xmlns:p14="http://schemas.microsoft.com/office/powerpoint/2010/main" val="325203932"/>
+        <p14:creationId xmlns:p14="http://schemas.microsoft.com/office/powerpoint/2010/main" xmlns="" val="325203932"/>
       </p:ext>
     </p:extLst>
   </p:cSld>
@@ -9328,7 +11436,7 @@
           <p:cNvPr id="2" name="Title 1">
             <a:extLst>
               <a:ext uri="{FF2B5EF4-FFF2-40B4-BE49-F238E27FC236}">
-                <a16:creationId xmlns:a16="http://schemas.microsoft.com/office/drawing/2014/main" id="{5BA01950-05C4-C08E-51BE-7B2EB61A4A59}"/>
+                <a16:creationId xmlns:a16="http://schemas.microsoft.com/office/drawing/2014/main" xmlns="" id="{5BA01950-05C4-C08E-51BE-7B2EB61A4A59}"/>
               </a:ext>
             </a:extLst>
           </p:cNvPr>
@@ -9363,6 +11471,16 @@
                 <a:latin typeface="arial" panose="020B0604020202020204" pitchFamily="34" charset="0"/>
               </a:rPr>
               <a:t>Operators?</a:t>
+            </a:r>
+            <a:r>
+              <a:rPr lang="en-US" b="0" i="0" dirty="0">
+                <a:solidFill>
+                  <a:srgbClr val="3A3A3A"/>
+                </a:solidFill>
+                <a:effectLst/>
+                <a:latin typeface="-apple-system"/>
+              </a:rPr>
+              <a:t/>
             </a:r>
             <a:br>
               <a:rPr lang="en-US" b="0" i="0" dirty="0">
@@ -9382,7 +11500,7 @@
           <p:cNvPr id="3" name="Footer Placeholder 2">
             <a:extLst>
               <a:ext uri="{FF2B5EF4-FFF2-40B4-BE49-F238E27FC236}">
-                <a16:creationId xmlns:a16="http://schemas.microsoft.com/office/drawing/2014/main" id="{0DAA5866-A9D5-D32C-8A6C-2D7057B3C0F1}"/>
+                <a16:creationId xmlns:a16="http://schemas.microsoft.com/office/drawing/2014/main" xmlns="" id="{0DAA5866-A9D5-D32C-8A6C-2D7057B3C0F1}"/>
               </a:ext>
             </a:extLst>
           </p:cNvPr>
@@ -9410,7 +11528,7 @@
           <p:cNvPr id="5" name="TextBox 4">
             <a:extLst>
               <a:ext uri="{FF2B5EF4-FFF2-40B4-BE49-F238E27FC236}">
-                <a16:creationId xmlns:a16="http://schemas.microsoft.com/office/drawing/2014/main" id="{FF1B2234-8859-813B-8F2A-8472318FF2E2}"/>
+                <a16:creationId xmlns:a16="http://schemas.microsoft.com/office/drawing/2014/main" xmlns="" id="{FF1B2234-8859-813B-8F2A-8472318FF2E2}"/>
               </a:ext>
             </a:extLst>
           </p:cNvPr>
@@ -9706,7 +11824,7 @@
     </p:spTree>
     <p:extLst>
       <p:ext uri="{BB962C8B-B14F-4D97-AF65-F5344CB8AC3E}">
-        <p14:creationId xmlns:p14="http://schemas.microsoft.com/office/powerpoint/2010/main" val="911425356"/>
+        <p14:creationId xmlns:p14="http://schemas.microsoft.com/office/powerpoint/2010/main" xmlns="" val="911425356"/>
       </p:ext>
     </p:extLst>
   </p:cSld>
@@ -9735,10 +11853,88 @@
       </p:grpSpPr>
       <p:sp>
         <p:nvSpPr>
-          <p:cNvPr id="2" name="Title 1">
+          <p:cNvPr id="3" name="Footer Placeholder 2">
             <a:extLst>
               <a:ext uri="{FF2B5EF4-FFF2-40B4-BE49-F238E27FC236}">
-                <a16:creationId xmlns:a16="http://schemas.microsoft.com/office/drawing/2014/main" id="{FFBB5949-E3D6-B1D2-A624-4F6E3FFB3BB6}"/>
+                <a16:creationId xmlns:a16="http://schemas.microsoft.com/office/drawing/2014/main" xmlns="" id="{70DCA407-0026-34D7-6266-6800813EDF83}"/>
+              </a:ext>
+            </a:extLst>
+          </p:cNvPr>
+          <p:cNvSpPr>
+            <a:spLocks noGrp="1"/>
+          </p:cNvSpPr>
+          <p:nvPr>
+            <p:ph type="ftr" sz="quarter" idx="11"/>
+          </p:nvPr>
+        </p:nvSpPr>
+        <p:spPr/>
+        <p:txBody>
+          <a:bodyPr/>
+          <a:lstStyle/>
+          <a:p>
+            <a:r>
+              <a:rPr lang="en-US"/>
+              <a:t>Excel Online Classes</a:t>
+            </a:r>
+          </a:p>
+        </p:txBody>
+      </p:sp>
+      <p:sp>
+        <p:nvSpPr>
+          <p:cNvPr id="5" name="TextBox 4">
+            <a:extLst>
+              <a:ext uri="{FF2B5EF4-FFF2-40B4-BE49-F238E27FC236}">
+                <a16:creationId xmlns:a16="http://schemas.microsoft.com/office/drawing/2014/main" xmlns="" id="{8B529314-83A2-47FC-C056-1D5AC60545F4}"/>
+              </a:ext>
+            </a:extLst>
+          </p:cNvPr>
+          <p:cNvSpPr txBox="1"/>
+          <p:nvPr/>
+        </p:nvSpPr>
+        <p:spPr>
+          <a:xfrm>
+            <a:off x="1066800" y="3414860"/>
+            <a:ext cx="4572000" cy="954107"/>
+          </a:xfrm>
+          <a:prstGeom prst="rect">
+            <a:avLst/>
+          </a:prstGeom>
+          <a:noFill/>
+        </p:spPr>
+        <p:txBody>
+          <a:bodyPr wrap="square">
+            <a:spAutoFit/>
+          </a:bodyPr>
+          <a:lstStyle/>
+          <a:p>
+            <a:pPr marL="342900" indent="-342900">
+              <a:buFont typeface="+mj-lt"/>
+              <a:buAutoNum type="arabicPeriod"/>
+            </a:pPr>
+            <a:r>
+              <a:rPr lang="en-IN" sz="2800" dirty="0"/>
+              <a:t>Select</a:t>
+            </a:r>
+          </a:p>
+          <a:p>
+            <a:pPr marL="342900" indent="-342900">
+              <a:buFont typeface="+mj-lt"/>
+              <a:buAutoNum type="arabicPeriod"/>
+            </a:pPr>
+            <a:r>
+              <a:rPr lang="en-IN" sz="2800" dirty="0" err="1"/>
+              <a:t>SelectMany</a:t>
+            </a:r>
+            <a:endParaRPr lang="en-IN" sz="2800" dirty="0"/>
+          </a:p>
+        </p:txBody>
+      </p:sp>
+      <p:sp>
+        <p:nvSpPr>
+          <p:cNvPr id="8" name="Title 7">
+            <a:extLst>
+              <a:ext uri="{FF2B5EF4-FFF2-40B4-BE49-F238E27FC236}">
+                <a16:creationId xmlns:a16="http://schemas.microsoft.com/office/drawing/2014/main" xmlns="" id="{20E05C8F-0012-E97F-D9E1-E0D8BCE01165}"/>
               </a:ext>
             </a:extLst>
           </p:cNvPr>
@@ -9754,144 +11950,33 @@
           <a:bodyPr/>
           <a:lstStyle/>
           <a:p>
-            <a:pPr algn="just" fontAlgn="base">
-              <a:buFont typeface="+mj-lt"/>
-              <a:buAutoNum type="arabicPeriod"/>
-            </a:pPr>
-            <a:r>
-              <a:rPr lang="en-US" sz="4000" b="1" i="0" dirty="0">
-                <a:solidFill>
-                  <a:schemeClr val="tx1"/>
-                </a:solidFill>
+            <a:pPr fontAlgn="base"/>
+            <a:r>
+              <a:rPr lang="en-US" b="1" i="0" dirty="0">
                 <a:effectLst/>
                 <a:latin typeface="arial" panose="020B0604020202020204" pitchFamily="34" charset="0"/>
               </a:rPr>
-              <a:t>LINQ Select Projection Operator </a:t>
-            </a:r>
-            <a:r>
-              <a:rPr lang="en-US" sz="4000" b="1" i="0" dirty="0">
-                <a:solidFill>
-                  <a:srgbClr val="000000"/>
-                </a:solidFill>
+              <a:t>What are Projection Methods or Operators available in LINQ?</a:t>
+            </a:r>
+            <a:r>
+              <a:rPr lang="en-US" b="0" i="0" dirty="0">
                 <a:effectLst/>
-                <a:latin typeface="arial" panose="020B0604020202020204" pitchFamily="34" charset="0"/>
+                <a:latin typeface="-apple-system"/>
               </a:rPr>
-              <a:t>in C#</a:t>
+              <a:t/>
             </a:r>
             <a:br>
               <a:rPr lang="en-US" b="0" i="0" dirty="0">
-                <a:solidFill>
-                  <a:srgbClr val="3A3A3A"/>
-                </a:solidFill>
                 <a:effectLst/>
                 <a:latin typeface="-apple-system"/>
               </a:rPr>
             </a:br>
             <a:r>
-              <a:rPr lang="en-IN" b="0" i="0" dirty="0">
-                <a:solidFill>
-                  <a:srgbClr val="000000"/>
-                </a:solidFill>
+              <a:rPr lang="en-US" b="0" i="0" dirty="0">
                 <a:effectLst/>
                 <a:latin typeface="arial" panose="020B0604020202020204" pitchFamily="34" charset="0"/>
               </a:rPr>
-              <a:t>Select</a:t>
-            </a:r>
-            <a:br>
-              <a:rPr lang="en-IN" b="0" i="0" dirty="0">
-                <a:solidFill>
-                  <a:srgbClr val="212529"/>
-                </a:solidFill>
-                <a:effectLst/>
-                <a:latin typeface="-apple-system"/>
-              </a:rPr>
-            </a:br>
-            <a:br>
-              <a:rPr lang="en-IN" b="0" i="0" dirty="0">
-                <a:solidFill>
-                  <a:srgbClr val="212529"/>
-                </a:solidFill>
-                <a:effectLst/>
-                <a:latin typeface="-apple-system"/>
-              </a:rPr>
-            </a:br>
-            <a:endParaRPr lang="en-IN" dirty="0"/>
-          </a:p>
-        </p:txBody>
-      </p:sp>
-      <p:sp>
-        <p:nvSpPr>
-          <p:cNvPr id="3" name="Footer Placeholder 2">
-            <a:extLst>
-              <a:ext uri="{FF2B5EF4-FFF2-40B4-BE49-F238E27FC236}">
-                <a16:creationId xmlns:a16="http://schemas.microsoft.com/office/drawing/2014/main" id="{70DCA407-0026-34D7-6266-6800813EDF83}"/>
-              </a:ext>
-            </a:extLst>
-          </p:cNvPr>
-          <p:cNvSpPr>
-            <a:spLocks noGrp="1"/>
-          </p:cNvSpPr>
-          <p:nvPr>
-            <p:ph type="ftr" sz="quarter" idx="11"/>
-          </p:nvPr>
-        </p:nvSpPr>
-        <p:spPr/>
-        <p:txBody>
-          <a:bodyPr/>
-          <a:lstStyle/>
-          <a:p>
-            <a:r>
-              <a:rPr lang="en-US"/>
-              <a:t>Excel Online Classes</a:t>
-            </a:r>
-          </a:p>
-        </p:txBody>
-      </p:sp>
-      <p:sp>
-        <p:nvSpPr>
-          <p:cNvPr id="5" name="TextBox 4">
-            <a:extLst>
-              <a:ext uri="{FF2B5EF4-FFF2-40B4-BE49-F238E27FC236}">
-                <a16:creationId xmlns:a16="http://schemas.microsoft.com/office/drawing/2014/main" id="{8B529314-83A2-47FC-C056-1D5AC60545F4}"/>
-              </a:ext>
-            </a:extLst>
-          </p:cNvPr>
-          <p:cNvSpPr txBox="1"/>
-          <p:nvPr/>
-        </p:nvSpPr>
-        <p:spPr>
-          <a:xfrm>
-            <a:off x="838200" y="1981200"/>
-            <a:ext cx="4572000" cy="646331"/>
-          </a:xfrm>
-          <a:prstGeom prst="rect">
-            <a:avLst/>
-          </a:prstGeom>
-          <a:noFill/>
-        </p:spPr>
-        <p:txBody>
-          <a:bodyPr wrap="square">
-            <a:spAutoFit/>
-          </a:bodyPr>
-          <a:lstStyle/>
-          <a:p>
-            <a:pPr marL="342900" indent="-342900">
-              <a:buFont typeface="+mj-lt"/>
-              <a:buAutoNum type="arabicPeriod"/>
-            </a:pPr>
-            <a:r>
-              <a:rPr lang="en-IN" dirty="0"/>
-              <a:t>Select</a:t>
-            </a:r>
-          </a:p>
-          <a:p>
-            <a:pPr marL="342900" indent="-342900">
-              <a:buFont typeface="+mj-lt"/>
-              <a:buAutoNum type="arabicPeriod"/>
-            </a:pPr>
-            <a:r>
-              <a:rPr lang="en-IN" dirty="0" err="1"/>
-              <a:t>SelectMany</a:t>
+              <a:t>There are two methods available in projection</a:t>
             </a:r>
             <a:endParaRPr lang="en-IN" dirty="0"/>
           </a:p>
@@ -9900,7 +11985,7 @@
     </p:spTree>
     <p:extLst>
       <p:ext uri="{BB962C8B-B14F-4D97-AF65-F5344CB8AC3E}">
-        <p14:creationId xmlns:p14="http://schemas.microsoft.com/office/powerpoint/2010/main" val="1629870437"/>
+        <p14:creationId xmlns:p14="http://schemas.microsoft.com/office/powerpoint/2010/main" xmlns="" val="1629870437"/>
       </p:ext>
     </p:extLst>
   </p:cSld>

--- a/LTI_C#OOPS/LINQ.pptx
+++ b/LTI_C#OOPS/LINQ.pptx
@@ -5,7 +5,7 @@
     <p:sldMasterId id="2147483660" r:id="rId1"/>
   </p:sldMasterIdLst>
   <p:notesMasterIdLst>
-    <p:notesMasterId r:id="rId20"/>
+    <p:notesMasterId r:id="rId22"/>
   </p:notesMasterIdLst>
   <p:sldIdLst>
     <p:sldId id="257" r:id="rId2"/>
@@ -24,8 +24,10 @@
     <p:sldId id="269" r:id="rId15"/>
     <p:sldId id="270" r:id="rId16"/>
     <p:sldId id="271" r:id="rId17"/>
-    <p:sldId id="272" r:id="rId18"/>
-    <p:sldId id="273" r:id="rId19"/>
+    <p:sldId id="274" r:id="rId18"/>
+    <p:sldId id="275" r:id="rId19"/>
+    <p:sldId id="272" r:id="rId20"/>
+    <p:sldId id="273" r:id="rId21"/>
   </p:sldIdLst>
   <p:sldSz cx="9144000" cy="6858000" type="screen4x3"/>
   <p:notesSz cx="6858000" cy="9144000"/>
@@ -126,7 +128,7 @@
   </p:defaultTextStyle>
   <p:extLst>
     <p:ext uri="{EFAFB233-063F-42B5-8137-9DF3F51BA10A}">
-      <p15:sldGuideLst xmlns:p15="http://schemas.microsoft.com/office/powerpoint/2012/main" xmlns="">
+      <p15:sldGuideLst xmlns="" xmlns:p15="http://schemas.microsoft.com/office/powerpoint/2012/main">
         <p15:guide id="1" orient="horz" pos="2160">
           <p15:clr>
             <a:srgbClr val="A4A3A4"/>
@@ -226,7 +228,7 @@
             <a:fld id="{269FE828-D25D-456F-9AFE-CF19154D8E05}" type="datetimeFigureOut">
               <a:rPr lang="en-US" smtClean="0"/>
               <a:pPr/>
-              <a:t>7/12/2023</a:t>
+              <a:t>11/15/2023</a:t>
             </a:fld>
             <a:endParaRPr lang="en-US"/>
           </a:p>
@@ -396,7 +398,7 @@
     </p:spTree>
     <p:extLst>
       <p:ext uri="{BB962C8B-B14F-4D97-AF65-F5344CB8AC3E}">
-        <p14:creationId xmlns:p14="http://schemas.microsoft.com/office/powerpoint/2010/main" xmlns="" val="3420723558"/>
+        <p14:creationId xmlns="" xmlns:p14="http://schemas.microsoft.com/office/powerpoint/2010/main" val="3420723558"/>
       </p:ext>
     </p:extLst>
   </p:cSld>
@@ -531,7 +533,7 @@
             <a:fld id="{BCFD8EFE-3656-4AB7-9D64-968666BDF369}" type="datetime1">
               <a:rPr lang="en-US" smtClean="0"/>
               <a:pPr/>
-              <a:t>7/12/2023</a:t>
+              <a:t>11/15/2023</a:t>
             </a:fld>
             <a:endParaRPr lang="en-US"/>
           </a:p>
@@ -1222,7 +1224,7 @@
             <a:fld id="{E1B8949C-80DE-4C9E-BFF1-E39A7DBCDCDB}" type="datetime1">
               <a:rPr lang="en-US" smtClean="0"/>
               <a:pPr/>
-              <a:t>7/12/2023</a:t>
+              <a:t>11/15/2023</a:t>
             </a:fld>
             <a:endParaRPr lang="en-US"/>
           </a:p>
@@ -1401,7 +1403,7 @@
             <a:fld id="{83F2B1EB-CB8E-48F1-B594-AA7F7D345DEF}" type="datetime1">
               <a:rPr lang="en-US" smtClean="0"/>
               <a:pPr/>
-              <a:t>7/12/2023</a:t>
+              <a:t>11/15/2023</a:t>
             </a:fld>
             <a:endParaRPr lang="en-US"/>
           </a:p>
@@ -1570,7 +1572,7 @@
             <a:fld id="{1278FBFE-9E17-4AF5-9D55-9DFF224505AA}" type="datetime1">
               <a:rPr lang="en-US" smtClean="0"/>
               <a:pPr/>
-              <a:t>7/12/2023</a:t>
+              <a:t>11/15/2023</a:t>
             </a:fld>
             <a:endParaRPr lang="en-US"/>
           </a:p>
@@ -3022,7 +3024,7 @@
             <a:fld id="{C7897229-30B2-4724-A41A-211DF6278BE2}" type="datetime1">
               <a:rPr lang="en-US" smtClean="0"/>
               <a:pPr/>
-              <a:t>7/12/2023</a:t>
+              <a:t>11/15/2023</a:t>
             </a:fld>
             <a:endParaRPr lang="en-US"/>
           </a:p>
@@ -3605,7 +3607,7 @@
             <a:fld id="{EC2E10F4-7B05-49C1-B572-142D746747AD}" type="datetime1">
               <a:rPr lang="en-US" smtClean="0"/>
               <a:pPr/>
-              <a:t>7/12/2023</a:t>
+              <a:t>11/15/2023</a:t>
             </a:fld>
             <a:endParaRPr lang="en-US"/>
           </a:p>
@@ -4038,7 +4040,7 @@
             <a:fld id="{BDFFA914-7AFA-4945-819E-88DAFCBD2453}" type="datetime1">
               <a:rPr lang="en-US" smtClean="0"/>
               <a:pPr/>
-              <a:t>7/12/2023</a:t>
+              <a:t>11/15/2023</a:t>
             </a:fld>
             <a:endParaRPr lang="en-US"/>
           </a:p>
@@ -4579,7 +4581,7 @@
             <a:fld id="{3A8AC4A8-E20E-4E51-ABF0-6E2190C7AE62}" type="datetime1">
               <a:rPr lang="en-US" smtClean="0"/>
               <a:pPr/>
-              <a:t>7/12/2023</a:t>
+              <a:t>11/15/2023</a:t>
             </a:fld>
             <a:endParaRPr lang="en-US"/>
           </a:p>
@@ -4674,7 +4676,7 @@
             <a:fld id="{AA5AEC7B-0A91-4A15-948C-C93D115EEBE8}" type="datetime1">
               <a:rPr lang="en-US" smtClean="0"/>
               <a:pPr/>
-              <a:t>7/12/2023</a:t>
+              <a:t>11/15/2023</a:t>
             </a:fld>
             <a:endParaRPr lang="en-US"/>
           </a:p>
@@ -4926,7 +4928,7 @@
             <a:fld id="{B846F248-F11B-44FF-AFA0-4AE31C6934A0}" type="datetime1">
               <a:rPr lang="en-US" smtClean="0"/>
               <a:pPr/>
-              <a:t>7/12/2023</a:t>
+              <a:t>11/15/2023</a:t>
             </a:fld>
             <a:endParaRPr lang="en-US"/>
           </a:p>
@@ -5642,7 +5644,7 @@
             <a:fld id="{DA011D24-3847-48A3-9E66-D34882B03EF2}" type="datetime1">
               <a:rPr lang="en-US" smtClean="0"/>
               <a:pPr/>
-              <a:t>7/12/2023</a:t>
+              <a:t>11/15/2023</a:t>
             </a:fld>
             <a:endParaRPr lang="en-US"/>
           </a:p>
@@ -6292,7 +6294,7 @@
             <a:fld id="{0657A89F-4E9F-4F5A-91D9-3215064BBE72}" type="datetime1">
               <a:rPr lang="en-US" smtClean="0"/>
               <a:pPr/>
-              <a:t>7/12/2023</a:t>
+              <a:t>11/15/2023</a:t>
             </a:fld>
             <a:endParaRPr lang="en-US"/>
           </a:p>
@@ -7456,7 +7458,7 @@
           <a:lstStyle/>
           <a:p>
             <a:r>
-              <a:rPr lang="en-US"/>
+              <a:rPr lang="en-US" dirty="0"/>
               <a:t>Excel Online Classes</a:t>
             </a:r>
           </a:p>
@@ -7492,7 +7494,7 @@
           <p:cNvPr id="2" name="Title 1">
             <a:extLst>
               <a:ext uri="{FF2B5EF4-FFF2-40B4-BE49-F238E27FC236}">
-                <a16:creationId xmlns:a16="http://schemas.microsoft.com/office/drawing/2014/main" xmlns="" id="{2B905F76-5769-EF87-F267-51FEAFBEA6DB}"/>
+                <a16:creationId xmlns="" xmlns:a16="http://schemas.microsoft.com/office/drawing/2014/main" id="{2B905F76-5769-EF87-F267-51FEAFBEA6DB}"/>
               </a:ext>
             </a:extLst>
           </p:cNvPr>
@@ -7586,7 +7588,7 @@
           <p:cNvPr id="3" name="Footer Placeholder 2">
             <a:extLst>
               <a:ext uri="{FF2B5EF4-FFF2-40B4-BE49-F238E27FC236}">
-                <a16:creationId xmlns:a16="http://schemas.microsoft.com/office/drawing/2014/main" xmlns="" id="{6BCC2A6A-8755-7CD4-5E0E-B1819FC6BDDC}"/>
+                <a16:creationId xmlns="" xmlns:a16="http://schemas.microsoft.com/office/drawing/2014/main" id="{6BCC2A6A-8755-7CD4-5E0E-B1819FC6BDDC}"/>
               </a:ext>
             </a:extLst>
           </p:cNvPr>
@@ -7614,7 +7616,7 @@
           <p:cNvPr id="5" name="TextBox 4">
             <a:extLst>
               <a:ext uri="{FF2B5EF4-FFF2-40B4-BE49-F238E27FC236}">
-                <a16:creationId xmlns:a16="http://schemas.microsoft.com/office/drawing/2014/main" xmlns="" id="{C958F8AD-90F9-9FAD-CB06-1BEFF9473BE4}"/>
+                <a16:creationId xmlns="" xmlns:a16="http://schemas.microsoft.com/office/drawing/2014/main" id="{C958F8AD-90F9-9FAD-CB06-1BEFF9473BE4}"/>
               </a:ext>
             </a:extLst>
           </p:cNvPr>
@@ -7667,7 +7669,7 @@
           <p:cNvPr id="7" name="Picture 6">
             <a:extLst>
               <a:ext uri="{FF2B5EF4-FFF2-40B4-BE49-F238E27FC236}">
-                <a16:creationId xmlns:a16="http://schemas.microsoft.com/office/drawing/2014/main" xmlns="" id="{260DB989-747B-9337-172A-E78F1EFC68D9}"/>
+                <a16:creationId xmlns="" xmlns:a16="http://schemas.microsoft.com/office/drawing/2014/main" id="{260DB989-747B-9337-172A-E78F1EFC68D9}"/>
               </a:ext>
             </a:extLst>
           </p:cNvPr>
@@ -7697,7 +7699,7 @@
           <p:cNvPr id="9" name="Picture 8">
             <a:extLst>
               <a:ext uri="{FF2B5EF4-FFF2-40B4-BE49-F238E27FC236}">
-                <a16:creationId xmlns:a16="http://schemas.microsoft.com/office/drawing/2014/main" xmlns="" id="{161E9796-F292-C3F1-CD23-F5D20AED2A84}"/>
+                <a16:creationId xmlns="" xmlns:a16="http://schemas.microsoft.com/office/drawing/2014/main" id="{161E9796-F292-C3F1-CD23-F5D20AED2A84}"/>
               </a:ext>
             </a:extLst>
           </p:cNvPr>
@@ -7725,7 +7727,7 @@
     </p:spTree>
     <p:extLst>
       <p:ext uri="{BB962C8B-B14F-4D97-AF65-F5344CB8AC3E}">
-        <p14:creationId xmlns:p14="http://schemas.microsoft.com/office/powerpoint/2010/main" xmlns="" val="2252297829"/>
+        <p14:creationId xmlns="" xmlns:p14="http://schemas.microsoft.com/office/powerpoint/2010/main" val="2252297829"/>
       </p:ext>
     </p:extLst>
   </p:cSld>
@@ -7757,7 +7759,7 @@
           <p:cNvPr id="2" name="Title 1">
             <a:extLst>
               <a:ext uri="{FF2B5EF4-FFF2-40B4-BE49-F238E27FC236}">
-                <a16:creationId xmlns:a16="http://schemas.microsoft.com/office/drawing/2014/main" xmlns="" id="{FDBA8E1E-8BB3-000E-CB4F-D8BD1D64D127}"/>
+                <a16:creationId xmlns="" xmlns:a16="http://schemas.microsoft.com/office/drawing/2014/main" id="{FDBA8E1E-8BB3-000E-CB4F-D8BD1D64D127}"/>
               </a:ext>
             </a:extLst>
           </p:cNvPr>
@@ -7835,7 +7837,7 @@
           <p:cNvPr id="3" name="Footer Placeholder 2">
             <a:extLst>
               <a:ext uri="{FF2B5EF4-FFF2-40B4-BE49-F238E27FC236}">
-                <a16:creationId xmlns:a16="http://schemas.microsoft.com/office/drawing/2014/main" xmlns="" id="{A0C2D2BB-11B4-70F3-F9EA-2078C1641B86}"/>
+                <a16:creationId xmlns="" xmlns:a16="http://schemas.microsoft.com/office/drawing/2014/main" id="{A0C2D2BB-11B4-70F3-F9EA-2078C1641B86}"/>
               </a:ext>
             </a:extLst>
           </p:cNvPr>
@@ -7863,7 +7865,7 @@
           <p:cNvPr id="5" name="TextBox 4">
             <a:extLst>
               <a:ext uri="{FF2B5EF4-FFF2-40B4-BE49-F238E27FC236}">
-                <a16:creationId xmlns:a16="http://schemas.microsoft.com/office/drawing/2014/main" xmlns="" id="{8E23BC48-9A24-88A7-7EFA-7B2A91FD75B4}"/>
+                <a16:creationId xmlns="" xmlns:a16="http://schemas.microsoft.com/office/drawing/2014/main" id="{8E23BC48-9A24-88A7-7EFA-7B2A91FD75B4}"/>
               </a:ext>
             </a:extLst>
           </p:cNvPr>
@@ -7902,7 +7904,7 @@
           <p:cNvPr id="7" name="TextBox 6">
             <a:extLst>
               <a:ext uri="{FF2B5EF4-FFF2-40B4-BE49-F238E27FC236}">
-                <a16:creationId xmlns:a16="http://schemas.microsoft.com/office/drawing/2014/main" xmlns="" id="{B160655F-4AD8-78AF-DD6A-99AE8FC610BB}"/>
+                <a16:creationId xmlns="" xmlns:a16="http://schemas.microsoft.com/office/drawing/2014/main" id="{B160655F-4AD8-78AF-DD6A-99AE8FC610BB}"/>
               </a:ext>
             </a:extLst>
           </p:cNvPr>
@@ -7979,7 +7981,7 @@
           <p:cNvPr id="9" name="TextBox 8">
             <a:extLst>
               <a:ext uri="{FF2B5EF4-FFF2-40B4-BE49-F238E27FC236}">
-                <a16:creationId xmlns:a16="http://schemas.microsoft.com/office/drawing/2014/main" xmlns="" id="{BB5766D8-68B4-4987-865E-1F3A32E60FDA}"/>
+                <a16:creationId xmlns="" xmlns:a16="http://schemas.microsoft.com/office/drawing/2014/main" id="{BB5766D8-68B4-4987-865E-1F3A32E60FDA}"/>
               </a:ext>
             </a:extLst>
           </p:cNvPr>
@@ -8040,7 +8042,7 @@
     </p:spTree>
     <p:extLst>
       <p:ext uri="{BB962C8B-B14F-4D97-AF65-F5344CB8AC3E}">
-        <p14:creationId xmlns:p14="http://schemas.microsoft.com/office/powerpoint/2010/main" xmlns="" val="2008582308"/>
+        <p14:creationId xmlns="" xmlns:p14="http://schemas.microsoft.com/office/powerpoint/2010/main" val="2008582308"/>
       </p:ext>
     </p:extLst>
   </p:cSld>
@@ -8072,7 +8074,7 @@
           <p:cNvPr id="2" name="Title 1">
             <a:extLst>
               <a:ext uri="{FF2B5EF4-FFF2-40B4-BE49-F238E27FC236}">
-                <a16:creationId xmlns:a16="http://schemas.microsoft.com/office/drawing/2014/main" xmlns="" id="{ED443B33-17B1-B57C-BC32-BCBEB087554C}"/>
+                <a16:creationId xmlns="" xmlns:a16="http://schemas.microsoft.com/office/drawing/2014/main" id="{ED443B33-17B1-B57C-BC32-BCBEB087554C}"/>
               </a:ext>
             </a:extLst>
           </p:cNvPr>
@@ -8100,7 +8102,7 @@
           <p:cNvPr id="3" name="Footer Placeholder 2">
             <a:extLst>
               <a:ext uri="{FF2B5EF4-FFF2-40B4-BE49-F238E27FC236}">
-                <a16:creationId xmlns:a16="http://schemas.microsoft.com/office/drawing/2014/main" xmlns="" id="{700C1558-6F5C-9A5D-3EA2-029335E38944}"/>
+                <a16:creationId xmlns="" xmlns:a16="http://schemas.microsoft.com/office/drawing/2014/main" id="{700C1558-6F5C-9A5D-3EA2-029335E38944}"/>
               </a:ext>
             </a:extLst>
           </p:cNvPr>
@@ -8128,7 +8130,7 @@
           <p:cNvPr id="5" name="Picture 4">
             <a:extLst>
               <a:ext uri="{FF2B5EF4-FFF2-40B4-BE49-F238E27FC236}">
-                <a16:creationId xmlns:a16="http://schemas.microsoft.com/office/drawing/2014/main" xmlns="" id="{F5FB4977-80F9-9E77-5577-84C7B81703D7}"/>
+                <a16:creationId xmlns="" xmlns:a16="http://schemas.microsoft.com/office/drawing/2014/main" id="{F5FB4977-80F9-9E77-5577-84C7B81703D7}"/>
               </a:ext>
             </a:extLst>
           </p:cNvPr>
@@ -8158,7 +8160,7 @@
           <p:cNvPr id="7" name="Picture 6">
             <a:extLst>
               <a:ext uri="{FF2B5EF4-FFF2-40B4-BE49-F238E27FC236}">
-                <a16:creationId xmlns:a16="http://schemas.microsoft.com/office/drawing/2014/main" xmlns="" id="{97737E2D-3517-9F4D-447B-469C6FF5533B}"/>
+                <a16:creationId xmlns="" xmlns:a16="http://schemas.microsoft.com/office/drawing/2014/main" id="{97737E2D-3517-9F4D-447B-469C6FF5533B}"/>
               </a:ext>
             </a:extLst>
           </p:cNvPr>
@@ -8186,7 +8188,7 @@
     </p:spTree>
     <p:extLst>
       <p:ext uri="{BB962C8B-B14F-4D97-AF65-F5344CB8AC3E}">
-        <p14:creationId xmlns:p14="http://schemas.microsoft.com/office/powerpoint/2010/main" xmlns="" val="3434705989"/>
+        <p14:creationId xmlns="" xmlns:p14="http://schemas.microsoft.com/office/powerpoint/2010/main" val="3434705989"/>
       </p:ext>
     </p:extLst>
   </p:cSld>
@@ -8218,7 +8220,7 @@
           <p:cNvPr id="2" name="Title 1">
             <a:extLst>
               <a:ext uri="{FF2B5EF4-FFF2-40B4-BE49-F238E27FC236}">
-                <a16:creationId xmlns:a16="http://schemas.microsoft.com/office/drawing/2014/main" xmlns="" id="{DF9EA2B2-94F4-947B-1948-7EC372CB8E0C}"/>
+                <a16:creationId xmlns="" xmlns:a16="http://schemas.microsoft.com/office/drawing/2014/main" id="{DF9EA2B2-94F4-947B-1948-7EC372CB8E0C}"/>
               </a:ext>
             </a:extLst>
           </p:cNvPr>
@@ -8246,7 +8248,7 @@
           <p:cNvPr id="3" name="Footer Placeholder 2">
             <a:extLst>
               <a:ext uri="{FF2B5EF4-FFF2-40B4-BE49-F238E27FC236}">
-                <a16:creationId xmlns:a16="http://schemas.microsoft.com/office/drawing/2014/main" xmlns="" id="{8DB938BD-19E3-AB6E-4308-01E75C19AE40}"/>
+                <a16:creationId xmlns="" xmlns:a16="http://schemas.microsoft.com/office/drawing/2014/main" id="{8DB938BD-19E3-AB6E-4308-01E75C19AE40}"/>
               </a:ext>
             </a:extLst>
           </p:cNvPr>
@@ -8274,7 +8276,7 @@
           <p:cNvPr id="5" name="Picture 4">
             <a:extLst>
               <a:ext uri="{FF2B5EF4-FFF2-40B4-BE49-F238E27FC236}">
-                <a16:creationId xmlns:a16="http://schemas.microsoft.com/office/drawing/2014/main" xmlns="" id="{5359185B-1000-47F9-AA23-5215F7CC97A4}"/>
+                <a16:creationId xmlns="" xmlns:a16="http://schemas.microsoft.com/office/drawing/2014/main" id="{5359185B-1000-47F9-AA23-5215F7CC97A4}"/>
               </a:ext>
             </a:extLst>
           </p:cNvPr>
@@ -8304,7 +8306,7 @@
           <p:cNvPr id="7" name="Picture 6">
             <a:extLst>
               <a:ext uri="{FF2B5EF4-FFF2-40B4-BE49-F238E27FC236}">
-                <a16:creationId xmlns:a16="http://schemas.microsoft.com/office/drawing/2014/main" xmlns="" id="{925D4664-4502-D302-92F2-14C78A774FD0}"/>
+                <a16:creationId xmlns="" xmlns:a16="http://schemas.microsoft.com/office/drawing/2014/main" id="{925D4664-4502-D302-92F2-14C78A774FD0}"/>
               </a:ext>
             </a:extLst>
           </p:cNvPr>
@@ -8332,7 +8334,7 @@
     </p:spTree>
     <p:extLst>
       <p:ext uri="{BB962C8B-B14F-4D97-AF65-F5344CB8AC3E}">
-        <p14:creationId xmlns:p14="http://schemas.microsoft.com/office/powerpoint/2010/main" xmlns="" val="4280013051"/>
+        <p14:creationId xmlns="" xmlns:p14="http://schemas.microsoft.com/office/powerpoint/2010/main" val="4280013051"/>
       </p:ext>
     </p:extLst>
   </p:cSld>
@@ -8364,7 +8366,7 @@
           <p:cNvPr id="2" name="Title 1">
             <a:extLst>
               <a:ext uri="{FF2B5EF4-FFF2-40B4-BE49-F238E27FC236}">
-                <a16:creationId xmlns:a16="http://schemas.microsoft.com/office/drawing/2014/main" xmlns="" id="{5F97BCBC-BDE8-672B-B63D-7D0425B275D1}"/>
+                <a16:creationId xmlns="" xmlns:a16="http://schemas.microsoft.com/office/drawing/2014/main" id="{5F97BCBC-BDE8-672B-B63D-7D0425B275D1}"/>
               </a:ext>
             </a:extLst>
           </p:cNvPr>
@@ -8431,7 +8433,7 @@
           <p:cNvPr id="3" name="Footer Placeholder 2">
             <a:extLst>
               <a:ext uri="{FF2B5EF4-FFF2-40B4-BE49-F238E27FC236}">
-                <a16:creationId xmlns:a16="http://schemas.microsoft.com/office/drawing/2014/main" xmlns="" id="{83430562-713B-0FEC-67D8-2803D08EE858}"/>
+                <a16:creationId xmlns="" xmlns:a16="http://schemas.microsoft.com/office/drawing/2014/main" id="{83430562-713B-0FEC-67D8-2803D08EE858}"/>
               </a:ext>
             </a:extLst>
           </p:cNvPr>
@@ -8459,7 +8461,7 @@
           <p:cNvPr id="5" name="TextBox 4">
             <a:extLst>
               <a:ext uri="{FF2B5EF4-FFF2-40B4-BE49-F238E27FC236}">
-                <a16:creationId xmlns:a16="http://schemas.microsoft.com/office/drawing/2014/main" xmlns="" id="{C9487BF3-6CE8-0515-9501-135B2214E7EA}"/>
+                <a16:creationId xmlns="" xmlns:a16="http://schemas.microsoft.com/office/drawing/2014/main" id="{C9487BF3-6CE8-0515-9501-135B2214E7EA}"/>
               </a:ext>
             </a:extLst>
           </p:cNvPr>
@@ -8498,7 +8500,7 @@
           <p:cNvPr id="7" name="Picture 6">
             <a:extLst>
               <a:ext uri="{FF2B5EF4-FFF2-40B4-BE49-F238E27FC236}">
-                <a16:creationId xmlns:a16="http://schemas.microsoft.com/office/drawing/2014/main" xmlns="" id="{957DAA2E-FC8D-E251-311C-14A408B70A58}"/>
+                <a16:creationId xmlns="" xmlns:a16="http://schemas.microsoft.com/office/drawing/2014/main" id="{957DAA2E-FC8D-E251-311C-14A408B70A58}"/>
               </a:ext>
             </a:extLst>
           </p:cNvPr>
@@ -8526,7 +8528,7 @@
     </p:spTree>
     <p:extLst>
       <p:ext uri="{BB962C8B-B14F-4D97-AF65-F5344CB8AC3E}">
-        <p14:creationId xmlns:p14="http://schemas.microsoft.com/office/powerpoint/2010/main" xmlns="" val="884777860"/>
+        <p14:creationId xmlns="" xmlns:p14="http://schemas.microsoft.com/office/powerpoint/2010/main" val="884777860"/>
       </p:ext>
     </p:extLst>
   </p:cSld>
@@ -8558,7 +8560,7 @@
           <p:cNvPr id="2" name="Title 1">
             <a:extLst>
               <a:ext uri="{FF2B5EF4-FFF2-40B4-BE49-F238E27FC236}">
-                <a16:creationId xmlns:a16="http://schemas.microsoft.com/office/drawing/2014/main" xmlns="" id="{F1BBD633-B954-2F7B-8AC0-881135D40082}"/>
+                <a16:creationId xmlns="" xmlns:a16="http://schemas.microsoft.com/office/drawing/2014/main" id="{F1BBD633-B954-2F7B-8AC0-881135D40082}"/>
               </a:ext>
             </a:extLst>
           </p:cNvPr>
@@ -8659,7 +8661,7 @@
           <p:cNvPr id="3" name="Footer Placeholder 2">
             <a:extLst>
               <a:ext uri="{FF2B5EF4-FFF2-40B4-BE49-F238E27FC236}">
-                <a16:creationId xmlns:a16="http://schemas.microsoft.com/office/drawing/2014/main" xmlns="" id="{F7CF70D7-1D43-7B5C-18A6-B9C29A939DEB}"/>
+                <a16:creationId xmlns="" xmlns:a16="http://schemas.microsoft.com/office/drawing/2014/main" id="{F7CF70D7-1D43-7B5C-18A6-B9C29A939DEB}"/>
               </a:ext>
             </a:extLst>
           </p:cNvPr>
@@ -8687,7 +8689,7 @@
           <p:cNvPr id="5" name="TextBox 4">
             <a:extLst>
               <a:ext uri="{FF2B5EF4-FFF2-40B4-BE49-F238E27FC236}">
-                <a16:creationId xmlns:a16="http://schemas.microsoft.com/office/drawing/2014/main" xmlns="" id="{42D753F0-3F23-383D-81FA-8C713FE450C1}"/>
+                <a16:creationId xmlns="" xmlns:a16="http://schemas.microsoft.com/office/drawing/2014/main" id="{42D753F0-3F23-383D-81FA-8C713FE450C1}"/>
               </a:ext>
             </a:extLst>
           </p:cNvPr>
@@ -8761,7 +8763,7 @@
           <p:cNvPr id="7" name="TextBox 6">
             <a:extLst>
               <a:ext uri="{FF2B5EF4-FFF2-40B4-BE49-F238E27FC236}">
-                <a16:creationId xmlns:a16="http://schemas.microsoft.com/office/drawing/2014/main" xmlns="" id="{98BF141D-865D-303A-7E29-7243E64FCC25}"/>
+                <a16:creationId xmlns="" xmlns:a16="http://schemas.microsoft.com/office/drawing/2014/main" id="{98BF141D-865D-303A-7E29-7243E64FCC25}"/>
               </a:ext>
             </a:extLst>
           </p:cNvPr>
@@ -8821,7 +8823,7 @@
     </p:spTree>
     <p:extLst>
       <p:ext uri="{BB962C8B-B14F-4D97-AF65-F5344CB8AC3E}">
-        <p14:creationId xmlns:p14="http://schemas.microsoft.com/office/powerpoint/2010/main" xmlns="" val="4204718004"/>
+        <p14:creationId xmlns="" xmlns:p14="http://schemas.microsoft.com/office/powerpoint/2010/main" val="4204718004"/>
       </p:ext>
     </p:extLst>
   </p:cSld>
@@ -8853,7 +8855,7 @@
           <p:cNvPr id="2" name="Title 1">
             <a:extLst>
               <a:ext uri="{FF2B5EF4-FFF2-40B4-BE49-F238E27FC236}">
-                <a16:creationId xmlns:a16="http://schemas.microsoft.com/office/drawing/2014/main" xmlns="" id="{843E5F11-65ED-7DBF-33F3-CC8744C8C681}"/>
+                <a16:creationId xmlns="" xmlns:a16="http://schemas.microsoft.com/office/drawing/2014/main" id="{843E5F11-65ED-7DBF-33F3-CC8744C8C681}"/>
               </a:ext>
             </a:extLst>
           </p:cNvPr>
@@ -8955,7 +8957,7 @@
           <p:cNvPr id="3" name="Footer Placeholder 2">
             <a:extLst>
               <a:ext uri="{FF2B5EF4-FFF2-40B4-BE49-F238E27FC236}">
-                <a16:creationId xmlns:a16="http://schemas.microsoft.com/office/drawing/2014/main" xmlns="" id="{3A4B6960-84A4-48A5-55F1-3B775DF21328}"/>
+                <a16:creationId xmlns="" xmlns:a16="http://schemas.microsoft.com/office/drawing/2014/main" id="{3A4B6960-84A4-48A5-55F1-3B775DF21328}"/>
               </a:ext>
             </a:extLst>
           </p:cNvPr>
@@ -8983,7 +8985,7 @@
           <p:cNvPr id="5" name="TextBox 4">
             <a:extLst>
               <a:ext uri="{FF2B5EF4-FFF2-40B4-BE49-F238E27FC236}">
-                <a16:creationId xmlns:a16="http://schemas.microsoft.com/office/drawing/2014/main" xmlns="" id="{4249B607-5769-0F61-23F5-F233913D42A1}"/>
+                <a16:creationId xmlns="" xmlns:a16="http://schemas.microsoft.com/office/drawing/2014/main" id="{4249B607-5769-0F61-23F5-F233913D42A1}"/>
               </a:ext>
             </a:extLst>
           </p:cNvPr>
@@ -9048,7 +9050,7 @@
     </p:spTree>
     <p:extLst>
       <p:ext uri="{BB962C8B-B14F-4D97-AF65-F5344CB8AC3E}">
-        <p14:creationId xmlns:p14="http://schemas.microsoft.com/office/powerpoint/2010/main" xmlns="" val="578443111"/>
+        <p14:creationId xmlns="" xmlns:p14="http://schemas.microsoft.com/office/powerpoint/2010/main" val="578443111"/>
       </p:ext>
     </p:extLst>
   </p:cSld>
@@ -9077,13 +9079,7 @@
       </p:grpSpPr>
       <p:sp>
         <p:nvSpPr>
-          <p:cNvPr id="2" name="Title 1">
-            <a:extLst>
-              <a:ext uri="{FF2B5EF4-FFF2-40B4-BE49-F238E27FC236}">
-                <a16:creationId xmlns:a16="http://schemas.microsoft.com/office/drawing/2014/main" xmlns="" id="{68AA1C7D-8431-E0AD-7619-A2A4A596487C}"/>
-              </a:ext>
-            </a:extLst>
-          </p:cNvPr>
+          <p:cNvPr id="2" name="Title 1"/>
           <p:cNvSpPr>
             <a:spLocks noGrp="1"/>
           </p:cNvSpPr>
@@ -9096,72 +9092,22 @@
           <a:bodyPr/>
           <a:lstStyle/>
           <a:p>
-            <a:r>
-              <a:rPr lang="en-IN" b="1" i="0" dirty="0">
-                <a:solidFill>
-                  <a:schemeClr val="tx2"/>
-                </a:solidFill>
-                <a:effectLst/>
-                <a:latin typeface="arial" panose="020B0604020202020204" pitchFamily="34" charset="0"/>
-              </a:rPr>
-              <a:t>Single Method in </a:t>
-            </a:r>
-            <a:r>
-              <a:rPr lang="en-IN" b="1" i="0" dirty="0" err="1">
-                <a:solidFill>
-                  <a:schemeClr val="tx2"/>
-                </a:solidFill>
-                <a:effectLst/>
-                <a:latin typeface="arial" panose="020B0604020202020204" pitchFamily="34" charset="0"/>
-              </a:rPr>
-              <a:t>Linq</a:t>
-            </a:r>
-            <a:r>
-              <a:rPr lang="en-IN" b="1" i="0" dirty="0">
-                <a:solidFill>
-                  <a:schemeClr val="tx2"/>
-                </a:solidFill>
-                <a:effectLst/>
-                <a:latin typeface="arial" panose="020B0604020202020204" pitchFamily="34" charset="0"/>
-              </a:rPr>
-              <a:t>: </a:t>
-            </a:r>
-            <a:r>
-              <a:rPr lang="en-IN" b="0" i="0" dirty="0">
-                <a:solidFill>
-                  <a:schemeClr val="tx2"/>
-                </a:solidFill>
-                <a:effectLst/>
-                <a:latin typeface="-apple-system"/>
-              </a:rPr>
-              <a:t/>
-            </a:r>
-            <a:br>
-              <a:rPr lang="en-IN" b="0" i="0" dirty="0">
-                <a:solidFill>
-                  <a:schemeClr val="tx2"/>
-                </a:solidFill>
-                <a:effectLst/>
-                <a:latin typeface="-apple-system"/>
-              </a:rPr>
-            </a:br>
-            <a:endParaRPr lang="en-IN" dirty="0">
-              <a:solidFill>
-                <a:schemeClr val="tx2"/>
-              </a:solidFill>
-            </a:endParaRPr>
-          </a:p>
-        </p:txBody>
-      </p:sp>
-      <p:sp>
-        <p:nvSpPr>
-          <p:cNvPr id="3" name="Footer Placeholder 2">
-            <a:extLst>
-              <a:ext uri="{FF2B5EF4-FFF2-40B4-BE49-F238E27FC236}">
-                <a16:creationId xmlns:a16="http://schemas.microsoft.com/office/drawing/2014/main" xmlns="" id="{76EBC999-CA08-D162-5CCA-B917952FC6FC}"/>
-              </a:ext>
-            </a:extLst>
-          </p:cNvPr>
+            <a:pPr algn="ctr"/>
+            <a:r>
+              <a:rPr lang="en-US" dirty="0" err="1" smtClean="0"/>
+              <a:t>TakeWhile</a:t>
+            </a:r>
+            <a:r>
+              <a:rPr lang="en-US" dirty="0" smtClean="0"/>
+              <a:t>()</a:t>
+            </a:r>
+            <a:endParaRPr lang="en-US" dirty="0"/>
+          </a:p>
+        </p:txBody>
+      </p:sp>
+      <p:sp>
+        <p:nvSpPr>
+          <p:cNvPr id="3" name="Footer Placeholder 2"/>
           <p:cNvSpPr>
             <a:spLocks noGrp="1"/>
           </p:cNvSpPr>
@@ -9175,142 +9121,346 @@
           <a:lstStyle/>
           <a:p>
             <a:r>
-              <a:rPr lang="en-US"/>
+              <a:rPr lang="en-US" smtClean="0"/>
               <a:t>Excel Online Classes</a:t>
             </a:r>
-          </a:p>
-        </p:txBody>
-      </p:sp>
-      <p:sp>
-        <p:nvSpPr>
-          <p:cNvPr id="5" name="TextBox 4">
-            <a:extLst>
-              <a:ext uri="{FF2B5EF4-FFF2-40B4-BE49-F238E27FC236}">
-                <a16:creationId xmlns:a16="http://schemas.microsoft.com/office/drawing/2014/main" xmlns="" id="{37E6B79F-124C-658E-38C1-079BB95BCEC1}"/>
-              </a:ext>
-            </a:extLst>
-          </p:cNvPr>
-          <p:cNvSpPr txBox="1"/>
+            <a:endParaRPr lang="en-US"/>
+          </a:p>
+        </p:txBody>
+      </p:sp>
+      <p:sp>
+        <p:nvSpPr>
+          <p:cNvPr id="4" name="Rectangle 3"/>
+          <p:cNvSpPr/>
           <p:nvPr/>
         </p:nvSpPr>
         <p:spPr>
           <a:xfrm>
-            <a:off x="990600" y="1676400"/>
-            <a:ext cx="6629400" cy="646331"/>
+            <a:off x="914400" y="1295400"/>
+            <a:ext cx="3295518" cy="369332"/>
           </a:xfrm>
           <a:prstGeom prst="rect">
             <a:avLst/>
           </a:prstGeom>
-          <a:noFill/>
         </p:spPr>
         <p:txBody>
-          <a:bodyPr wrap="square">
+          <a:bodyPr wrap="none">
             <a:spAutoFit/>
           </a:bodyPr>
           <a:lstStyle/>
           <a:p>
             <a:r>
-              <a:rPr lang="en-US" b="0" i="0" dirty="0">
-                <a:solidFill>
-                  <a:schemeClr val="tx1">
-                    <a:lumMod val="95000"/>
-                  </a:schemeClr>
-                </a:solidFill>
-                <a:effectLst/>
-                <a:latin typeface="arial" panose="020B0604020202020204" pitchFamily="34" charset="0"/>
+              <a:rPr lang="en-US" dirty="0" err="1" smtClean="0">
+                <a:hlinkClick r:id="rId2"/>
               </a:rPr>
-              <a:t>The </a:t>
-            </a:r>
-            <a:r>
-              <a:rPr lang="en-US" b="0" i="0" dirty="0" err="1">
-                <a:solidFill>
-                  <a:schemeClr val="tx1">
-                    <a:lumMod val="95000"/>
-                  </a:schemeClr>
-                </a:solidFill>
-                <a:effectLst/>
-                <a:latin typeface="arial" panose="020B0604020202020204" pitchFamily="34" charset="0"/>
+              <a:t>TakeWhile</a:t>
+            </a:r>
+            <a:r>
+              <a:rPr lang="en-US" dirty="0" smtClean="0">
+                <a:hlinkClick r:id="rId2"/>
               </a:rPr>
-              <a:t>Linq</a:t>
-            </a:r>
-            <a:r>
-              <a:rPr lang="en-US" b="0" i="0" dirty="0">
-                <a:solidFill>
-                  <a:schemeClr val="tx1">
-                    <a:lumMod val="95000"/>
-                  </a:schemeClr>
-                </a:solidFill>
-                <a:effectLst/>
-                <a:latin typeface="arial" panose="020B0604020202020204" pitchFamily="34" charset="0"/>
-              </a:rPr>
-              <a:t> Single Method is used to returns a single element from a data source or you can say from a sequence</a:t>
-            </a:r>
-            <a:endParaRPr lang="en-IN" dirty="0">
-              <a:solidFill>
-                <a:schemeClr val="tx1">
-                  <a:lumMod val="95000"/>
-                </a:schemeClr>
-              </a:solidFill>
-            </a:endParaRPr>
-          </a:p>
-        </p:txBody>
-      </p:sp>
-      <p:sp>
-        <p:nvSpPr>
-          <p:cNvPr id="7" name="TextBox 6">
-            <a:extLst>
-              <a:ext uri="{FF2B5EF4-FFF2-40B4-BE49-F238E27FC236}">
-                <a16:creationId xmlns:a16="http://schemas.microsoft.com/office/drawing/2014/main" xmlns="" id="{0F8FD056-8C03-42DE-9307-51A329D95D79}"/>
-              </a:ext>
-            </a:extLst>
-          </p:cNvPr>
-          <p:cNvSpPr txBox="1"/>
+              <a:t>(&lt;predicate&gt;)</a:t>
+            </a:r>
+            <a:r>
+              <a:rPr lang="en-US" b="1" dirty="0" smtClean="0"/>
+              <a:t> method</a:t>
+            </a:r>
+            <a:endParaRPr lang="en-US" b="1" dirty="0"/>
+          </a:p>
+        </p:txBody>
+      </p:sp>
+      <p:sp>
+        <p:nvSpPr>
+          <p:cNvPr id="1025" name="Rectangle 1"/>
+          <p:cNvSpPr>
+            <a:spLocks noChangeArrowheads="1"/>
+          </p:cNvSpPr>
           <p:nvPr/>
         </p:nvSpPr>
-        <p:spPr>
+        <p:spPr bwMode="auto">
           <a:xfrm>
-            <a:off x="1066800" y="2743200"/>
-            <a:ext cx="6629400" cy="923330"/>
+            <a:off x="914400" y="1828800"/>
+            <a:ext cx="7467600" cy="1384995"/>
           </a:xfrm>
           <a:prstGeom prst="rect">
             <a:avLst/>
           </a:prstGeom>
-          <a:noFill/>
+          <a:solidFill>
+            <a:srgbClr val="FFFFFF"/>
+          </a:solidFill>
+          <a:ln w="9525">
+            <a:noFill/>
+            <a:miter lim="800000"/>
+            <a:headEnd/>
+            <a:tailEnd/>
+          </a:ln>
+          <a:effectLst/>
         </p:spPr>
         <p:txBody>
-          <a:bodyPr wrap="square">
+          <a:bodyPr vert="horz" wrap="square" lIns="0" tIns="0" rIns="0" bIns="0" numCol="1" anchor="ctr" anchorCtr="0" compatLnSpc="1">
+            <a:prstTxWarp prst="textNoShape">
+              <a:avLst/>
+            </a:prstTxWarp>
             <a:spAutoFit/>
           </a:bodyPr>
           <a:lstStyle/>
           <a:p>
-            <a:r>
-              <a:rPr lang="en-US" b="0" i="0" dirty="0">
+            <a:pPr marL="0" marR="0" lvl="0" indent="0" algn="l" defTabSz="914400" rtl="0" eaLnBrk="1" fontAlgn="base" latinLnBrk="0" hangingPunct="1">
+              <a:lnSpc>
+                <a:spcPct val="100000"/>
+              </a:lnSpc>
+              <a:spcBef>
+                <a:spcPct val="0"/>
+              </a:spcBef>
+              <a:spcAft>
+                <a:spcPct val="0"/>
+              </a:spcAft>
+              <a:buClrTx/>
+              <a:buSzTx/>
+              <a:buFontTx/>
+              <a:buNone/>
+              <a:tabLst/>
+            </a:pPr>
+            <a:r>
+              <a:rPr kumimoji="0" lang="en-US" b="0" i="0" u="none" strike="noStrike" cap="none" normalizeH="0" baseline="0" dirty="0" err="1" smtClean="0">
+                <a:ln>
+                  <a:noFill/>
+                </a:ln>
                 <a:solidFill>
-                  <a:schemeClr val="tx1">
-                    <a:lumMod val="95000"/>
-                  </a:schemeClr>
+                  <a:srgbClr val="454C55"/>
                 </a:solidFill>
                 <a:effectLst/>
-                <a:latin typeface="arial" panose="020B0604020202020204" pitchFamily="34" charset="0"/>
+                <a:latin typeface="Inconsolata"/>
+                <a:cs typeface="Arial" pitchFamily="34" charset="0"/>
               </a:rPr>
-              <a:t>This method simply returns the only element from a sequence. If the data source is empty or if the data source contains more than one element, then it throws an exception.</a:t>
-            </a:r>
-            <a:endParaRPr lang="en-IN" dirty="0">
-              <a:solidFill>
-                <a:schemeClr val="tx1">
-                  <a:lumMod val="95000"/>
-                </a:schemeClr>
-              </a:solidFill>
-            </a:endParaRPr>
+              <a:t>TakeWhile</a:t>
+            </a:r>
+            <a:r>
+              <a:rPr kumimoji="0" lang="en-US" b="0" i="0" u="none" strike="noStrike" cap="none" normalizeH="0" baseline="0" dirty="0" smtClean="0">
+                <a:ln>
+                  <a:noFill/>
+                </a:ln>
+                <a:solidFill>
+                  <a:srgbClr val="454C55"/>
+                </a:solidFill>
+                <a:effectLst/>
+                <a:latin typeface="Inconsolata"/>
+                <a:cs typeface="Arial" pitchFamily="34" charset="0"/>
+              </a:rPr>
+              <a:t>()</a:t>
+            </a:r>
+            <a:r>
+              <a:rPr kumimoji="0" lang="en-US" b="0" i="0" u="none" strike="noStrike" cap="none" normalizeH="0" baseline="0" dirty="0" smtClean="0">
+                <a:ln>
+                  <a:noFill/>
+                </a:ln>
+                <a:solidFill>
+                  <a:srgbClr val="454C55"/>
+                </a:solidFill>
+                <a:effectLst/>
+                <a:latin typeface="Open Sans"/>
+                <a:cs typeface="Arial" pitchFamily="34" charset="0"/>
+              </a:rPr>
+              <a:t> behaves similarly to the </a:t>
+            </a:r>
+            <a:r>
+              <a:rPr kumimoji="0" lang="en-US" b="0" i="0" u="none" strike="noStrike" cap="none" normalizeH="0" baseline="0" dirty="0" smtClean="0">
+                <a:ln>
+                  <a:noFill/>
+                </a:ln>
+                <a:solidFill>
+                  <a:srgbClr val="454C55"/>
+                </a:solidFill>
+                <a:effectLst/>
+                <a:latin typeface="Inconsolata"/>
+                <a:cs typeface="Arial" pitchFamily="34" charset="0"/>
+              </a:rPr>
+              <a:t>Take()</a:t>
+            </a:r>
+            <a:r>
+              <a:rPr kumimoji="0" lang="en-US" b="0" i="0" u="none" strike="noStrike" cap="none" normalizeH="0" baseline="0" dirty="0" smtClean="0">
+                <a:ln>
+                  <a:noFill/>
+                </a:ln>
+                <a:solidFill>
+                  <a:srgbClr val="454C55"/>
+                </a:solidFill>
+                <a:effectLst/>
+                <a:latin typeface="Open Sans"/>
+                <a:cs typeface="Arial" pitchFamily="34" charset="0"/>
+              </a:rPr>
+              <a:t> method except that instead of taking the first </a:t>
+            </a:r>
+            <a:r>
+              <a:rPr kumimoji="0" lang="en-US" b="0" i="0" u="none" strike="noStrike" cap="none" normalizeH="0" baseline="0" dirty="0" smtClean="0">
+                <a:ln>
+                  <a:noFill/>
+                </a:ln>
+                <a:solidFill>
+                  <a:srgbClr val="454C55"/>
+                </a:solidFill>
+                <a:effectLst/>
+                <a:latin typeface="Inconsolata"/>
+                <a:cs typeface="Arial" pitchFamily="34" charset="0"/>
+              </a:rPr>
+              <a:t>n</a:t>
+            </a:r>
+            <a:r>
+              <a:rPr kumimoji="0" lang="en-US" b="0" i="0" u="none" strike="noStrike" cap="none" normalizeH="0" baseline="0" dirty="0" smtClean="0">
+                <a:ln>
+                  <a:noFill/>
+                </a:ln>
+                <a:solidFill>
+                  <a:srgbClr val="454C55"/>
+                </a:solidFill>
+                <a:effectLst/>
+                <a:latin typeface="Open Sans"/>
+                <a:cs typeface="Arial" pitchFamily="34" charset="0"/>
+              </a:rPr>
+              <a:t> elements of a sequence, it "takes" all of the initial elements of a sequence that meet the criteria specified by the </a:t>
+            </a:r>
+            <a:r>
+              <a:rPr kumimoji="0" lang="en-US" b="1" i="0" u="none" strike="noStrike" cap="none" normalizeH="0" baseline="0" dirty="0" smtClean="0">
+                <a:ln>
+                  <a:noFill/>
+                </a:ln>
+                <a:solidFill>
+                  <a:srgbClr val="454C55"/>
+                </a:solidFill>
+                <a:effectLst/>
+                <a:latin typeface="Open Sans"/>
+                <a:cs typeface="Arial" pitchFamily="34" charset="0"/>
+              </a:rPr>
+              <a:t>predicate</a:t>
+            </a:r>
+            <a:r>
+              <a:rPr kumimoji="0" lang="en-US" b="0" i="0" u="none" strike="noStrike" cap="none" normalizeH="0" baseline="0" dirty="0" smtClean="0">
+                <a:ln>
+                  <a:noFill/>
+                </a:ln>
+                <a:solidFill>
+                  <a:srgbClr val="454C55"/>
+                </a:solidFill>
+                <a:effectLst/>
+                <a:latin typeface="Open Sans"/>
+                <a:cs typeface="Arial" pitchFamily="34" charset="0"/>
+              </a:rPr>
+              <a:t>, and stops on the first element that doesn't meet the criteria. It then returns a new sequence containing all the "taken" elements.</a:t>
+            </a:r>
+            <a:r>
+              <a:rPr kumimoji="0" lang="en-US" b="0" i="0" u="none" strike="noStrike" cap="none" normalizeH="0" baseline="0" dirty="0" smtClean="0">
+                <a:ln>
+                  <a:noFill/>
+                </a:ln>
+                <a:solidFill>
+                  <a:schemeClr val="tx1"/>
+                </a:solidFill>
+                <a:effectLst/>
+                <a:latin typeface="Arial" pitchFamily="34" charset="0"/>
+                <a:cs typeface="Arial" pitchFamily="34" charset="0"/>
+              </a:rPr>
+              <a:t> </a:t>
+            </a:r>
+          </a:p>
+        </p:txBody>
+      </p:sp>
+      <p:sp>
+        <p:nvSpPr>
+          <p:cNvPr id="6" name="Rectangle 5"/>
+          <p:cNvSpPr/>
+          <p:nvPr/>
+        </p:nvSpPr>
+        <p:spPr>
+          <a:xfrm>
+            <a:off x="1219200" y="3657600"/>
+            <a:ext cx="4572000" cy="1200329"/>
+          </a:xfrm>
+          <a:prstGeom prst="rect">
+            <a:avLst/>
+          </a:prstGeom>
+        </p:spPr>
+        <p:txBody>
+          <a:bodyPr>
+            <a:spAutoFit/>
+          </a:bodyPr>
+          <a:lstStyle/>
+          <a:p>
+            <a:r>
+              <a:rPr lang="en-US" dirty="0" smtClean="0"/>
+              <a:t>List&lt;</a:t>
+            </a:r>
+            <a:r>
+              <a:rPr lang="en-US" dirty="0" err="1" smtClean="0"/>
+              <a:t>int</a:t>
+            </a:r>
+            <a:r>
+              <a:rPr lang="en-US" dirty="0" smtClean="0"/>
+              <a:t>&gt; </a:t>
+            </a:r>
+            <a:r>
+              <a:rPr lang="en-US" dirty="0" err="1" smtClean="0"/>
+              <a:t>ints</a:t>
+            </a:r>
+            <a:r>
+              <a:rPr lang="en-US" dirty="0" smtClean="0"/>
+              <a:t> = new List&lt;</a:t>
+            </a:r>
+            <a:r>
+              <a:rPr lang="en-US" dirty="0" err="1" smtClean="0"/>
+              <a:t>int</a:t>
+            </a:r>
+            <a:r>
+              <a:rPr lang="en-US" dirty="0" smtClean="0"/>
+              <a:t>&gt; { 1, 2, 4, 8, 4, 2, 1 }; // Will contain { 1, 2, 4 } </a:t>
+            </a:r>
+            <a:endParaRPr lang="en-US" dirty="0" smtClean="0"/>
+          </a:p>
+          <a:p>
+            <a:r>
+              <a:rPr lang="en-US" dirty="0" err="1" smtClean="0"/>
+              <a:t>IEnumerable</a:t>
+            </a:r>
+            <a:r>
+              <a:rPr lang="en-US" dirty="0" smtClean="0"/>
+              <a:t>&lt;</a:t>
+            </a:r>
+            <a:r>
+              <a:rPr lang="en-US" dirty="0" err="1" smtClean="0"/>
+              <a:t>int</a:t>
+            </a:r>
+            <a:r>
+              <a:rPr lang="en-US" dirty="0" smtClean="0"/>
+              <a:t>&gt; result = </a:t>
+            </a:r>
+            <a:r>
+              <a:rPr lang="en-US" dirty="0" err="1" smtClean="0"/>
+              <a:t>ints.TakeWhile</a:t>
+            </a:r>
+            <a:r>
+              <a:rPr lang="en-US" dirty="0" smtClean="0"/>
+              <a:t>(</a:t>
+            </a:r>
+            <a:r>
+              <a:rPr lang="en-US" dirty="0" err="1" smtClean="0"/>
+              <a:t>theInt</a:t>
+            </a:r>
+            <a:r>
+              <a:rPr lang="en-US" dirty="0" smtClean="0"/>
+              <a:t> =&gt; </a:t>
+            </a:r>
+            <a:r>
+              <a:rPr lang="en-US" dirty="0" err="1" smtClean="0"/>
+              <a:t>theInt</a:t>
+            </a:r>
+            <a:r>
+              <a:rPr lang="en-US" dirty="0" smtClean="0"/>
+              <a:t> &lt; 5);</a:t>
+            </a:r>
+            <a:endParaRPr lang="en-US" dirty="0"/>
           </a:p>
         </p:txBody>
       </p:sp>
     </p:spTree>
-    <p:extLst>
-      <p:ext uri="{BB962C8B-B14F-4D97-AF65-F5344CB8AC3E}">
-        <p14:creationId xmlns:p14="http://schemas.microsoft.com/office/powerpoint/2010/main" xmlns="" val="1632962887"/>
-      </p:ext>
-    </p:extLst>
   </p:cSld>
   <p:clrMapOvr>
     <a:masterClrMapping/>
@@ -9337,10 +9487,694 @@
       </p:grpSpPr>
       <p:sp>
         <p:nvSpPr>
+          <p:cNvPr id="2" name="Title 1"/>
+          <p:cNvSpPr>
+            <a:spLocks noGrp="1"/>
+          </p:cNvSpPr>
+          <p:nvPr>
+            <p:ph type="title"/>
+          </p:nvPr>
+        </p:nvSpPr>
+        <p:spPr/>
+        <p:txBody>
+          <a:bodyPr/>
+          <a:lstStyle/>
+          <a:p>
+            <a:pPr algn="ctr"/>
+            <a:r>
+              <a:rPr lang="en-US" dirty="0" err="1" smtClean="0"/>
+              <a:t>SkipWhile</a:t>
+            </a:r>
+            <a:r>
+              <a:rPr lang="en-US" dirty="0" smtClean="0"/>
+              <a:t>()</a:t>
+            </a:r>
+            <a:endParaRPr lang="en-US" dirty="0"/>
+          </a:p>
+        </p:txBody>
+      </p:sp>
+      <p:sp>
+        <p:nvSpPr>
+          <p:cNvPr id="3" name="Footer Placeholder 2"/>
+          <p:cNvSpPr>
+            <a:spLocks noGrp="1"/>
+          </p:cNvSpPr>
+          <p:nvPr>
+            <p:ph type="ftr" sz="quarter" idx="11"/>
+          </p:nvPr>
+        </p:nvSpPr>
+        <p:spPr/>
+        <p:txBody>
+          <a:bodyPr/>
+          <a:lstStyle/>
+          <a:p>
+            <a:r>
+              <a:rPr lang="en-US" smtClean="0"/>
+              <a:t>Excel Online Classes</a:t>
+            </a:r>
+            <a:endParaRPr lang="en-US"/>
+          </a:p>
+        </p:txBody>
+      </p:sp>
+      <p:sp>
+        <p:nvSpPr>
+          <p:cNvPr id="4" name="Rectangle 3"/>
+          <p:cNvSpPr/>
+          <p:nvPr/>
+        </p:nvSpPr>
+        <p:spPr>
+          <a:xfrm>
+            <a:off x="990600" y="1371600"/>
+            <a:ext cx="5113900" cy="523220"/>
+          </a:xfrm>
+          <a:prstGeom prst="rect">
+            <a:avLst/>
+          </a:prstGeom>
+        </p:spPr>
+        <p:txBody>
+          <a:bodyPr wrap="none">
+            <a:spAutoFit/>
+          </a:bodyPr>
+          <a:lstStyle/>
+          <a:p>
+            <a:r>
+              <a:rPr lang="en-US" sz="2800" b="1" dirty="0" err="1" smtClean="0">
+                <a:hlinkClick r:id="rId2"/>
+              </a:rPr>
+              <a:t>SkipWhile</a:t>
+            </a:r>
+            <a:r>
+              <a:rPr lang="en-US" sz="2800" b="1" dirty="0" smtClean="0">
+                <a:hlinkClick r:id="rId2"/>
+              </a:rPr>
+              <a:t>(&lt;predicate&gt;)</a:t>
+            </a:r>
+            <a:r>
+              <a:rPr lang="en-US" sz="2800" b="1" dirty="0" smtClean="0"/>
+              <a:t> method</a:t>
+            </a:r>
+            <a:endParaRPr lang="en-US" sz="2800" b="1" dirty="0"/>
+          </a:p>
+        </p:txBody>
+      </p:sp>
+      <p:sp>
+        <p:nvSpPr>
+          <p:cNvPr id="33793" name="Rectangle 1"/>
+          <p:cNvSpPr>
+            <a:spLocks noChangeArrowheads="1"/>
+          </p:cNvSpPr>
+          <p:nvPr/>
+        </p:nvSpPr>
+        <p:spPr bwMode="auto">
+          <a:xfrm>
+            <a:off x="914400" y="2057400"/>
+            <a:ext cx="7772400" cy="1538883"/>
+          </a:xfrm>
+          <a:prstGeom prst="rect">
+            <a:avLst/>
+          </a:prstGeom>
+          <a:solidFill>
+            <a:srgbClr val="FFFFFF"/>
+          </a:solidFill>
+          <a:ln w="9525">
+            <a:noFill/>
+            <a:miter lim="800000"/>
+            <a:headEnd/>
+            <a:tailEnd/>
+          </a:ln>
+          <a:effectLst/>
+        </p:spPr>
+        <p:txBody>
+          <a:bodyPr vert="horz" wrap="square" lIns="0" tIns="0" rIns="0" bIns="0" numCol="1" anchor="ctr" anchorCtr="0" compatLnSpc="1">
+            <a:prstTxWarp prst="textNoShape">
+              <a:avLst/>
+            </a:prstTxWarp>
+            <a:spAutoFit/>
+          </a:bodyPr>
+          <a:lstStyle/>
+          <a:p>
+            <a:pPr marL="0" marR="0" lvl="0" indent="0" algn="l" defTabSz="914400" rtl="0" eaLnBrk="1" fontAlgn="base" latinLnBrk="0" hangingPunct="1">
+              <a:lnSpc>
+                <a:spcPct val="100000"/>
+              </a:lnSpc>
+              <a:spcBef>
+                <a:spcPct val="0"/>
+              </a:spcBef>
+              <a:spcAft>
+                <a:spcPct val="0"/>
+              </a:spcAft>
+              <a:buClrTx/>
+              <a:buSzTx/>
+              <a:buFontTx/>
+              <a:buNone/>
+              <a:tabLst/>
+            </a:pPr>
+            <a:r>
+              <a:rPr kumimoji="0" lang="en-US" sz="2000" b="0" i="0" u="none" strike="noStrike" cap="none" normalizeH="0" baseline="0" dirty="0" smtClean="0">
+                <a:ln>
+                  <a:noFill/>
+                </a:ln>
+                <a:solidFill>
+                  <a:srgbClr val="454C55"/>
+                </a:solidFill>
+                <a:effectLst/>
+                <a:latin typeface="Open Sans"/>
+                <a:cs typeface="Arial" pitchFamily="34" charset="0"/>
+              </a:rPr>
+              <a:t>Just as </a:t>
+            </a:r>
+            <a:r>
+              <a:rPr kumimoji="0" lang="en-US" sz="2000" b="0" i="0" u="none" strike="noStrike" cap="none" normalizeH="0" baseline="0" dirty="0" smtClean="0">
+                <a:ln>
+                  <a:noFill/>
+                </a:ln>
+                <a:solidFill>
+                  <a:srgbClr val="454C55"/>
+                </a:solidFill>
+                <a:effectLst/>
+                <a:latin typeface="Inconsolata"/>
+                <a:cs typeface="Arial" pitchFamily="34" charset="0"/>
+              </a:rPr>
+              <a:t>Skip()</a:t>
+            </a:r>
+            <a:r>
+              <a:rPr kumimoji="0" lang="en-US" sz="2000" b="0" i="0" u="none" strike="noStrike" cap="none" normalizeH="0" baseline="0" dirty="0" smtClean="0">
+                <a:ln>
+                  <a:noFill/>
+                </a:ln>
+                <a:solidFill>
+                  <a:srgbClr val="454C55"/>
+                </a:solidFill>
+                <a:effectLst/>
+                <a:latin typeface="Open Sans"/>
+                <a:cs typeface="Arial" pitchFamily="34" charset="0"/>
+              </a:rPr>
+              <a:t> is the spiritual opposite of </a:t>
+            </a:r>
+            <a:r>
+              <a:rPr kumimoji="0" lang="en-US" sz="2000" b="0" i="0" u="none" strike="noStrike" cap="none" normalizeH="0" baseline="0" dirty="0" smtClean="0">
+                <a:ln>
+                  <a:noFill/>
+                </a:ln>
+                <a:solidFill>
+                  <a:srgbClr val="454C55"/>
+                </a:solidFill>
+                <a:effectLst/>
+                <a:latin typeface="Inconsolata"/>
+                <a:cs typeface="Arial" pitchFamily="34" charset="0"/>
+              </a:rPr>
+              <a:t>Take()</a:t>
+            </a:r>
+            <a:r>
+              <a:rPr kumimoji="0" lang="en-US" sz="2000" b="0" i="0" u="none" strike="noStrike" cap="none" normalizeH="0" baseline="0" dirty="0" smtClean="0">
+                <a:ln>
+                  <a:noFill/>
+                </a:ln>
+                <a:solidFill>
+                  <a:srgbClr val="454C55"/>
+                </a:solidFill>
+                <a:effectLst/>
+                <a:latin typeface="Open Sans"/>
+                <a:cs typeface="Arial" pitchFamily="34" charset="0"/>
+              </a:rPr>
+              <a:t>, </a:t>
+            </a:r>
+            <a:r>
+              <a:rPr kumimoji="0" lang="en-US" sz="2000" b="0" i="0" u="none" strike="noStrike" cap="none" normalizeH="0" baseline="0" dirty="0" err="1" smtClean="0">
+                <a:ln>
+                  <a:noFill/>
+                </a:ln>
+                <a:solidFill>
+                  <a:srgbClr val="454C55"/>
+                </a:solidFill>
+                <a:effectLst/>
+                <a:latin typeface="Inconsolata"/>
+                <a:cs typeface="Arial" pitchFamily="34" charset="0"/>
+              </a:rPr>
+              <a:t>SkipWhile</a:t>
+            </a:r>
+            <a:r>
+              <a:rPr kumimoji="0" lang="en-US" sz="2000" b="0" i="0" u="none" strike="noStrike" cap="none" normalizeH="0" baseline="0" dirty="0" smtClean="0">
+                <a:ln>
+                  <a:noFill/>
+                </a:ln>
+                <a:solidFill>
+                  <a:srgbClr val="454C55"/>
+                </a:solidFill>
+                <a:effectLst/>
+                <a:latin typeface="Inconsolata"/>
+                <a:cs typeface="Arial" pitchFamily="34" charset="0"/>
+              </a:rPr>
+              <a:t>()</a:t>
+            </a:r>
+            <a:r>
+              <a:rPr kumimoji="0" lang="en-US" sz="2000" b="0" i="0" u="none" strike="noStrike" cap="none" normalizeH="0" baseline="0" dirty="0" smtClean="0">
+                <a:ln>
+                  <a:noFill/>
+                </a:ln>
+                <a:solidFill>
+                  <a:srgbClr val="454C55"/>
+                </a:solidFill>
+                <a:effectLst/>
+                <a:latin typeface="Open Sans"/>
+                <a:cs typeface="Arial" pitchFamily="34" charset="0"/>
+              </a:rPr>
+              <a:t> is the opposite of </a:t>
+            </a:r>
+            <a:r>
+              <a:rPr kumimoji="0" lang="en-US" sz="2000" b="0" i="0" u="none" strike="noStrike" cap="none" normalizeH="0" baseline="0" dirty="0" err="1" smtClean="0">
+                <a:ln>
+                  <a:noFill/>
+                </a:ln>
+                <a:solidFill>
+                  <a:srgbClr val="454C55"/>
+                </a:solidFill>
+                <a:effectLst/>
+                <a:latin typeface="Inconsolata"/>
+                <a:cs typeface="Arial" pitchFamily="34" charset="0"/>
+              </a:rPr>
+              <a:t>TakeWhile</a:t>
+            </a:r>
+            <a:r>
+              <a:rPr kumimoji="0" lang="en-US" sz="2000" b="0" i="0" u="none" strike="noStrike" cap="none" normalizeH="0" baseline="0" dirty="0" smtClean="0">
+                <a:ln>
+                  <a:noFill/>
+                </a:ln>
+                <a:solidFill>
+                  <a:srgbClr val="454C55"/>
+                </a:solidFill>
+                <a:effectLst/>
+                <a:latin typeface="Inconsolata"/>
+                <a:cs typeface="Arial" pitchFamily="34" charset="0"/>
+              </a:rPr>
+              <a:t>()</a:t>
+            </a:r>
+            <a:r>
+              <a:rPr kumimoji="0" lang="en-US" sz="2000" b="0" i="0" u="none" strike="noStrike" cap="none" normalizeH="0" baseline="0" dirty="0" smtClean="0">
+                <a:ln>
+                  <a:noFill/>
+                </a:ln>
+                <a:solidFill>
+                  <a:srgbClr val="454C55"/>
+                </a:solidFill>
+                <a:effectLst/>
+                <a:latin typeface="Open Sans"/>
+                <a:cs typeface="Arial" pitchFamily="34" charset="0"/>
+              </a:rPr>
+              <a:t>. </a:t>
+            </a:r>
+            <a:r>
+              <a:rPr kumimoji="0" lang="en-US" sz="2000" b="0" i="0" u="none" strike="noStrike" cap="none" normalizeH="0" baseline="0" dirty="0" err="1" smtClean="0">
+                <a:ln>
+                  <a:noFill/>
+                </a:ln>
+                <a:solidFill>
+                  <a:srgbClr val="454C55"/>
+                </a:solidFill>
+                <a:effectLst/>
+                <a:latin typeface="Inconsolata"/>
+                <a:cs typeface="Arial" pitchFamily="34" charset="0"/>
+              </a:rPr>
+              <a:t>SkipWhile</a:t>
+            </a:r>
+            <a:r>
+              <a:rPr kumimoji="0" lang="en-US" sz="2000" b="0" i="0" u="none" strike="noStrike" cap="none" normalizeH="0" baseline="0" dirty="0" smtClean="0">
+                <a:ln>
+                  <a:noFill/>
+                </a:ln>
+                <a:solidFill>
+                  <a:srgbClr val="454C55"/>
+                </a:solidFill>
+                <a:effectLst/>
+                <a:latin typeface="Inconsolata"/>
+                <a:cs typeface="Arial" pitchFamily="34" charset="0"/>
+              </a:rPr>
+              <a:t>()</a:t>
+            </a:r>
+            <a:r>
+              <a:rPr kumimoji="0" lang="en-US" sz="2000" b="0" i="0" u="none" strike="noStrike" cap="none" normalizeH="0" baseline="0" dirty="0" smtClean="0">
+                <a:ln>
+                  <a:noFill/>
+                </a:ln>
+                <a:solidFill>
+                  <a:srgbClr val="454C55"/>
+                </a:solidFill>
+                <a:effectLst/>
+                <a:latin typeface="Open Sans"/>
+                <a:cs typeface="Arial" pitchFamily="34" charset="0"/>
+              </a:rPr>
+              <a:t> "skips" the initial elements of a sequence that meet the criteria specified by the </a:t>
+            </a:r>
+            <a:r>
+              <a:rPr kumimoji="0" lang="en-US" sz="2000" b="1" i="0" u="none" strike="noStrike" cap="none" normalizeH="0" baseline="0" dirty="0" smtClean="0">
+                <a:ln>
+                  <a:noFill/>
+                </a:ln>
+                <a:solidFill>
+                  <a:srgbClr val="454C55"/>
+                </a:solidFill>
+                <a:effectLst/>
+                <a:latin typeface="Open Sans"/>
+                <a:cs typeface="Arial" pitchFamily="34" charset="0"/>
+              </a:rPr>
+              <a:t>predicate</a:t>
+            </a:r>
+            <a:r>
+              <a:rPr kumimoji="0" lang="en-US" sz="2000" b="0" i="0" u="none" strike="noStrike" cap="none" normalizeH="0" baseline="0" dirty="0" smtClean="0">
+                <a:ln>
+                  <a:noFill/>
+                </a:ln>
+                <a:solidFill>
+                  <a:srgbClr val="454C55"/>
+                </a:solidFill>
+                <a:effectLst/>
+                <a:latin typeface="Open Sans"/>
+                <a:cs typeface="Arial" pitchFamily="34" charset="0"/>
+              </a:rPr>
+              <a:t> and returns a new sequence containing the first element that doesn't meet the criteria as well as any elements that follow.</a:t>
+            </a:r>
+            <a:r>
+              <a:rPr kumimoji="0" lang="en-US" sz="2000" b="0" i="0" u="none" strike="noStrike" cap="none" normalizeH="0" baseline="0" dirty="0" smtClean="0">
+                <a:ln>
+                  <a:noFill/>
+                </a:ln>
+                <a:solidFill>
+                  <a:schemeClr val="tx1"/>
+                </a:solidFill>
+                <a:effectLst/>
+                <a:latin typeface="Arial" pitchFamily="34" charset="0"/>
+                <a:cs typeface="Arial" pitchFamily="34" charset="0"/>
+              </a:rPr>
+              <a:t> </a:t>
+            </a:r>
+          </a:p>
+        </p:txBody>
+      </p:sp>
+      <p:sp>
+        <p:nvSpPr>
+          <p:cNvPr id="33794" name="Rectangle 2"/>
+          <p:cNvSpPr>
+            <a:spLocks noChangeArrowheads="1"/>
+          </p:cNvSpPr>
+          <p:nvPr/>
+        </p:nvSpPr>
+        <p:spPr bwMode="auto">
+          <a:xfrm>
+            <a:off x="914400" y="3810000"/>
+            <a:ext cx="5943600" cy="1231106"/>
+          </a:xfrm>
+          <a:prstGeom prst="rect">
+            <a:avLst/>
+          </a:prstGeom>
+          <a:solidFill>
+            <a:srgbClr val="F9F9F9"/>
+          </a:solidFill>
+          <a:ln w="9525">
+            <a:noFill/>
+            <a:miter lim="800000"/>
+            <a:headEnd/>
+            <a:tailEnd/>
+          </a:ln>
+          <a:effectLst/>
+        </p:spPr>
+        <p:txBody>
+          <a:bodyPr vert="horz" wrap="square" lIns="9522" tIns="0" rIns="9522" bIns="0" numCol="1" anchor="ctr" anchorCtr="0" compatLnSpc="1">
+            <a:prstTxWarp prst="textNoShape">
+              <a:avLst/>
+            </a:prstTxWarp>
+            <a:spAutoFit/>
+          </a:bodyPr>
+          <a:lstStyle/>
+          <a:p>
+            <a:pPr marL="0" marR="0" lvl="0" indent="0" algn="l" defTabSz="914400" rtl="0" eaLnBrk="1" fontAlgn="base" latinLnBrk="0" hangingPunct="1">
+              <a:lnSpc>
+                <a:spcPct val="100000"/>
+              </a:lnSpc>
+              <a:spcBef>
+                <a:spcPct val="0"/>
+              </a:spcBef>
+              <a:spcAft>
+                <a:spcPct val="0"/>
+              </a:spcAft>
+              <a:buClrTx/>
+              <a:buSzTx/>
+              <a:buFontTx/>
+              <a:buNone/>
+              <a:tabLst/>
+            </a:pPr>
+            <a:r>
+              <a:rPr kumimoji="0" lang="en-US" sz="2000" b="0" i="0" u="none" strike="noStrike" cap="none" normalizeH="0" baseline="0" dirty="0" smtClean="0">
+                <a:ln>
+                  <a:noFill/>
+                </a:ln>
+                <a:solidFill>
+                  <a:srgbClr val="454C55"/>
+                </a:solidFill>
+                <a:effectLst/>
+                <a:latin typeface="Open Sans"/>
+                <a:cs typeface="Arial" pitchFamily="34" charset="0"/>
+              </a:rPr>
+              <a:t>the </a:t>
+            </a:r>
+            <a:r>
+              <a:rPr kumimoji="0" lang="en-US" sz="2000" b="1" i="0" u="none" strike="noStrike" cap="none" normalizeH="0" baseline="0" dirty="0" smtClean="0">
+                <a:ln>
+                  <a:noFill/>
+                </a:ln>
+                <a:solidFill>
+                  <a:srgbClr val="454C55"/>
+                </a:solidFill>
+                <a:effectLst/>
+                <a:latin typeface="Open Sans"/>
+                <a:cs typeface="Arial" pitchFamily="34" charset="0"/>
+              </a:rPr>
+              <a:t>predicate</a:t>
+            </a:r>
+            <a:r>
+              <a:rPr kumimoji="0" lang="en-US" sz="2000" b="0" i="0" u="none" strike="noStrike" cap="none" normalizeH="0" baseline="0" dirty="0" smtClean="0">
+                <a:ln>
+                  <a:noFill/>
+                </a:ln>
+                <a:solidFill>
+                  <a:srgbClr val="454C55"/>
+                </a:solidFill>
+                <a:effectLst/>
+                <a:latin typeface="Open Sans"/>
+                <a:cs typeface="Arial" pitchFamily="34" charset="0"/>
+              </a:rPr>
+              <a:t> is provided as a delegate method that takes a single element of type </a:t>
+            </a:r>
+            <a:r>
+              <a:rPr kumimoji="0" lang="en-US" sz="2000" b="0" i="0" u="none" strike="noStrike" cap="none" normalizeH="0" baseline="0" dirty="0" smtClean="0">
+                <a:ln>
+                  <a:noFill/>
+                </a:ln>
+                <a:solidFill>
+                  <a:srgbClr val="454C55"/>
+                </a:solidFill>
+                <a:effectLst/>
+                <a:latin typeface="Inconsolata"/>
+                <a:cs typeface="Arial" pitchFamily="34" charset="0"/>
+              </a:rPr>
+              <a:t>T</a:t>
+            </a:r>
+            <a:r>
+              <a:rPr kumimoji="0" lang="en-US" sz="2000" b="0" i="0" u="none" strike="noStrike" cap="none" normalizeH="0" baseline="0" dirty="0" smtClean="0">
+                <a:ln>
+                  <a:noFill/>
+                </a:ln>
+                <a:solidFill>
+                  <a:srgbClr val="454C55"/>
+                </a:solidFill>
+                <a:effectLst/>
+                <a:latin typeface="Open Sans"/>
+                <a:cs typeface="Arial" pitchFamily="34" charset="0"/>
+              </a:rPr>
+              <a:t> and returns a </a:t>
+            </a:r>
+            <a:r>
+              <a:rPr kumimoji="0" lang="en-US" sz="2000" b="0" i="0" u="none" strike="noStrike" cap="none" normalizeH="0" baseline="0" dirty="0" err="1" smtClean="0">
+                <a:ln>
+                  <a:noFill/>
+                </a:ln>
+                <a:solidFill>
+                  <a:srgbClr val="454C55"/>
+                </a:solidFill>
+                <a:effectLst/>
+                <a:latin typeface="Inconsolata"/>
+                <a:cs typeface="Arial" pitchFamily="34" charset="0"/>
+              </a:rPr>
+              <a:t>bool</a:t>
+            </a:r>
+            <a:r>
+              <a:rPr kumimoji="0" lang="en-US" sz="2000" b="0" i="0" u="none" strike="noStrike" cap="none" normalizeH="0" baseline="0" dirty="0" smtClean="0">
+                <a:ln>
+                  <a:noFill/>
+                </a:ln>
+                <a:solidFill>
+                  <a:srgbClr val="454C55"/>
+                </a:solidFill>
+                <a:effectLst/>
+                <a:latin typeface="Open Sans"/>
+                <a:cs typeface="Arial" pitchFamily="34" charset="0"/>
+              </a:rPr>
+              <a:t> indicating whether or not the passed-in element should be "skipped".</a:t>
+            </a:r>
+            <a:r>
+              <a:rPr kumimoji="0" lang="en-US" sz="2000" b="0" i="0" u="none" strike="noStrike" cap="none" normalizeH="0" baseline="0" dirty="0" smtClean="0">
+                <a:ln>
+                  <a:noFill/>
+                </a:ln>
+                <a:solidFill>
+                  <a:schemeClr val="tx1"/>
+                </a:solidFill>
+                <a:effectLst/>
+                <a:latin typeface="Arial" pitchFamily="34" charset="0"/>
+                <a:cs typeface="Arial" pitchFamily="34" charset="0"/>
+              </a:rPr>
+              <a:t> </a:t>
+            </a:r>
+          </a:p>
+        </p:txBody>
+      </p:sp>
+      <p:sp>
+        <p:nvSpPr>
+          <p:cNvPr id="7" name="Rectangle 6"/>
+          <p:cNvSpPr/>
+          <p:nvPr/>
+        </p:nvSpPr>
+        <p:spPr>
+          <a:xfrm>
+            <a:off x="838200" y="5334000"/>
+            <a:ext cx="7924800" cy="923330"/>
+          </a:xfrm>
+          <a:prstGeom prst="rect">
+            <a:avLst/>
+          </a:prstGeom>
+        </p:spPr>
+        <p:txBody>
+          <a:bodyPr wrap="square">
+            <a:spAutoFit/>
+          </a:bodyPr>
+          <a:lstStyle/>
+          <a:p>
+            <a:r>
+              <a:rPr lang="en-US" dirty="0" smtClean="0"/>
+              <a:t>List&lt;</a:t>
+            </a:r>
+            <a:r>
+              <a:rPr lang="en-US" dirty="0" err="1" smtClean="0"/>
+              <a:t>int</a:t>
+            </a:r>
+            <a:r>
+              <a:rPr lang="en-US" dirty="0" smtClean="0"/>
+              <a:t>&gt; </a:t>
+            </a:r>
+            <a:r>
+              <a:rPr lang="en-US" dirty="0" err="1" smtClean="0"/>
+              <a:t>ints</a:t>
+            </a:r>
+            <a:r>
+              <a:rPr lang="en-US" dirty="0" smtClean="0"/>
+              <a:t> = new List&lt;</a:t>
+            </a:r>
+            <a:r>
+              <a:rPr lang="en-US" dirty="0" err="1" smtClean="0"/>
+              <a:t>int</a:t>
+            </a:r>
+            <a:r>
+              <a:rPr lang="en-US" dirty="0" smtClean="0"/>
+              <a:t>&gt; { 1, 2, 4, 8, 4, 2, 1 }; </a:t>
+            </a:r>
+            <a:endParaRPr lang="en-US" dirty="0" smtClean="0"/>
+          </a:p>
+          <a:p>
+            <a:r>
+              <a:rPr lang="en-US" dirty="0" smtClean="0"/>
+              <a:t>// </a:t>
+            </a:r>
+            <a:r>
+              <a:rPr lang="en-US" dirty="0" smtClean="0"/>
+              <a:t>Will contain { 4, 8, 4, 2, 1 } </a:t>
+            </a:r>
+            <a:endParaRPr lang="en-US" dirty="0" smtClean="0"/>
+          </a:p>
+          <a:p>
+            <a:r>
+              <a:rPr lang="en-US" dirty="0" err="1" smtClean="0"/>
+              <a:t>IEnumerable</a:t>
+            </a:r>
+            <a:r>
+              <a:rPr lang="en-US" dirty="0" smtClean="0"/>
+              <a:t>&lt;</a:t>
+            </a:r>
+            <a:r>
+              <a:rPr lang="en-US" dirty="0" err="1" smtClean="0"/>
+              <a:t>int</a:t>
+            </a:r>
+            <a:r>
+              <a:rPr lang="en-US" dirty="0" smtClean="0"/>
+              <a:t>&gt; result = </a:t>
+            </a:r>
+            <a:r>
+              <a:rPr lang="en-US" dirty="0" err="1" smtClean="0"/>
+              <a:t>ints.SkipWhile</a:t>
+            </a:r>
+            <a:r>
+              <a:rPr lang="en-US" dirty="0" smtClean="0"/>
+              <a:t>(</a:t>
+            </a:r>
+            <a:r>
+              <a:rPr lang="en-US" dirty="0" err="1" smtClean="0"/>
+              <a:t>theInt</a:t>
+            </a:r>
+            <a:r>
+              <a:rPr lang="en-US" dirty="0" smtClean="0"/>
+              <a:t> =&gt; </a:t>
+            </a:r>
+            <a:r>
+              <a:rPr lang="en-US" dirty="0" err="1" smtClean="0"/>
+              <a:t>theInt</a:t>
+            </a:r>
+            <a:r>
+              <a:rPr lang="en-US" dirty="0" smtClean="0"/>
+              <a:t> != 4);</a:t>
+            </a:r>
+            <a:endParaRPr lang="en-US" dirty="0"/>
+          </a:p>
+        </p:txBody>
+      </p:sp>
+    </p:spTree>
+  </p:cSld>
+  <p:clrMapOvr>
+    <a:masterClrMapping/>
+  </p:clrMapOvr>
+</p:sld>
+</file>
+
+<file path=ppt/slides/slide19.xml><?xml version="1.0" encoding="utf-8"?>
+<p:sld xmlns:a="http://schemas.openxmlformats.org/drawingml/2006/main" xmlns:r="http://schemas.openxmlformats.org/officeDocument/2006/relationships" xmlns:p="http://schemas.openxmlformats.org/presentationml/2006/main">
+  <p:cSld>
+    <p:spTree>
+      <p:nvGrpSpPr>
+        <p:cNvPr id="1" name=""/>
+        <p:cNvGrpSpPr/>
+        <p:nvPr/>
+      </p:nvGrpSpPr>
+      <p:grpSpPr>
+        <a:xfrm>
+          <a:off x="0" y="0"/>
+          <a:ext cx="0" cy="0"/>
+          <a:chOff x="0" y="0"/>
+          <a:chExt cx="0" cy="0"/>
+        </a:xfrm>
+      </p:grpSpPr>
+      <p:sp>
+        <p:nvSpPr>
           <p:cNvPr id="2" name="Title 1">
             <a:extLst>
               <a:ext uri="{FF2B5EF4-FFF2-40B4-BE49-F238E27FC236}">
-                <a16:creationId xmlns:a16="http://schemas.microsoft.com/office/drawing/2014/main" xmlns="" id="{63CA9282-B962-A3AE-9CD9-76604041F2AC}"/>
+                <a16:creationId xmlns="" xmlns:a16="http://schemas.microsoft.com/office/drawing/2014/main" id="{68AA1C7D-8431-E0AD-7619-A2A4A596487C}"/>
               </a:ext>
             </a:extLst>
           </p:cNvPr>
@@ -9357,16 +10191,6 @@
           <a:lstStyle/>
           <a:p>
             <a:r>
-              <a:rPr lang="en-IN" b="1" i="0" dirty="0" err="1">
-                <a:solidFill>
-                  <a:schemeClr val="tx2"/>
-                </a:solidFill>
-                <a:effectLst/>
-                <a:latin typeface="arial" panose="020B0604020202020204" pitchFamily="34" charset="0"/>
-              </a:rPr>
-              <a:t>SingleOrDefault</a:t>
-            </a:r>
-            <a:r>
               <a:rPr lang="en-IN" b="1" i="0" dirty="0">
                 <a:solidFill>
                   <a:schemeClr val="tx2"/>
@@ -9374,7 +10198,7 @@
                 <a:effectLst/>
                 <a:latin typeface="arial" panose="020B0604020202020204" pitchFamily="34" charset="0"/>
               </a:rPr>
-              <a:t> Method in </a:t>
+              <a:t>Single Method in </a:t>
             </a:r>
             <a:r>
               <a:rPr lang="en-IN" b="1" i="0" dirty="0" err="1">
@@ -9399,7 +10223,7 @@
             <a:r>
               <a:rPr lang="en-IN" b="0" i="0" dirty="0">
                 <a:solidFill>
-                  <a:srgbClr val="3A3A3A"/>
+                  <a:schemeClr val="tx2"/>
                 </a:solidFill>
                 <a:effectLst/>
                 <a:latin typeface="-apple-system"/>
@@ -9409,13 +10233,17 @@
             <a:br>
               <a:rPr lang="en-IN" b="0" i="0" dirty="0">
                 <a:solidFill>
-                  <a:srgbClr val="3A3A3A"/>
+                  <a:schemeClr val="tx2"/>
                 </a:solidFill>
                 <a:effectLst/>
                 <a:latin typeface="-apple-system"/>
               </a:rPr>
             </a:br>
-            <a:endParaRPr lang="en-IN" dirty="0"/>
+            <a:endParaRPr lang="en-IN" dirty="0">
+              <a:solidFill>
+                <a:schemeClr val="tx2"/>
+              </a:solidFill>
+            </a:endParaRPr>
           </a:p>
         </p:txBody>
       </p:sp>
@@ -9424,7 +10252,7 @@
           <p:cNvPr id="3" name="Footer Placeholder 2">
             <a:extLst>
               <a:ext uri="{FF2B5EF4-FFF2-40B4-BE49-F238E27FC236}">
-                <a16:creationId xmlns:a16="http://schemas.microsoft.com/office/drawing/2014/main" xmlns="" id="{2F40F4DE-B5C7-BD41-19FA-8D0116164775}"/>
+                <a16:creationId xmlns="" xmlns:a16="http://schemas.microsoft.com/office/drawing/2014/main" id="{76EBC999-CA08-D162-5CCA-B917952FC6FC}"/>
               </a:ext>
             </a:extLst>
           </p:cNvPr>
@@ -9452,7 +10280,7 @@
           <p:cNvPr id="5" name="TextBox 4">
             <a:extLst>
               <a:ext uri="{FF2B5EF4-FFF2-40B4-BE49-F238E27FC236}">
-                <a16:creationId xmlns:a16="http://schemas.microsoft.com/office/drawing/2014/main" xmlns="" id="{F41DE00F-1E10-98C0-69CC-ED3CE9550084}"/>
+                <a16:creationId xmlns="" xmlns:a16="http://schemas.microsoft.com/office/drawing/2014/main" id="{37E6B79F-124C-658E-38C1-079BB95BCEC1}"/>
               </a:ext>
             </a:extLst>
           </p:cNvPr>
@@ -9461,8 +10289,8 @@
         </p:nvSpPr>
         <p:spPr>
           <a:xfrm>
-            <a:off x="1066800" y="1674674"/>
-            <a:ext cx="6096000" cy="2031325"/>
+            <a:off x="990600" y="1676400"/>
+            <a:ext cx="6629400" cy="646331"/>
           </a:xfrm>
           <a:prstGeom prst="rect">
             <a:avLst/>
@@ -9477,27 +10305,23 @@
           <a:p>
             <a:r>
               <a:rPr lang="en-US" b="0" i="0" dirty="0">
+                <a:solidFill>
+                  <a:schemeClr val="tx1">
+                    <a:lumMod val="95000"/>
+                  </a:schemeClr>
+                </a:solidFill>
                 <a:effectLst/>
                 <a:latin typeface="arial" panose="020B0604020202020204" pitchFamily="34" charset="0"/>
               </a:rPr>
-              <a:t>Both Single and </a:t>
+              <a:t>The </a:t>
             </a:r>
             <a:r>
               <a:rPr lang="en-US" b="0" i="0" dirty="0" err="1">
-                <a:effectLst/>
-                <a:latin typeface="arial" panose="020B0604020202020204" pitchFamily="34" charset="0"/>
-              </a:rPr>
-              <a:t>SingleOrDefault</a:t>
-            </a:r>
-            <a:r>
-              <a:rPr lang="en-US" b="0" i="0" dirty="0">
-                <a:effectLst/>
-                <a:latin typeface="arial" panose="020B0604020202020204" pitchFamily="34" charset="0"/>
-              </a:rPr>
-              <a:t> methods in </a:t>
-            </a:r>
-            <a:r>
-              <a:rPr lang="en-US" b="0" i="0" dirty="0" err="1">
+                <a:solidFill>
+                  <a:schemeClr val="tx1">
+                    <a:lumMod val="95000"/>
+                  </a:schemeClr>
+                </a:solidFill>
                 <a:effectLst/>
                 <a:latin typeface="arial" panose="020B0604020202020204" pitchFamily="34" charset="0"/>
               </a:rPr>
@@ -9505,47 +10329,80 @@
             </a:r>
             <a:r>
               <a:rPr lang="en-US" b="0" i="0" dirty="0">
+                <a:solidFill>
+                  <a:schemeClr val="tx1">
+                    <a:lumMod val="95000"/>
+                  </a:schemeClr>
+                </a:solidFill>
                 <a:effectLst/>
                 <a:latin typeface="arial" panose="020B0604020202020204" pitchFamily="34" charset="0"/>
               </a:rPr>
-              <a:t> are used to returns a single element from a sequence.</a:t>
-            </a:r>
-          </a:p>
-          <a:p>
-            <a:endParaRPr lang="en-US" dirty="0">
-              <a:latin typeface="arial" panose="020B0604020202020204" pitchFamily="34" charset="0"/>
+              <a:t> Single Method is used to returns a single element from a data source or you can say from a sequence</a:t>
+            </a:r>
+            <a:endParaRPr lang="en-IN" dirty="0">
+              <a:solidFill>
+                <a:schemeClr val="tx1">
+                  <a:lumMod val="95000"/>
+                </a:schemeClr>
+              </a:solidFill>
             </a:endParaRPr>
           </a:p>
+        </p:txBody>
+      </p:sp>
+      <p:sp>
+        <p:nvSpPr>
+          <p:cNvPr id="7" name="TextBox 6">
+            <a:extLst>
+              <a:ext uri="{FF2B5EF4-FFF2-40B4-BE49-F238E27FC236}">
+                <a16:creationId xmlns="" xmlns:a16="http://schemas.microsoft.com/office/drawing/2014/main" id="{0F8FD056-8C03-42DE-9307-51A329D95D79}"/>
+              </a:ext>
+            </a:extLst>
+          </p:cNvPr>
+          <p:cNvSpPr txBox="1"/>
+          <p:nvPr/>
+        </p:nvSpPr>
+        <p:spPr>
+          <a:xfrm>
+            <a:off x="1066800" y="2743200"/>
+            <a:ext cx="6629400" cy="923330"/>
+          </a:xfrm>
+          <a:prstGeom prst="rect">
+            <a:avLst/>
+          </a:prstGeom>
+          <a:noFill/>
+        </p:spPr>
+        <p:txBody>
+          <a:bodyPr wrap="square">
+            <a:spAutoFit/>
+          </a:bodyPr>
+          <a:lstStyle/>
           <a:p>
             <a:r>
               <a:rPr lang="en-US" b="0" i="0" dirty="0">
+                <a:solidFill>
+                  <a:schemeClr val="tx1">
+                    <a:lumMod val="95000"/>
+                  </a:schemeClr>
+                </a:solidFill>
                 <a:effectLst/>
                 <a:latin typeface="arial" panose="020B0604020202020204" pitchFamily="34" charset="0"/>
               </a:rPr>
-              <a:t> But if the sequence is empty or if no element is satisfied with the given condition, then the Single method will throw an exception while the </a:t>
-            </a:r>
-            <a:r>
-              <a:rPr lang="en-US" b="0" i="0" dirty="0" err="1">
-                <a:effectLst/>
-                <a:latin typeface="arial" panose="020B0604020202020204" pitchFamily="34" charset="0"/>
-              </a:rPr>
-              <a:t>SingleOrDefault</a:t>
-            </a:r>
-            <a:r>
-              <a:rPr lang="en-US" b="0" i="0" dirty="0">
-                <a:effectLst/>
-                <a:latin typeface="arial" panose="020B0604020202020204" pitchFamily="34" charset="0"/>
-              </a:rPr>
-              <a:t> method will not throw an exception instead it returns a default value.</a:t>
-            </a:r>
-            <a:endParaRPr lang="en-IN" dirty="0"/>
+              <a:t>This method simply returns the only element from a sequence. If the data source is empty or if the data source contains more than one element, then it throws an exception.</a:t>
+            </a:r>
+            <a:endParaRPr lang="en-IN" dirty="0">
+              <a:solidFill>
+                <a:schemeClr val="tx1">
+                  <a:lumMod val="95000"/>
+                </a:schemeClr>
+              </a:solidFill>
+            </a:endParaRPr>
           </a:p>
         </p:txBody>
       </p:sp>
     </p:spTree>
     <p:extLst>
       <p:ext uri="{BB962C8B-B14F-4D97-AF65-F5344CB8AC3E}">
-        <p14:creationId xmlns:p14="http://schemas.microsoft.com/office/powerpoint/2010/main" xmlns="" val="2579734301"/>
+        <p14:creationId xmlns="" xmlns:p14="http://schemas.microsoft.com/office/powerpoint/2010/main" val="1632962887"/>
       </p:ext>
     </p:extLst>
   </p:cSld>
@@ -9766,6 +10623,243 @@
 </p:sld>
 </file>
 
+<file path=ppt/slides/slide20.xml><?xml version="1.0" encoding="utf-8"?>
+<p:sld xmlns:a="http://schemas.openxmlformats.org/drawingml/2006/main" xmlns:r="http://schemas.openxmlformats.org/officeDocument/2006/relationships" xmlns:p="http://schemas.openxmlformats.org/presentationml/2006/main">
+  <p:cSld>
+    <p:spTree>
+      <p:nvGrpSpPr>
+        <p:cNvPr id="1" name=""/>
+        <p:cNvGrpSpPr/>
+        <p:nvPr/>
+      </p:nvGrpSpPr>
+      <p:grpSpPr>
+        <a:xfrm>
+          <a:off x="0" y="0"/>
+          <a:ext cx="0" cy="0"/>
+          <a:chOff x="0" y="0"/>
+          <a:chExt cx="0" cy="0"/>
+        </a:xfrm>
+      </p:grpSpPr>
+      <p:sp>
+        <p:nvSpPr>
+          <p:cNvPr id="2" name="Title 1">
+            <a:extLst>
+              <a:ext uri="{FF2B5EF4-FFF2-40B4-BE49-F238E27FC236}">
+                <a16:creationId xmlns="" xmlns:a16="http://schemas.microsoft.com/office/drawing/2014/main" id="{63CA9282-B962-A3AE-9CD9-76604041F2AC}"/>
+              </a:ext>
+            </a:extLst>
+          </p:cNvPr>
+          <p:cNvSpPr>
+            <a:spLocks noGrp="1"/>
+          </p:cNvSpPr>
+          <p:nvPr>
+            <p:ph type="title"/>
+          </p:nvPr>
+        </p:nvSpPr>
+        <p:spPr/>
+        <p:txBody>
+          <a:bodyPr/>
+          <a:lstStyle/>
+          <a:p>
+            <a:r>
+              <a:rPr lang="en-IN" b="1" i="0" dirty="0" err="1">
+                <a:solidFill>
+                  <a:schemeClr val="tx2"/>
+                </a:solidFill>
+                <a:effectLst/>
+                <a:latin typeface="arial" panose="020B0604020202020204" pitchFamily="34" charset="0"/>
+              </a:rPr>
+              <a:t>SingleOrDefault</a:t>
+            </a:r>
+            <a:r>
+              <a:rPr lang="en-IN" b="1" i="0" dirty="0">
+                <a:solidFill>
+                  <a:schemeClr val="tx2"/>
+                </a:solidFill>
+                <a:effectLst/>
+                <a:latin typeface="arial" panose="020B0604020202020204" pitchFamily="34" charset="0"/>
+              </a:rPr>
+              <a:t> Method in </a:t>
+            </a:r>
+            <a:r>
+              <a:rPr lang="en-IN" b="1" i="0" dirty="0" err="1">
+                <a:solidFill>
+                  <a:schemeClr val="tx2"/>
+                </a:solidFill>
+                <a:effectLst/>
+                <a:latin typeface="arial" panose="020B0604020202020204" pitchFamily="34" charset="0"/>
+              </a:rPr>
+              <a:t>Linq</a:t>
+            </a:r>
+            <a:r>
+              <a:rPr lang="en-IN" b="1" i="0" dirty="0">
+                <a:solidFill>
+                  <a:schemeClr val="tx2"/>
+                </a:solidFill>
+                <a:effectLst/>
+                <a:latin typeface="arial" panose="020B0604020202020204" pitchFamily="34" charset="0"/>
+              </a:rPr>
+              <a:t>: </a:t>
+            </a:r>
+            <a:r>
+              <a:rPr lang="en-IN" b="0" i="0" dirty="0">
+                <a:solidFill>
+                  <a:srgbClr val="3A3A3A"/>
+                </a:solidFill>
+                <a:effectLst/>
+                <a:latin typeface="-apple-system"/>
+              </a:rPr>
+              <a:t/>
+            </a:r>
+            <a:br>
+              <a:rPr lang="en-IN" b="0" i="0" dirty="0">
+                <a:solidFill>
+                  <a:srgbClr val="3A3A3A"/>
+                </a:solidFill>
+                <a:effectLst/>
+                <a:latin typeface="-apple-system"/>
+              </a:rPr>
+            </a:br>
+            <a:endParaRPr lang="en-IN" dirty="0"/>
+          </a:p>
+        </p:txBody>
+      </p:sp>
+      <p:sp>
+        <p:nvSpPr>
+          <p:cNvPr id="3" name="Footer Placeholder 2">
+            <a:extLst>
+              <a:ext uri="{FF2B5EF4-FFF2-40B4-BE49-F238E27FC236}">
+                <a16:creationId xmlns="" xmlns:a16="http://schemas.microsoft.com/office/drawing/2014/main" id="{2F40F4DE-B5C7-BD41-19FA-8D0116164775}"/>
+              </a:ext>
+            </a:extLst>
+          </p:cNvPr>
+          <p:cNvSpPr>
+            <a:spLocks noGrp="1"/>
+          </p:cNvSpPr>
+          <p:nvPr>
+            <p:ph type="ftr" sz="quarter" idx="11"/>
+          </p:nvPr>
+        </p:nvSpPr>
+        <p:spPr/>
+        <p:txBody>
+          <a:bodyPr/>
+          <a:lstStyle/>
+          <a:p>
+            <a:r>
+              <a:rPr lang="en-US"/>
+              <a:t>Excel Online Classes</a:t>
+            </a:r>
+          </a:p>
+        </p:txBody>
+      </p:sp>
+      <p:sp>
+        <p:nvSpPr>
+          <p:cNvPr id="5" name="TextBox 4">
+            <a:extLst>
+              <a:ext uri="{FF2B5EF4-FFF2-40B4-BE49-F238E27FC236}">
+                <a16:creationId xmlns="" xmlns:a16="http://schemas.microsoft.com/office/drawing/2014/main" id="{F41DE00F-1E10-98C0-69CC-ED3CE9550084}"/>
+              </a:ext>
+            </a:extLst>
+          </p:cNvPr>
+          <p:cNvSpPr txBox="1"/>
+          <p:nvPr/>
+        </p:nvSpPr>
+        <p:spPr>
+          <a:xfrm>
+            <a:off x="1066800" y="1674674"/>
+            <a:ext cx="6096000" cy="2031325"/>
+          </a:xfrm>
+          <a:prstGeom prst="rect">
+            <a:avLst/>
+          </a:prstGeom>
+          <a:noFill/>
+        </p:spPr>
+        <p:txBody>
+          <a:bodyPr wrap="square">
+            <a:spAutoFit/>
+          </a:bodyPr>
+          <a:lstStyle/>
+          <a:p>
+            <a:r>
+              <a:rPr lang="en-US" b="0" i="0" dirty="0">
+                <a:effectLst/>
+                <a:latin typeface="arial" panose="020B0604020202020204" pitchFamily="34" charset="0"/>
+              </a:rPr>
+              <a:t>Both Single and </a:t>
+            </a:r>
+            <a:r>
+              <a:rPr lang="en-US" b="0" i="0" dirty="0" err="1">
+                <a:effectLst/>
+                <a:latin typeface="arial" panose="020B0604020202020204" pitchFamily="34" charset="0"/>
+              </a:rPr>
+              <a:t>SingleOrDefault</a:t>
+            </a:r>
+            <a:r>
+              <a:rPr lang="en-US" b="0" i="0" dirty="0">
+                <a:effectLst/>
+                <a:latin typeface="arial" panose="020B0604020202020204" pitchFamily="34" charset="0"/>
+              </a:rPr>
+              <a:t> methods in </a:t>
+            </a:r>
+            <a:r>
+              <a:rPr lang="en-US" b="0" i="0" dirty="0" err="1">
+                <a:effectLst/>
+                <a:latin typeface="arial" panose="020B0604020202020204" pitchFamily="34" charset="0"/>
+              </a:rPr>
+              <a:t>Linq</a:t>
+            </a:r>
+            <a:r>
+              <a:rPr lang="en-US" b="0" i="0" dirty="0">
+                <a:effectLst/>
+                <a:latin typeface="arial" panose="020B0604020202020204" pitchFamily="34" charset="0"/>
+              </a:rPr>
+              <a:t> are used to returns a single element from a sequence.</a:t>
+            </a:r>
+          </a:p>
+          <a:p>
+            <a:endParaRPr lang="en-US" dirty="0">
+              <a:latin typeface="arial" panose="020B0604020202020204" pitchFamily="34" charset="0"/>
+            </a:endParaRPr>
+          </a:p>
+          <a:p>
+            <a:r>
+              <a:rPr lang="en-US" b="0" i="0" dirty="0">
+                <a:effectLst/>
+                <a:latin typeface="arial" panose="020B0604020202020204" pitchFamily="34" charset="0"/>
+              </a:rPr>
+              <a:t> But if the sequence is empty or if no element is satisfied with the given condition, then the Single method will throw an exception while the </a:t>
+            </a:r>
+            <a:r>
+              <a:rPr lang="en-US" b="0" i="0" dirty="0" err="1">
+                <a:effectLst/>
+                <a:latin typeface="arial" panose="020B0604020202020204" pitchFamily="34" charset="0"/>
+              </a:rPr>
+              <a:t>SingleOrDefault</a:t>
+            </a:r>
+            <a:r>
+              <a:rPr lang="en-US" b="0" i="0" dirty="0">
+                <a:effectLst/>
+                <a:latin typeface="arial" panose="020B0604020202020204" pitchFamily="34" charset="0"/>
+              </a:rPr>
+              <a:t> method will not throw an exception instead it returns a default value.</a:t>
+            </a:r>
+            <a:endParaRPr lang="en-IN" dirty="0"/>
+          </a:p>
+        </p:txBody>
+      </p:sp>
+    </p:spTree>
+    <p:extLst>
+      <p:ext uri="{BB962C8B-B14F-4D97-AF65-F5344CB8AC3E}">
+        <p14:creationId xmlns="" xmlns:p14="http://schemas.microsoft.com/office/powerpoint/2010/main" val="2579734301"/>
+      </p:ext>
+    </p:extLst>
+  </p:cSld>
+  <p:clrMapOvr>
+    <a:masterClrMapping/>
+  </p:clrMapOvr>
+</p:sld>
+</file>
+
 <file path=ppt/slides/slide3.xml><?xml version="1.0" encoding="utf-8"?>
 <p:sld xmlns:a="http://schemas.openxmlformats.org/drawingml/2006/main" xmlns:r="http://schemas.openxmlformats.org/officeDocument/2006/relationships" xmlns:p="http://schemas.openxmlformats.org/presentationml/2006/main">
   <p:cSld>
@@ -9829,14 +10923,14 @@
                 <a:gridCol w="1828800">
                   <a:extLst>
                     <a:ext uri="{9D8B030D-6E8A-4147-A177-3AD203B41FA5}">
-                      <a16:colId xmlns:a16="http://schemas.microsoft.com/office/drawing/2014/main" xmlns="" val="20000"/>
+                      <a16:colId xmlns="" xmlns:a16="http://schemas.microsoft.com/office/drawing/2014/main" val="20000"/>
                     </a:ext>
                   </a:extLst>
                 </a:gridCol>
                 <a:gridCol w="5943600">
                   <a:extLst>
                     <a:ext uri="{9D8B030D-6E8A-4147-A177-3AD203B41FA5}">
-                      <a16:colId xmlns:a16="http://schemas.microsoft.com/office/drawing/2014/main" xmlns="" val="20001"/>
+                      <a16:colId xmlns="" xmlns:a16="http://schemas.microsoft.com/office/drawing/2014/main" val="20001"/>
                     </a:ext>
                   </a:extLst>
                 </a:gridCol>
@@ -9870,7 +10964,7 @@
                 </a:tc>
                 <a:extLst>
                   <a:ext uri="{0D108BD9-81ED-4DB2-BD59-A6C34878D82A}">
-                    <a16:rowId xmlns:a16="http://schemas.microsoft.com/office/drawing/2014/main" xmlns="" val="10000"/>
+                    <a16:rowId xmlns="" xmlns:a16="http://schemas.microsoft.com/office/drawing/2014/main" val="10000"/>
                   </a:ext>
                 </a:extLst>
               </a:tr>
@@ -9904,7 +10998,7 @@
                 </a:tc>
                 <a:extLst>
                   <a:ext uri="{0D108BD9-81ED-4DB2-BD59-A6C34878D82A}">
-                    <a16:rowId xmlns:a16="http://schemas.microsoft.com/office/drawing/2014/main" xmlns="" val="10001"/>
+                    <a16:rowId xmlns="" xmlns:a16="http://schemas.microsoft.com/office/drawing/2014/main" val="10001"/>
                   </a:ext>
                 </a:extLst>
               </a:tr>
@@ -9937,7 +11031,7 @@
                 </a:tc>
                 <a:extLst>
                   <a:ext uri="{0D108BD9-81ED-4DB2-BD59-A6C34878D82A}">
-                    <a16:rowId xmlns:a16="http://schemas.microsoft.com/office/drawing/2014/main" xmlns="" val="10002"/>
+                    <a16:rowId xmlns="" xmlns:a16="http://schemas.microsoft.com/office/drawing/2014/main" val="10002"/>
                   </a:ext>
                 </a:extLst>
               </a:tr>
@@ -9971,7 +11065,7 @@
                 </a:tc>
                 <a:extLst>
                   <a:ext uri="{0D108BD9-81ED-4DB2-BD59-A6C34878D82A}">
-                    <a16:rowId xmlns:a16="http://schemas.microsoft.com/office/drawing/2014/main" xmlns="" val="10003"/>
+                    <a16:rowId xmlns="" xmlns:a16="http://schemas.microsoft.com/office/drawing/2014/main" val="10003"/>
                   </a:ext>
                 </a:extLst>
               </a:tr>
@@ -10005,7 +11099,7 @@
                 </a:tc>
                 <a:extLst>
                   <a:ext uri="{0D108BD9-81ED-4DB2-BD59-A6C34878D82A}">
-                    <a16:rowId xmlns:a16="http://schemas.microsoft.com/office/drawing/2014/main" xmlns="" val="10004"/>
+                    <a16:rowId xmlns="" xmlns:a16="http://schemas.microsoft.com/office/drawing/2014/main" val="10004"/>
                   </a:ext>
                 </a:extLst>
               </a:tr>
@@ -10038,7 +11132,7 @@
                 </a:tc>
                 <a:extLst>
                   <a:ext uri="{0D108BD9-81ED-4DB2-BD59-A6C34878D82A}">
-                    <a16:rowId xmlns:a16="http://schemas.microsoft.com/office/drawing/2014/main" xmlns="" val="10005"/>
+                    <a16:rowId xmlns="" xmlns:a16="http://schemas.microsoft.com/office/drawing/2014/main" val="10005"/>
                   </a:ext>
                 </a:extLst>
               </a:tr>
@@ -10072,7 +11166,7 @@
                 </a:tc>
                 <a:extLst>
                   <a:ext uri="{0D108BD9-81ED-4DB2-BD59-A6C34878D82A}">
-                    <a16:rowId xmlns:a16="http://schemas.microsoft.com/office/drawing/2014/main" xmlns="" val="10006"/>
+                    <a16:rowId xmlns="" xmlns:a16="http://schemas.microsoft.com/office/drawing/2014/main" val="10006"/>
                   </a:ext>
                 </a:extLst>
               </a:tr>
@@ -10114,7 +11208,7 @@
                 </a:tc>
                 <a:extLst>
                   <a:ext uri="{0D108BD9-81ED-4DB2-BD59-A6C34878D82A}">
-                    <a16:rowId xmlns:a16="http://schemas.microsoft.com/office/drawing/2014/main" xmlns="" val="10007"/>
+                    <a16:rowId xmlns="" xmlns:a16="http://schemas.microsoft.com/office/drawing/2014/main" val="10007"/>
                   </a:ext>
                 </a:extLst>
               </a:tr>
@@ -10148,7 +11242,7 @@
                 </a:tc>
                 <a:extLst>
                   <a:ext uri="{0D108BD9-81ED-4DB2-BD59-A6C34878D82A}">
-                    <a16:rowId xmlns:a16="http://schemas.microsoft.com/office/drawing/2014/main" xmlns="" val="10008"/>
+                    <a16:rowId xmlns="" xmlns:a16="http://schemas.microsoft.com/office/drawing/2014/main" val="10008"/>
                   </a:ext>
                 </a:extLst>
               </a:tr>
@@ -10182,7 +11276,7 @@
                 </a:tc>
                 <a:extLst>
                   <a:ext uri="{0D108BD9-81ED-4DB2-BD59-A6C34878D82A}">
-                    <a16:rowId xmlns:a16="http://schemas.microsoft.com/office/drawing/2014/main" xmlns="" val="10009"/>
+                    <a16:rowId xmlns="" xmlns:a16="http://schemas.microsoft.com/office/drawing/2014/main" val="10009"/>
                   </a:ext>
                 </a:extLst>
               </a:tr>
@@ -10268,7 +11362,7 @@
         <p:spPr>
           <a:xfrm>
             <a:off x="838200" y="2057400"/>
-            <a:ext cx="6705600" cy="1077218"/>
+            <a:ext cx="6705600" cy="1569660"/>
           </a:xfrm>
           <a:prstGeom prst="rect">
             <a:avLst/>
@@ -10290,8 +11384,19 @@
               <a:t>  result = from p in </a:t>
             </a:r>
             <a:r>
-              <a:rPr lang="en-US" sz="3200" dirty="0" err="1"/>
+              <a:rPr lang="en-US" sz="3200" dirty="0" err="1" smtClean="0"/>
               <a:t>datasource</a:t>
+            </a:r>
+            <a:endParaRPr lang="en-US" sz="3200" dirty="0" smtClean="0"/>
+          </a:p>
+          <a:p>
+            <a:r>
+              <a:rPr lang="en-US" sz="3200" dirty="0" smtClean="0"/>
+              <a:t> </a:t>
+            </a:r>
+            <a:r>
+              <a:rPr lang="en-US" sz="3200" dirty="0" smtClean="0"/>
+              <a:t>               </a:t>
             </a:r>
             <a:endParaRPr lang="en-US" sz="3200" dirty="0"/>
           </a:p>
@@ -10312,7 +11417,7 @@
         <p:spPr>
           <a:xfrm>
             <a:off x="533400" y="3316069"/>
-            <a:ext cx="7162800" cy="2062103"/>
+            <a:ext cx="8001000" cy="2062103"/>
           </a:xfrm>
           <a:prstGeom prst="rect">
             <a:avLst/>
@@ -10457,7 +11562,7 @@
           <p:nvPr>
             <p:extLst>
               <p:ext uri="{D42A27DB-BD31-4B8C-83A1-F6EECF244321}">
-                <p14:modId xmlns:p14="http://schemas.microsoft.com/office/powerpoint/2010/main" xmlns="" val="818843637"/>
+                <p14:modId xmlns="" xmlns:p14="http://schemas.microsoft.com/office/powerpoint/2010/main" val="818843637"/>
               </p:ext>
             </p:extLst>
           </p:nvPr>
@@ -10474,14 +11579,14 @@
                 <a:gridCol w="2133600">
                   <a:extLst>
                     <a:ext uri="{9D8B030D-6E8A-4147-A177-3AD203B41FA5}">
-                      <a16:colId xmlns:a16="http://schemas.microsoft.com/office/drawing/2014/main" xmlns="" val="20000"/>
+                      <a16:colId xmlns="" xmlns:a16="http://schemas.microsoft.com/office/drawing/2014/main" val="20000"/>
                     </a:ext>
                   </a:extLst>
                 </a:gridCol>
                 <a:gridCol w="6324600">
                   <a:extLst>
                     <a:ext uri="{9D8B030D-6E8A-4147-A177-3AD203B41FA5}">
-                      <a16:colId xmlns:a16="http://schemas.microsoft.com/office/drawing/2014/main" xmlns="" val="20001"/>
+                      <a16:colId xmlns="" xmlns:a16="http://schemas.microsoft.com/office/drawing/2014/main" val="20001"/>
                     </a:ext>
                   </a:extLst>
                 </a:gridCol>
@@ -10607,7 +11712,7 @@
                 </a:tc>
                 <a:extLst>
                   <a:ext uri="{0D108BD9-81ED-4DB2-BD59-A6C34878D82A}">
-                    <a16:rowId xmlns:a16="http://schemas.microsoft.com/office/drawing/2014/main" xmlns="" val="10000"/>
+                    <a16:rowId xmlns="" xmlns:a16="http://schemas.microsoft.com/office/drawing/2014/main" val="10000"/>
                   </a:ext>
                 </a:extLst>
               </a:tr>
@@ -10739,7 +11844,7 @@
                 </a:tc>
                 <a:extLst>
                   <a:ext uri="{0D108BD9-81ED-4DB2-BD59-A6C34878D82A}">
-                    <a16:rowId xmlns:a16="http://schemas.microsoft.com/office/drawing/2014/main" xmlns="" val="10001"/>
+                    <a16:rowId xmlns="" xmlns:a16="http://schemas.microsoft.com/office/drawing/2014/main" val="10001"/>
                   </a:ext>
                 </a:extLst>
               </a:tr>
@@ -10871,7 +11976,7 @@
                 </a:tc>
                 <a:extLst>
                   <a:ext uri="{0D108BD9-81ED-4DB2-BD59-A6C34878D82A}">
-                    <a16:rowId xmlns:a16="http://schemas.microsoft.com/office/drawing/2014/main" xmlns="" val="10002"/>
+                    <a16:rowId xmlns="" xmlns:a16="http://schemas.microsoft.com/office/drawing/2014/main" val="10002"/>
                   </a:ext>
                 </a:extLst>
               </a:tr>
@@ -11003,7 +12108,7 @@
                 </a:tc>
                 <a:extLst>
                   <a:ext uri="{0D108BD9-81ED-4DB2-BD59-A6C34878D82A}">
-                    <a16:rowId xmlns:a16="http://schemas.microsoft.com/office/drawing/2014/main" xmlns="" val="10003"/>
+                    <a16:rowId xmlns="" xmlns:a16="http://schemas.microsoft.com/office/drawing/2014/main" val="10003"/>
                   </a:ext>
                 </a:extLst>
               </a:tr>
@@ -11134,7 +12239,7 @@
                 </a:tc>
                 <a:extLst>
                   <a:ext uri="{0D108BD9-81ED-4DB2-BD59-A6C34878D82A}">
-                    <a16:rowId xmlns:a16="http://schemas.microsoft.com/office/drawing/2014/main" xmlns="" val="10004"/>
+                    <a16:rowId xmlns="" xmlns:a16="http://schemas.microsoft.com/office/drawing/2014/main" val="10004"/>
                   </a:ext>
                 </a:extLst>
               </a:tr>
@@ -11145,7 +12250,7 @@
     </p:spTree>
     <p:extLst>
       <p:ext uri="{BB962C8B-B14F-4D97-AF65-F5344CB8AC3E}">
-        <p14:creationId xmlns:p14="http://schemas.microsoft.com/office/powerpoint/2010/main" xmlns="" val="325203932"/>
+        <p14:creationId xmlns="" xmlns:p14="http://schemas.microsoft.com/office/powerpoint/2010/main" val="325203932"/>
       </p:ext>
     </p:extLst>
   </p:cSld>
@@ -11436,7 +12541,7 @@
           <p:cNvPr id="2" name="Title 1">
             <a:extLst>
               <a:ext uri="{FF2B5EF4-FFF2-40B4-BE49-F238E27FC236}">
-                <a16:creationId xmlns:a16="http://schemas.microsoft.com/office/drawing/2014/main" xmlns="" id="{5BA01950-05C4-C08E-51BE-7B2EB61A4A59}"/>
+                <a16:creationId xmlns="" xmlns:a16="http://schemas.microsoft.com/office/drawing/2014/main" id="{5BA01950-05C4-C08E-51BE-7B2EB61A4A59}"/>
               </a:ext>
             </a:extLst>
           </p:cNvPr>
@@ -11500,7 +12605,7 @@
           <p:cNvPr id="3" name="Footer Placeholder 2">
             <a:extLst>
               <a:ext uri="{FF2B5EF4-FFF2-40B4-BE49-F238E27FC236}">
-                <a16:creationId xmlns:a16="http://schemas.microsoft.com/office/drawing/2014/main" xmlns="" id="{0DAA5866-A9D5-D32C-8A6C-2D7057B3C0F1}"/>
+                <a16:creationId xmlns="" xmlns:a16="http://schemas.microsoft.com/office/drawing/2014/main" id="{0DAA5866-A9D5-D32C-8A6C-2D7057B3C0F1}"/>
               </a:ext>
             </a:extLst>
           </p:cNvPr>
@@ -11528,7 +12633,7 @@
           <p:cNvPr id="5" name="TextBox 4">
             <a:extLst>
               <a:ext uri="{FF2B5EF4-FFF2-40B4-BE49-F238E27FC236}">
-                <a16:creationId xmlns:a16="http://schemas.microsoft.com/office/drawing/2014/main" xmlns="" id="{FF1B2234-8859-813B-8F2A-8472318FF2E2}"/>
+                <a16:creationId xmlns="" xmlns:a16="http://schemas.microsoft.com/office/drawing/2014/main" id="{FF1B2234-8859-813B-8F2A-8472318FF2E2}"/>
               </a:ext>
             </a:extLst>
           </p:cNvPr>
@@ -11824,7 +12929,7 @@
     </p:spTree>
     <p:extLst>
       <p:ext uri="{BB962C8B-B14F-4D97-AF65-F5344CB8AC3E}">
-        <p14:creationId xmlns:p14="http://schemas.microsoft.com/office/powerpoint/2010/main" xmlns="" val="911425356"/>
+        <p14:creationId xmlns="" xmlns:p14="http://schemas.microsoft.com/office/powerpoint/2010/main" val="911425356"/>
       </p:ext>
     </p:extLst>
   </p:cSld>
@@ -11856,7 +12961,7 @@
           <p:cNvPr id="3" name="Footer Placeholder 2">
             <a:extLst>
               <a:ext uri="{FF2B5EF4-FFF2-40B4-BE49-F238E27FC236}">
-                <a16:creationId xmlns:a16="http://schemas.microsoft.com/office/drawing/2014/main" xmlns="" id="{70DCA407-0026-34D7-6266-6800813EDF83}"/>
+                <a16:creationId xmlns="" xmlns:a16="http://schemas.microsoft.com/office/drawing/2014/main" id="{70DCA407-0026-34D7-6266-6800813EDF83}"/>
               </a:ext>
             </a:extLst>
           </p:cNvPr>
@@ -11884,7 +12989,7 @@
           <p:cNvPr id="5" name="TextBox 4">
             <a:extLst>
               <a:ext uri="{FF2B5EF4-FFF2-40B4-BE49-F238E27FC236}">
-                <a16:creationId xmlns:a16="http://schemas.microsoft.com/office/drawing/2014/main" xmlns="" id="{8B529314-83A2-47FC-C056-1D5AC60545F4}"/>
+                <a16:creationId xmlns="" xmlns:a16="http://schemas.microsoft.com/office/drawing/2014/main" id="{8B529314-83A2-47FC-C056-1D5AC60545F4}"/>
               </a:ext>
             </a:extLst>
           </p:cNvPr>
@@ -11934,7 +13039,7 @@
           <p:cNvPr id="8" name="Title 7">
             <a:extLst>
               <a:ext uri="{FF2B5EF4-FFF2-40B4-BE49-F238E27FC236}">
-                <a16:creationId xmlns:a16="http://schemas.microsoft.com/office/drawing/2014/main" xmlns="" id="{20E05C8F-0012-E97F-D9E1-E0D8BCE01165}"/>
+                <a16:creationId xmlns="" xmlns:a16="http://schemas.microsoft.com/office/drawing/2014/main" id="{20E05C8F-0012-E97F-D9E1-E0D8BCE01165}"/>
               </a:ext>
             </a:extLst>
           </p:cNvPr>
@@ -11985,7 +13090,7 @@
     </p:spTree>
     <p:extLst>
       <p:ext uri="{BB962C8B-B14F-4D97-AF65-F5344CB8AC3E}">
-        <p14:creationId xmlns:p14="http://schemas.microsoft.com/office/powerpoint/2010/main" xmlns="" val="1629870437"/>
+        <p14:creationId xmlns="" xmlns:p14="http://schemas.microsoft.com/office/powerpoint/2010/main" val="1629870437"/>
       </p:ext>
     </p:extLst>
   </p:cSld>
